--- a/Docs/Low_level_design.pptx
+++ b/Docs/Low_level_design.pptx
@@ -5,7 +5,11 @@
     <p:sldMasterId id="2147483648" r:id="rId1"/>
   </p:sldMasterIdLst>
   <p:sldIdLst>
-    <p:sldId id="257" r:id="rId2"/>
+    <p:sldId id="258" r:id="rId2"/>
+    <p:sldId id="257" r:id="rId3"/>
+    <p:sldId id="259" r:id="rId4"/>
+    <p:sldId id="261" r:id="rId5"/>
+    <p:sldId id="262" r:id="rId6"/>
   </p:sldIdLst>
   <p:sldSz cx="12192000" cy="6858000"/>
   <p:notesSz cx="6858000" cy="9144000"/>
@@ -104,6 +108,11 @@
       </a:defRPr>
     </a:lvl9pPr>
   </p:defaultTextStyle>
+  <p:extLst>
+    <p:ext uri="{EFAFB233-063F-42B5-8137-9DF3F51BA10A}">
+      <p15:sldGuideLst xmlns:p15="http://schemas.microsoft.com/office/powerpoint/2012/main"/>
+    </p:ext>
+  </p:extLst>
 </p:presentation>
 </file>
 
@@ -238,7 +247,7 @@
           <a:p>
             <a:fld id="{8B102831-6800-4234-B400-B53E38CC7D14}" type="datetimeFigureOut">
               <a:rPr lang="ko-KR" altLang="en-US" smtClean="0"/>
-              <a:t>2017-11-07</a:t>
+              <a:t>2017-11-08</a:t>
             </a:fld>
             <a:endParaRPr lang="ko-KR" altLang="en-US"/>
           </a:p>
@@ -408,7 +417,7 @@
           <a:p>
             <a:fld id="{8B102831-6800-4234-B400-B53E38CC7D14}" type="datetimeFigureOut">
               <a:rPr lang="ko-KR" altLang="en-US" smtClean="0"/>
-              <a:t>2017-11-07</a:t>
+              <a:t>2017-11-08</a:t>
             </a:fld>
             <a:endParaRPr lang="ko-KR" altLang="en-US"/>
           </a:p>
@@ -588,7 +597,7 @@
           <a:p>
             <a:fld id="{8B102831-6800-4234-B400-B53E38CC7D14}" type="datetimeFigureOut">
               <a:rPr lang="ko-KR" altLang="en-US" smtClean="0"/>
-              <a:t>2017-11-07</a:t>
+              <a:t>2017-11-08</a:t>
             </a:fld>
             <a:endParaRPr lang="ko-KR" altLang="en-US"/>
           </a:p>
@@ -758,7 +767,7 @@
           <a:p>
             <a:fld id="{8B102831-6800-4234-B400-B53E38CC7D14}" type="datetimeFigureOut">
               <a:rPr lang="ko-KR" altLang="en-US" smtClean="0"/>
-              <a:t>2017-11-07</a:t>
+              <a:t>2017-11-08</a:t>
             </a:fld>
             <a:endParaRPr lang="ko-KR" altLang="en-US"/>
           </a:p>
@@ -1004,7 +1013,7 @@
           <a:p>
             <a:fld id="{8B102831-6800-4234-B400-B53E38CC7D14}" type="datetimeFigureOut">
               <a:rPr lang="ko-KR" altLang="en-US" smtClean="0"/>
-              <a:t>2017-11-07</a:t>
+              <a:t>2017-11-08</a:t>
             </a:fld>
             <a:endParaRPr lang="ko-KR" altLang="en-US"/>
           </a:p>
@@ -1236,7 +1245,7 @@
           <a:p>
             <a:fld id="{8B102831-6800-4234-B400-B53E38CC7D14}" type="datetimeFigureOut">
               <a:rPr lang="ko-KR" altLang="en-US" smtClean="0"/>
-              <a:t>2017-11-07</a:t>
+              <a:t>2017-11-08</a:t>
             </a:fld>
             <a:endParaRPr lang="ko-KR" altLang="en-US"/>
           </a:p>
@@ -1603,7 +1612,7 @@
           <a:p>
             <a:fld id="{8B102831-6800-4234-B400-B53E38CC7D14}" type="datetimeFigureOut">
               <a:rPr lang="ko-KR" altLang="en-US" smtClean="0"/>
-              <a:t>2017-11-07</a:t>
+              <a:t>2017-11-08</a:t>
             </a:fld>
             <a:endParaRPr lang="ko-KR" altLang="en-US"/>
           </a:p>
@@ -1721,7 +1730,7 @@
           <a:p>
             <a:fld id="{8B102831-6800-4234-B400-B53E38CC7D14}" type="datetimeFigureOut">
               <a:rPr lang="ko-KR" altLang="en-US" smtClean="0"/>
-              <a:t>2017-11-07</a:t>
+              <a:t>2017-11-08</a:t>
             </a:fld>
             <a:endParaRPr lang="ko-KR" altLang="en-US"/>
           </a:p>
@@ -1816,7 +1825,7 @@
           <a:p>
             <a:fld id="{8B102831-6800-4234-B400-B53E38CC7D14}" type="datetimeFigureOut">
               <a:rPr lang="ko-KR" altLang="en-US" smtClean="0"/>
-              <a:t>2017-11-07</a:t>
+              <a:t>2017-11-08</a:t>
             </a:fld>
             <a:endParaRPr lang="ko-KR" altLang="en-US"/>
           </a:p>
@@ -2093,7 +2102,7 @@
           <a:p>
             <a:fld id="{8B102831-6800-4234-B400-B53E38CC7D14}" type="datetimeFigureOut">
               <a:rPr lang="ko-KR" altLang="en-US" smtClean="0"/>
-              <a:t>2017-11-07</a:t>
+              <a:t>2017-11-08</a:t>
             </a:fld>
             <a:endParaRPr lang="ko-KR" altLang="en-US"/>
           </a:p>
@@ -2346,7 +2355,7 @@
           <a:p>
             <a:fld id="{8B102831-6800-4234-B400-B53E38CC7D14}" type="datetimeFigureOut">
               <a:rPr lang="ko-KR" altLang="en-US" smtClean="0"/>
-              <a:t>2017-11-07</a:t>
+              <a:t>2017-11-08</a:t>
             </a:fld>
             <a:endParaRPr lang="ko-KR" altLang="en-US"/>
           </a:p>
@@ -2559,7 +2568,7 @@
           <a:p>
             <a:fld id="{8B102831-6800-4234-B400-B53E38CC7D14}" type="datetimeFigureOut">
               <a:rPr lang="ko-KR" altLang="en-US" smtClean="0"/>
-              <a:t>2017-11-07</a:t>
+              <a:t>2017-11-08</a:t>
             </a:fld>
             <a:endParaRPr lang="ko-KR" altLang="en-US"/>
           </a:p>
@@ -2964,6 +2973,1223 @@
           <a:chExt cx="0" cy="0"/>
         </a:xfrm>
       </p:grpSpPr>
+      <p:grpSp>
+        <p:nvGrpSpPr>
+          <p:cNvPr id="21" name="그룹 20"/>
+          <p:cNvGrpSpPr/>
+          <p:nvPr/>
+        </p:nvGrpSpPr>
+        <p:grpSpPr>
+          <a:xfrm>
+            <a:off x="9085479" y="709799"/>
+            <a:ext cx="2737175" cy="1807394"/>
+            <a:chOff x="4337108" y="838899"/>
+            <a:chExt cx="1451295" cy="1670308"/>
+          </a:xfrm>
+        </p:grpSpPr>
+        <p:sp>
+          <p:nvSpPr>
+            <p:cNvPr id="22" name="직사각형 21"/>
+            <p:cNvSpPr/>
+            <p:nvPr/>
+          </p:nvSpPr>
+          <p:spPr>
+            <a:xfrm>
+              <a:off x="4337108" y="838899"/>
+              <a:ext cx="1451295" cy="1670308"/>
+            </a:xfrm>
+            <a:prstGeom prst="rect">
+              <a:avLst/>
+            </a:prstGeom>
+            <a:noFill/>
+            <a:ln w="28575"/>
+          </p:spPr>
+          <p:style>
+            <a:lnRef idx="1">
+              <a:schemeClr val="dk1"/>
+            </a:lnRef>
+            <a:fillRef idx="2">
+              <a:schemeClr val="dk1"/>
+            </a:fillRef>
+            <a:effectRef idx="1">
+              <a:schemeClr val="dk1"/>
+            </a:effectRef>
+            <a:fontRef idx="minor">
+              <a:schemeClr val="dk1"/>
+            </a:fontRef>
+          </p:style>
+          <p:txBody>
+            <a:bodyPr rtlCol="0" anchor="t" anchorCtr="0"/>
+            <a:lstStyle/>
+            <a:p>
+              <a:pPr algn="ctr"/>
+              <a:r>
+                <a:rPr lang="en-US" altLang="ko-KR" sz="1200" dirty="0" smtClean="0"/>
+                <a:t>static void </a:t>
+              </a:r>
+              <a:r>
+                <a:rPr lang="en-US" altLang="ko-KR" sz="1200" dirty="0" err="1" smtClean="0"/>
+                <a:t>RecvMassage</a:t>
+              </a:r>
+              <a:r>
+                <a:rPr lang="en-US" altLang="ko-KR" sz="1200" dirty="0" smtClean="0"/>
+                <a:t>(</a:t>
+              </a:r>
+              <a:r>
+                <a:rPr lang="en-US" altLang="ko-KR" sz="1200" dirty="0"/>
+                <a:t>LPVOID </a:t>
+              </a:r>
+              <a:r>
+                <a:rPr lang="en-US" altLang="ko-KR" sz="1200" dirty="0" err="1"/>
+                <a:t>arg</a:t>
+              </a:r>
+              <a:r>
+                <a:rPr lang="en-US" altLang="ko-KR" sz="1200" dirty="0" smtClean="0"/>
+                <a:t>)</a:t>
+              </a:r>
+              <a:endParaRPr lang="ko-KR" altLang="en-US" sz="1200" dirty="0"/>
+            </a:p>
+          </p:txBody>
+        </p:sp>
+        <p:sp>
+          <p:nvSpPr>
+            <p:cNvPr id="23" name="직사각형 22"/>
+            <p:cNvSpPr/>
+            <p:nvPr/>
+          </p:nvSpPr>
+          <p:spPr>
+            <a:xfrm>
+              <a:off x="4337108" y="1189218"/>
+              <a:ext cx="1451295" cy="1319989"/>
+            </a:xfrm>
+            <a:prstGeom prst="rect">
+              <a:avLst/>
+            </a:prstGeom>
+            <a:noFill/>
+          </p:spPr>
+          <p:style>
+            <a:lnRef idx="1">
+              <a:schemeClr val="accent5"/>
+            </a:lnRef>
+            <a:fillRef idx="2">
+              <a:schemeClr val="accent5"/>
+            </a:fillRef>
+            <a:effectRef idx="1">
+              <a:schemeClr val="accent5"/>
+            </a:effectRef>
+            <a:fontRef idx="minor">
+              <a:schemeClr val="dk1"/>
+            </a:fontRef>
+          </p:style>
+          <p:txBody>
+            <a:bodyPr rtlCol="0" anchor="t" anchorCtr="0"/>
+            <a:lstStyle/>
+            <a:p>
+              <a:r>
+                <a:rPr lang="en-US" altLang="ko-KR" sz="1200" dirty="0" err="1" smtClean="0"/>
+                <a:t>CreateThread</a:t>
+              </a:r>
+              <a:r>
+                <a:rPr lang="en-US" altLang="ko-KR" sz="1200" dirty="0" smtClean="0"/>
+                <a:t>()</a:t>
+              </a:r>
+              <a:r>
+                <a:rPr lang="ko-KR" altLang="en-US" sz="1200" dirty="0" smtClean="0"/>
+                <a:t>로 생성된 스레드가 </a:t>
+              </a:r>
+              <a:r>
+                <a:rPr lang="ko-KR" altLang="en-US" sz="1200" dirty="0" smtClean="0"/>
+                <a:t>실행하는</a:t>
+              </a:r>
+              <a:r>
+                <a:rPr lang="en-US" altLang="ko-KR" sz="1200" dirty="0" smtClean="0"/>
+                <a:t>,</a:t>
+              </a:r>
+              <a:r>
+                <a:rPr lang="ko-KR" altLang="en-US" sz="1200" dirty="0" smtClean="0"/>
+                <a:t> </a:t>
+              </a:r>
+              <a:r>
+                <a:rPr lang="ko-KR" altLang="en-US" sz="1200" dirty="0" smtClean="0"/>
+                <a:t>메시지를 받는 함수</a:t>
+              </a:r>
+              <a:r>
+                <a:rPr lang="en-US" altLang="ko-KR" sz="1200" dirty="0" smtClean="0"/>
+                <a:t>. </a:t>
+              </a:r>
+              <a:r>
+                <a:rPr lang="ko-KR" altLang="en-US" sz="1200" dirty="0" smtClean="0"/>
+                <a:t>함수 인자 </a:t>
+              </a:r>
+              <a:r>
+                <a:rPr lang="en-US" altLang="ko-KR" sz="1200" dirty="0" err="1" smtClean="0"/>
+                <a:t>arg</a:t>
+              </a:r>
+              <a:r>
+                <a:rPr lang="ko-KR" altLang="en-US" sz="1200" dirty="0" smtClean="0"/>
+                <a:t>를 통해 전달되는 </a:t>
+              </a:r>
+              <a:r>
+                <a:rPr lang="en-US" altLang="ko-KR" sz="1200" dirty="0" smtClean="0"/>
+                <a:t>info</a:t>
+              </a:r>
+              <a:r>
+                <a:rPr lang="ko-KR" altLang="en-US" sz="1200" dirty="0" smtClean="0"/>
+                <a:t>구조체를 </a:t>
+              </a:r>
+              <a:r>
+                <a:rPr lang="ko-KR" altLang="en-US" sz="1200" dirty="0" smtClean="0"/>
+                <a:t>통해 연결된 </a:t>
+              </a:r>
+              <a:r>
+                <a:rPr lang="ko-KR" altLang="en-US" sz="1200" dirty="0" smtClean="0"/>
+                <a:t>대상으로부터 </a:t>
+              </a:r>
+              <a:r>
+                <a:rPr lang="ko-KR" altLang="en-US" sz="1200" dirty="0" smtClean="0"/>
+                <a:t>받는 메시지를 </a:t>
+              </a:r>
+              <a:r>
+                <a:rPr lang="en-US" altLang="ko-KR" sz="1200" dirty="0" smtClean="0"/>
+                <a:t>info</a:t>
+              </a:r>
+              <a:r>
+                <a:rPr lang="ko-KR" altLang="en-US" sz="1200" dirty="0" smtClean="0"/>
+                <a:t>구조체에 연결된 </a:t>
+              </a:r>
+              <a:r>
+                <a:rPr lang="ko-KR" altLang="en-US" sz="1200" dirty="0" smtClean="0"/>
+                <a:t>공유 메시지 큐에 저장한다</a:t>
+              </a:r>
+              <a:r>
+                <a:rPr lang="en-US" altLang="ko-KR" sz="1200" dirty="0" smtClean="0"/>
+                <a:t>. (</a:t>
+              </a:r>
+              <a:r>
+                <a:rPr lang="ko-KR" altLang="en-US" sz="1200" dirty="0" smtClean="0"/>
+                <a:t>스레드 동기화 </a:t>
+              </a:r>
+              <a:r>
+                <a:rPr lang="ko-KR" altLang="en-US" sz="1200" dirty="0" smtClean="0"/>
+                <a:t>필요</a:t>
+              </a:r>
+              <a:r>
+                <a:rPr lang="en-US" altLang="ko-KR" sz="1200" dirty="0" smtClean="0"/>
+                <a:t>, </a:t>
+              </a:r>
+              <a:r>
+                <a:rPr lang="en-US" altLang="ko-KR" sz="1200" dirty="0" err="1" smtClean="0"/>
+                <a:t>RoomInfo</a:t>
+              </a:r>
+              <a:r>
+                <a:rPr lang="ko-KR" altLang="en-US" sz="1200" dirty="0" smtClean="0"/>
+                <a:t>구조체 제외</a:t>
+              </a:r>
+              <a:r>
+                <a:rPr lang="en-US" altLang="ko-KR" sz="1200" dirty="0" smtClean="0"/>
+                <a:t>)</a:t>
+              </a:r>
+              <a:endParaRPr lang="ko-KR" altLang="en-US" sz="1200" dirty="0"/>
+            </a:p>
+          </p:txBody>
+        </p:sp>
+      </p:grpSp>
+      <p:grpSp>
+        <p:nvGrpSpPr>
+          <p:cNvPr id="24" name="그룹 23"/>
+          <p:cNvGrpSpPr/>
+          <p:nvPr/>
+        </p:nvGrpSpPr>
+        <p:grpSpPr>
+          <a:xfrm>
+            <a:off x="754042" y="3597464"/>
+            <a:ext cx="2401615" cy="1311151"/>
+            <a:chOff x="4337108" y="838899"/>
+            <a:chExt cx="1451295" cy="1211704"/>
+          </a:xfrm>
+        </p:grpSpPr>
+        <p:sp>
+          <p:nvSpPr>
+            <p:cNvPr id="25" name="직사각형 24"/>
+            <p:cNvSpPr/>
+            <p:nvPr/>
+          </p:nvSpPr>
+          <p:spPr>
+            <a:xfrm>
+              <a:off x="4337108" y="838899"/>
+              <a:ext cx="1451295" cy="1211704"/>
+            </a:xfrm>
+            <a:prstGeom prst="rect">
+              <a:avLst/>
+            </a:prstGeom>
+            <a:noFill/>
+            <a:ln w="28575"/>
+          </p:spPr>
+          <p:style>
+            <a:lnRef idx="1">
+              <a:schemeClr val="dk1"/>
+            </a:lnRef>
+            <a:fillRef idx="2">
+              <a:schemeClr val="dk1"/>
+            </a:fillRef>
+            <a:effectRef idx="1">
+              <a:schemeClr val="dk1"/>
+            </a:effectRef>
+            <a:fontRef idx="minor">
+              <a:schemeClr val="dk1"/>
+            </a:fontRef>
+          </p:style>
+          <p:txBody>
+            <a:bodyPr rtlCol="0" anchor="t" anchorCtr="0"/>
+            <a:lstStyle/>
+            <a:p>
+              <a:pPr algn="ctr"/>
+              <a:r>
+                <a:rPr lang="en-US" altLang="ko-KR" dirty="0" err="1" smtClean="0"/>
+                <a:t>ClientInfo</a:t>
+              </a:r>
+              <a:endParaRPr lang="ko-KR" altLang="en-US" dirty="0"/>
+            </a:p>
+          </p:txBody>
+        </p:sp>
+        <p:sp>
+          <p:nvSpPr>
+            <p:cNvPr id="26" name="직사각형 25"/>
+            <p:cNvSpPr/>
+            <p:nvPr/>
+          </p:nvSpPr>
+          <p:spPr>
+            <a:xfrm>
+              <a:off x="4337108" y="1216404"/>
+              <a:ext cx="1451295" cy="834199"/>
+            </a:xfrm>
+            <a:prstGeom prst="rect">
+              <a:avLst/>
+            </a:prstGeom>
+            <a:noFill/>
+          </p:spPr>
+          <p:style>
+            <a:lnRef idx="1">
+              <a:schemeClr val="accent5"/>
+            </a:lnRef>
+            <a:fillRef idx="2">
+              <a:schemeClr val="accent5"/>
+            </a:fillRef>
+            <a:effectRef idx="1">
+              <a:schemeClr val="accent5"/>
+            </a:effectRef>
+            <a:fontRef idx="minor">
+              <a:schemeClr val="dk1"/>
+            </a:fontRef>
+          </p:style>
+          <p:txBody>
+            <a:bodyPr rtlCol="0" anchor="t" anchorCtr="0"/>
+            <a:lstStyle/>
+            <a:p>
+              <a:r>
+                <a:rPr lang="en-US" altLang="ko-KR" sz="1000" dirty="0"/>
+                <a:t>+UINT 	</a:t>
+              </a:r>
+              <a:r>
+                <a:rPr lang="en-US" altLang="ko-KR" sz="1000" dirty="0" smtClean="0"/>
+                <a:t>   id</a:t>
+              </a:r>
+            </a:p>
+            <a:p>
+              <a:r>
+                <a:rPr lang="en-US" altLang="ko-KR" sz="1000" dirty="0" smtClean="0"/>
+                <a:t>+SOCKET 	   sock</a:t>
+              </a:r>
+            </a:p>
+            <a:p>
+              <a:r>
+                <a:rPr lang="en-US" altLang="ko-KR" sz="1000" dirty="0" smtClean="0"/>
+                <a:t>+SOCKADDR_IN  </a:t>
+              </a:r>
+              <a:r>
+                <a:rPr lang="en-US" altLang="ko-KR" sz="1000" dirty="0" err="1" smtClean="0"/>
+                <a:t>addr</a:t>
+              </a:r>
+              <a:endParaRPr lang="en-US" altLang="ko-KR" sz="1000" dirty="0" smtClean="0"/>
+            </a:p>
+            <a:p>
+              <a:r>
+                <a:rPr lang="en-US" altLang="ko-KR" sz="1000" dirty="0"/>
+                <a:t>+HANDLE 	</a:t>
+              </a:r>
+              <a:r>
+                <a:rPr lang="en-US" altLang="ko-KR" sz="1000" dirty="0" smtClean="0"/>
+                <a:t>   </a:t>
+              </a:r>
+              <a:r>
+                <a:rPr lang="en-US" altLang="ko-KR" sz="1000" dirty="0" err="1" smtClean="0"/>
+                <a:t>hReceiver</a:t>
+              </a:r>
+              <a:endParaRPr lang="en-US" altLang="ko-KR" sz="1000" dirty="0" smtClean="0"/>
+            </a:p>
+            <a:p>
+              <a:r>
+                <a:rPr lang="en-US" altLang="ko-KR" sz="1000" dirty="0" smtClean="0"/>
+                <a:t>+</a:t>
+              </a:r>
+              <a:r>
+                <a:rPr lang="en-US" altLang="ko-KR" sz="1000" dirty="0" err="1" smtClean="0"/>
+                <a:t>MsgQueue</a:t>
+              </a:r>
+              <a:r>
+                <a:rPr lang="en-US" altLang="ko-KR" sz="1000" dirty="0" smtClean="0"/>
+                <a:t>      </a:t>
+              </a:r>
+              <a:r>
+                <a:rPr lang="en-US" altLang="ko-KR" sz="1000" dirty="0" smtClean="0"/>
+                <a:t>*</a:t>
+              </a:r>
+              <a:r>
+                <a:rPr lang="en-US" altLang="ko-KR" sz="1000" dirty="0" err="1" smtClean="0"/>
+                <a:t>pMsgQueue</a:t>
+              </a:r>
+              <a:endParaRPr lang="en-US" altLang="ko-KR" sz="1000" dirty="0"/>
+            </a:p>
+          </p:txBody>
+        </p:sp>
+      </p:grpSp>
+      <p:grpSp>
+        <p:nvGrpSpPr>
+          <p:cNvPr id="32" name="그룹 31"/>
+          <p:cNvGrpSpPr/>
+          <p:nvPr/>
+        </p:nvGrpSpPr>
+        <p:grpSpPr>
+          <a:xfrm>
+            <a:off x="3550109" y="581971"/>
+            <a:ext cx="2465962" cy="1896809"/>
+            <a:chOff x="4337108" y="838898"/>
+            <a:chExt cx="1451295" cy="1828170"/>
+          </a:xfrm>
+        </p:grpSpPr>
+        <p:sp>
+          <p:nvSpPr>
+            <p:cNvPr id="33" name="직사각형 32"/>
+            <p:cNvSpPr/>
+            <p:nvPr/>
+          </p:nvSpPr>
+          <p:spPr>
+            <a:xfrm>
+              <a:off x="4337108" y="838898"/>
+              <a:ext cx="1451295" cy="1828170"/>
+            </a:xfrm>
+            <a:prstGeom prst="rect">
+              <a:avLst/>
+            </a:prstGeom>
+            <a:noFill/>
+            <a:ln w="28575"/>
+          </p:spPr>
+          <p:style>
+            <a:lnRef idx="1">
+              <a:schemeClr val="dk1"/>
+            </a:lnRef>
+            <a:fillRef idx="2">
+              <a:schemeClr val="dk1"/>
+            </a:fillRef>
+            <a:effectRef idx="1">
+              <a:schemeClr val="dk1"/>
+            </a:effectRef>
+            <a:fontRef idx="minor">
+              <a:schemeClr val="dk1"/>
+            </a:fontRef>
+          </p:style>
+          <p:txBody>
+            <a:bodyPr rtlCol="0" anchor="t" anchorCtr="0"/>
+            <a:lstStyle/>
+            <a:p>
+              <a:pPr algn="ctr"/>
+              <a:r>
+                <a:rPr lang="en-US" altLang="ko-KR" dirty="0" err="1" smtClean="0"/>
+                <a:t>RoomInfo</a:t>
+              </a:r>
+              <a:endParaRPr lang="ko-KR" altLang="en-US" dirty="0"/>
+            </a:p>
+          </p:txBody>
+        </p:sp>
+        <p:sp>
+          <p:nvSpPr>
+            <p:cNvPr id="34" name="직사각형 33"/>
+            <p:cNvSpPr/>
+            <p:nvPr/>
+          </p:nvSpPr>
+          <p:spPr>
+            <a:xfrm>
+              <a:off x="4337108" y="1216404"/>
+              <a:ext cx="1451295" cy="1450664"/>
+            </a:xfrm>
+            <a:prstGeom prst="rect">
+              <a:avLst/>
+            </a:prstGeom>
+            <a:noFill/>
+          </p:spPr>
+          <p:style>
+            <a:lnRef idx="1">
+              <a:schemeClr val="accent5"/>
+            </a:lnRef>
+            <a:fillRef idx="2">
+              <a:schemeClr val="accent5"/>
+            </a:fillRef>
+            <a:effectRef idx="1">
+              <a:schemeClr val="accent5"/>
+            </a:effectRef>
+            <a:fontRef idx="minor">
+              <a:schemeClr val="dk1"/>
+            </a:fontRef>
+          </p:style>
+          <p:txBody>
+            <a:bodyPr rtlCol="0" anchor="t" anchorCtr="0"/>
+            <a:lstStyle/>
+            <a:p>
+              <a:r>
+                <a:rPr lang="en-US" altLang="ko-KR" sz="1000" dirty="0" smtClean="0"/>
+                <a:t>+UINT 	            </a:t>
+              </a:r>
+              <a:r>
+                <a:rPr lang="en-US" altLang="ko-KR" sz="1000" dirty="0" smtClean="0"/>
+                <a:t>id</a:t>
+              </a:r>
+            </a:p>
+            <a:p>
+              <a:r>
+                <a:rPr lang="en-US" altLang="ko-KR" sz="1000" dirty="0" smtClean="0"/>
+                <a:t>+</a:t>
+              </a:r>
+              <a:r>
+                <a:rPr lang="en-US" altLang="ko-KR" sz="1000" dirty="0" err="1" smtClean="0"/>
+                <a:t>ConnectedServerInfo</a:t>
+              </a:r>
+              <a:r>
+                <a:rPr lang="en-US" altLang="ko-KR" sz="1000" dirty="0" smtClean="0"/>
+                <a:t>    </a:t>
+              </a:r>
+              <a:r>
+                <a:rPr lang="en-US" altLang="ko-KR" sz="1000" dirty="0" err="1" smtClean="0"/>
+                <a:t>server_info</a:t>
+              </a:r>
+              <a:endParaRPr lang="en-US" altLang="ko-KR" sz="1000" dirty="0" smtClean="0"/>
+            </a:p>
+            <a:p>
+              <a:r>
+                <a:rPr lang="en-US" altLang="ko-KR" sz="1000" dirty="0" smtClean="0"/>
+                <a:t>+</a:t>
+              </a:r>
+              <a:r>
+                <a:rPr lang="en-US" altLang="ko-KR" sz="1000" dirty="0" err="1" smtClean="0"/>
+                <a:t>std</a:t>
+              </a:r>
+              <a:r>
+                <a:rPr lang="en-US" altLang="ko-KR" sz="1000" dirty="0" smtClean="0"/>
+                <a:t>::list&lt;</a:t>
+              </a:r>
+              <a:r>
+                <a:rPr lang="en-US" altLang="ko-KR" sz="1000" dirty="0" err="1" smtClean="0"/>
+                <a:t>ClientInfo</a:t>
+              </a:r>
+              <a:r>
+                <a:rPr lang="en-US" altLang="ko-KR" sz="1000" dirty="0" smtClean="0"/>
+                <a:t>*&gt;    </a:t>
+              </a:r>
+              <a:r>
+                <a:rPr lang="en-US" altLang="ko-KR" sz="1000" dirty="0" err="1" smtClean="0"/>
+                <a:t>client_list</a:t>
+              </a:r>
+              <a:endParaRPr lang="en-US" altLang="ko-KR" sz="1000" dirty="0" smtClean="0"/>
+            </a:p>
+            <a:p>
+              <a:r>
+                <a:rPr lang="en-US" altLang="ko-KR" sz="1000" dirty="0"/>
+                <a:t>+</a:t>
+              </a:r>
+              <a:r>
+                <a:rPr lang="en-US" altLang="ko-KR" sz="1000" dirty="0" err="1"/>
+                <a:t>std</a:t>
+              </a:r>
+              <a:r>
+                <a:rPr lang="en-US" altLang="ko-KR" sz="1000" dirty="0"/>
+                <a:t>::</a:t>
+              </a:r>
+              <a:r>
+                <a:rPr lang="en-US" altLang="ko-KR" sz="1000" dirty="0" smtClean="0"/>
+                <a:t>list&lt;Agent*&gt;         </a:t>
+              </a:r>
+              <a:r>
+                <a:rPr lang="en-US" altLang="ko-KR" sz="1000" dirty="0" err="1" smtClean="0"/>
+                <a:t>agent_list</a:t>
+              </a:r>
+              <a:endParaRPr lang="en-US" altLang="ko-KR" sz="1000" dirty="0" smtClean="0"/>
+            </a:p>
+            <a:p>
+              <a:r>
+                <a:rPr lang="en-US" altLang="ko-KR" sz="1000" dirty="0" smtClean="0"/>
+                <a:t>+</a:t>
+              </a:r>
+              <a:r>
+                <a:rPr lang="en-US" altLang="ko-KR" sz="1000" dirty="0" err="1" smtClean="0"/>
+                <a:t>GameWorld</a:t>
+              </a:r>
+              <a:r>
+                <a:rPr lang="en-US" altLang="ko-KR" sz="1000" dirty="0" smtClean="0"/>
+                <a:t>	            </a:t>
+              </a:r>
+              <a:r>
+                <a:rPr lang="en-US" altLang="ko-KR" sz="1000" dirty="0" err="1" smtClean="0"/>
+                <a:t>gameworld</a:t>
+              </a:r>
+              <a:endParaRPr lang="en-US" altLang="ko-KR" sz="1000" dirty="0" smtClean="0"/>
+            </a:p>
+            <a:p>
+              <a:r>
+                <a:rPr lang="en-US" altLang="ko-KR" sz="1000" dirty="0" smtClean="0"/>
+                <a:t>+</a:t>
+              </a:r>
+              <a:r>
+                <a:rPr lang="en-US" altLang="ko-KR" sz="1000" dirty="0" err="1" smtClean="0"/>
+                <a:t>MsgQueue</a:t>
+              </a:r>
+              <a:r>
+                <a:rPr lang="en-US" altLang="ko-KR" sz="1000" dirty="0" smtClean="0"/>
+                <a:t>	            </a:t>
+              </a:r>
+              <a:r>
+                <a:rPr lang="en-US" altLang="ko-KR" sz="1000" dirty="0" err="1" smtClean="0"/>
+                <a:t>msg_queue</a:t>
+              </a:r>
+              <a:endParaRPr lang="en-US" altLang="ko-KR" sz="1000" dirty="0" smtClean="0"/>
+            </a:p>
+            <a:p>
+              <a:r>
+                <a:rPr lang="en-US" altLang="ko-KR" sz="1000" dirty="0"/>
+                <a:t>+HANDLE 	    </a:t>
+              </a:r>
+              <a:r>
+                <a:rPr lang="en-US" altLang="ko-KR" sz="1000" dirty="0" smtClean="0"/>
+                <a:t>        </a:t>
+              </a:r>
+              <a:r>
+                <a:rPr lang="en-US" altLang="ko-KR" sz="1000" dirty="0" err="1" smtClean="0"/>
+                <a:t>hGameWorld</a:t>
+              </a:r>
+              <a:endParaRPr lang="en-US" altLang="ko-KR" sz="1000" dirty="0" smtClean="0"/>
+            </a:p>
+            <a:p>
+              <a:r>
+                <a:rPr lang="en-US" altLang="ko-KR" sz="1000" dirty="0"/>
+                <a:t>+void </a:t>
+              </a:r>
+              <a:r>
+                <a:rPr lang="en-US" altLang="ko-KR" sz="1000" dirty="0" err="1"/>
+                <a:t>UpdateWorld</a:t>
+              </a:r>
+              <a:r>
+                <a:rPr lang="en-US" altLang="ko-KR" sz="1000" dirty="0"/>
+                <a:t>(void)</a:t>
+              </a:r>
+            </a:p>
+            <a:p>
+              <a:r>
+                <a:rPr lang="en-US" altLang="ko-KR" sz="1000" dirty="0"/>
+                <a:t>+void </a:t>
+              </a:r>
+              <a:r>
+                <a:rPr lang="en-US" altLang="ko-KR" sz="1000" dirty="0" err="1"/>
+                <a:t>SendMsgs</a:t>
+              </a:r>
+              <a:r>
+                <a:rPr lang="en-US" altLang="ko-KR" sz="1000" dirty="0"/>
+                <a:t>(void)</a:t>
+              </a:r>
+              <a:endParaRPr lang="en-US" altLang="ko-KR" sz="1000" dirty="0"/>
+            </a:p>
+          </p:txBody>
+        </p:sp>
+      </p:grpSp>
+      <p:grpSp>
+        <p:nvGrpSpPr>
+          <p:cNvPr id="35" name="그룹 34"/>
+          <p:cNvGrpSpPr/>
+          <p:nvPr/>
+        </p:nvGrpSpPr>
+        <p:grpSpPr>
+          <a:xfrm>
+            <a:off x="754043" y="581971"/>
+            <a:ext cx="2401615" cy="1146160"/>
+            <a:chOff x="4337108" y="838899"/>
+            <a:chExt cx="1451295" cy="1059227"/>
+          </a:xfrm>
+        </p:grpSpPr>
+        <p:sp>
+          <p:nvSpPr>
+            <p:cNvPr id="36" name="직사각형 35"/>
+            <p:cNvSpPr/>
+            <p:nvPr/>
+          </p:nvSpPr>
+          <p:spPr>
+            <a:xfrm>
+              <a:off x="4337108" y="838899"/>
+              <a:ext cx="1451295" cy="1059227"/>
+            </a:xfrm>
+            <a:prstGeom prst="rect">
+              <a:avLst/>
+            </a:prstGeom>
+            <a:noFill/>
+            <a:ln w="28575"/>
+          </p:spPr>
+          <p:style>
+            <a:lnRef idx="1">
+              <a:schemeClr val="dk1"/>
+            </a:lnRef>
+            <a:fillRef idx="2">
+              <a:schemeClr val="dk1"/>
+            </a:fillRef>
+            <a:effectRef idx="1">
+              <a:schemeClr val="dk1"/>
+            </a:effectRef>
+            <a:fontRef idx="minor">
+              <a:schemeClr val="dk1"/>
+            </a:fontRef>
+          </p:style>
+          <p:txBody>
+            <a:bodyPr rtlCol="0" anchor="t" anchorCtr="0"/>
+            <a:lstStyle/>
+            <a:p>
+              <a:pPr algn="ctr"/>
+              <a:r>
+                <a:rPr lang="en-US" altLang="ko-KR" dirty="0" err="1" smtClean="0"/>
+                <a:t>ConnectedServerInfo</a:t>
+              </a:r>
+              <a:endParaRPr lang="ko-KR" altLang="en-US" dirty="0"/>
+            </a:p>
+          </p:txBody>
+        </p:sp>
+        <p:sp>
+          <p:nvSpPr>
+            <p:cNvPr id="37" name="직사각형 36"/>
+            <p:cNvSpPr/>
+            <p:nvPr/>
+          </p:nvSpPr>
+          <p:spPr>
+            <a:xfrm>
+              <a:off x="4337108" y="1216404"/>
+              <a:ext cx="1451295" cy="681722"/>
+            </a:xfrm>
+            <a:prstGeom prst="rect">
+              <a:avLst/>
+            </a:prstGeom>
+            <a:noFill/>
+          </p:spPr>
+          <p:style>
+            <a:lnRef idx="1">
+              <a:schemeClr val="accent5"/>
+            </a:lnRef>
+            <a:fillRef idx="2">
+              <a:schemeClr val="accent5"/>
+            </a:fillRef>
+            <a:effectRef idx="1">
+              <a:schemeClr val="accent5"/>
+            </a:effectRef>
+            <a:fontRef idx="minor">
+              <a:schemeClr val="dk1"/>
+            </a:fontRef>
+          </p:style>
+          <p:txBody>
+            <a:bodyPr rtlCol="0" anchor="t" anchorCtr="0"/>
+            <a:lstStyle/>
+            <a:p>
+              <a:r>
+                <a:rPr lang="en-US" altLang="ko-KR" sz="1000" dirty="0" smtClean="0"/>
+                <a:t>+SOCKET 	   sock</a:t>
+              </a:r>
+            </a:p>
+            <a:p>
+              <a:r>
+                <a:rPr lang="en-US" altLang="ko-KR" sz="1000" dirty="0" smtClean="0"/>
+                <a:t>+SOCKADDR_IN  </a:t>
+              </a:r>
+              <a:r>
+                <a:rPr lang="en-US" altLang="ko-KR" sz="1000" dirty="0" err="1" smtClean="0"/>
+                <a:t>addr</a:t>
+              </a:r>
+              <a:endParaRPr lang="en-US" altLang="ko-KR" sz="1000" dirty="0" smtClean="0"/>
+            </a:p>
+            <a:p>
+              <a:r>
+                <a:rPr lang="en-US" altLang="ko-KR" sz="1000" dirty="0"/>
+                <a:t>+HANDLE 	</a:t>
+              </a:r>
+              <a:r>
+                <a:rPr lang="en-US" altLang="ko-KR" sz="1000" dirty="0" smtClean="0"/>
+                <a:t>   </a:t>
+              </a:r>
+              <a:r>
+                <a:rPr lang="en-US" altLang="ko-KR" sz="1000" dirty="0" err="1" smtClean="0"/>
+                <a:t>hReceiver</a:t>
+              </a:r>
+              <a:endParaRPr lang="en-US" altLang="ko-KR" sz="1000" dirty="0" smtClean="0"/>
+            </a:p>
+            <a:p>
+              <a:r>
+                <a:rPr lang="en-US" altLang="ko-KR" sz="1000" dirty="0"/>
+                <a:t>+</a:t>
+              </a:r>
+              <a:r>
+                <a:rPr lang="en-US" altLang="ko-KR" sz="1000" dirty="0" err="1"/>
+                <a:t>MsgQueue</a:t>
+              </a:r>
+              <a:r>
+                <a:rPr lang="en-US" altLang="ko-KR" sz="1000" dirty="0"/>
+                <a:t>      *</a:t>
+              </a:r>
+              <a:r>
+                <a:rPr lang="en-US" altLang="ko-KR" sz="1000" dirty="0" err="1"/>
+                <a:t>pMsgQueue</a:t>
+              </a:r>
+              <a:endParaRPr lang="en-US" altLang="ko-KR" sz="1000" dirty="0"/>
+            </a:p>
+            <a:p>
+              <a:endParaRPr lang="en-US" altLang="ko-KR" sz="1000" dirty="0"/>
+            </a:p>
+          </p:txBody>
+        </p:sp>
+      </p:grpSp>
+      <p:grpSp>
+        <p:nvGrpSpPr>
+          <p:cNvPr id="41" name="그룹 40"/>
+          <p:cNvGrpSpPr/>
+          <p:nvPr/>
+        </p:nvGrpSpPr>
+        <p:grpSpPr>
+          <a:xfrm>
+            <a:off x="3360190" y="2652041"/>
+            <a:ext cx="2595993" cy="987444"/>
+            <a:chOff x="4337108" y="838900"/>
+            <a:chExt cx="1451295" cy="912549"/>
+          </a:xfrm>
+        </p:grpSpPr>
+        <p:sp>
+          <p:nvSpPr>
+            <p:cNvPr id="42" name="직사각형 41"/>
+            <p:cNvSpPr/>
+            <p:nvPr/>
+          </p:nvSpPr>
+          <p:spPr>
+            <a:xfrm>
+              <a:off x="4337108" y="838900"/>
+              <a:ext cx="1451295" cy="912549"/>
+            </a:xfrm>
+            <a:prstGeom prst="rect">
+              <a:avLst/>
+            </a:prstGeom>
+            <a:noFill/>
+            <a:ln w="28575"/>
+          </p:spPr>
+          <p:style>
+            <a:lnRef idx="1">
+              <a:schemeClr val="dk1"/>
+            </a:lnRef>
+            <a:fillRef idx="2">
+              <a:schemeClr val="dk1"/>
+            </a:fillRef>
+            <a:effectRef idx="1">
+              <a:schemeClr val="dk1"/>
+            </a:effectRef>
+            <a:fontRef idx="minor">
+              <a:schemeClr val="dk1"/>
+            </a:fontRef>
+          </p:style>
+          <p:txBody>
+            <a:bodyPr rtlCol="0" anchor="t" anchorCtr="0"/>
+            <a:lstStyle/>
+            <a:p>
+              <a:pPr algn="ctr"/>
+              <a:r>
+                <a:rPr lang="en-US" altLang="ko-KR" sz="1200" dirty="0" smtClean="0"/>
+                <a:t>void </a:t>
+              </a:r>
+              <a:r>
+                <a:rPr lang="en-US" altLang="ko-KR" sz="1200" dirty="0" err="1" smtClean="0"/>
+                <a:t>RoomInfo</a:t>
+              </a:r>
+              <a:r>
+                <a:rPr lang="en-US" altLang="ko-KR" sz="1200" dirty="0" smtClean="0"/>
+                <a:t>::</a:t>
+              </a:r>
+              <a:r>
+                <a:rPr lang="en-US" altLang="ko-KR" sz="1200" dirty="0" err="1" smtClean="0"/>
+                <a:t>UpdateWorld</a:t>
+              </a:r>
+              <a:r>
+                <a:rPr lang="en-US" altLang="ko-KR" sz="1200" dirty="0" smtClean="0"/>
+                <a:t>(void)</a:t>
+              </a:r>
+              <a:endParaRPr lang="ko-KR" altLang="en-US" sz="1200" dirty="0"/>
+            </a:p>
+          </p:txBody>
+        </p:sp>
+        <p:sp>
+          <p:nvSpPr>
+            <p:cNvPr id="43" name="직사각형 42"/>
+            <p:cNvSpPr/>
+            <p:nvPr/>
+          </p:nvSpPr>
+          <p:spPr>
+            <a:xfrm>
+              <a:off x="4337108" y="1142403"/>
+              <a:ext cx="1451295" cy="609045"/>
+            </a:xfrm>
+            <a:prstGeom prst="rect">
+              <a:avLst/>
+            </a:prstGeom>
+            <a:noFill/>
+          </p:spPr>
+          <p:style>
+            <a:lnRef idx="1">
+              <a:schemeClr val="accent5"/>
+            </a:lnRef>
+            <a:fillRef idx="2">
+              <a:schemeClr val="accent5"/>
+            </a:fillRef>
+            <a:effectRef idx="1">
+              <a:schemeClr val="accent5"/>
+            </a:effectRef>
+            <a:fontRef idx="minor">
+              <a:schemeClr val="dk1"/>
+            </a:fontRef>
+          </p:style>
+          <p:txBody>
+            <a:bodyPr rtlCol="0" anchor="t" anchorCtr="0"/>
+            <a:lstStyle/>
+            <a:p>
+              <a:r>
+                <a:rPr lang="en-US" altLang="ko-KR" sz="1200" dirty="0" err="1" smtClean="0"/>
+                <a:t>Msg_queue</a:t>
+              </a:r>
+              <a:r>
+                <a:rPr lang="ko-KR" altLang="en-US" sz="1200" dirty="0" smtClean="0"/>
+                <a:t>에 쌓은 메시지를 처리하고 게임 월드를 업데이트 한다</a:t>
+              </a:r>
+              <a:r>
+                <a:rPr lang="en-US" altLang="ko-KR" sz="1200" dirty="0" smtClean="0"/>
+                <a:t>.</a:t>
+              </a:r>
+              <a:endParaRPr lang="ko-KR" altLang="en-US" sz="1200" dirty="0"/>
+            </a:p>
+          </p:txBody>
+        </p:sp>
+      </p:grpSp>
+      <p:grpSp>
+        <p:nvGrpSpPr>
+          <p:cNvPr id="44" name="그룹 43"/>
+          <p:cNvGrpSpPr/>
+          <p:nvPr/>
+        </p:nvGrpSpPr>
+        <p:grpSpPr>
+          <a:xfrm>
+            <a:off x="754042" y="5247279"/>
+            <a:ext cx="2465962" cy="959254"/>
+            <a:chOff x="4337108" y="838899"/>
+            <a:chExt cx="1451295" cy="475970"/>
+          </a:xfrm>
+        </p:grpSpPr>
+        <p:sp>
+          <p:nvSpPr>
+            <p:cNvPr id="45" name="직사각형 44"/>
+            <p:cNvSpPr/>
+            <p:nvPr/>
+          </p:nvSpPr>
+          <p:spPr>
+            <a:xfrm>
+              <a:off x="4337108" y="838899"/>
+              <a:ext cx="1451295" cy="475970"/>
+            </a:xfrm>
+            <a:prstGeom prst="rect">
+              <a:avLst/>
+            </a:prstGeom>
+            <a:noFill/>
+            <a:ln w="28575"/>
+          </p:spPr>
+          <p:style>
+            <a:lnRef idx="1">
+              <a:schemeClr val="dk1"/>
+            </a:lnRef>
+            <a:fillRef idx="2">
+              <a:schemeClr val="dk1"/>
+            </a:fillRef>
+            <a:effectRef idx="1">
+              <a:schemeClr val="dk1"/>
+            </a:effectRef>
+            <a:fontRef idx="minor">
+              <a:schemeClr val="dk1"/>
+            </a:fontRef>
+          </p:style>
+          <p:txBody>
+            <a:bodyPr rtlCol="0" anchor="t" anchorCtr="0"/>
+            <a:lstStyle/>
+            <a:p>
+              <a:pPr algn="ctr"/>
+              <a:r>
+                <a:rPr lang="en-US" altLang="ko-KR" dirty="0" smtClean="0"/>
+                <a:t>Agent</a:t>
+              </a:r>
+              <a:endParaRPr lang="ko-KR" altLang="en-US" dirty="0"/>
+            </a:p>
+          </p:txBody>
+        </p:sp>
+        <p:sp>
+          <p:nvSpPr>
+            <p:cNvPr id="46" name="직사각형 45"/>
+            <p:cNvSpPr/>
+            <p:nvPr/>
+          </p:nvSpPr>
+          <p:spPr>
+            <a:xfrm>
+              <a:off x="4337108" y="1041586"/>
+              <a:ext cx="1451295" cy="273283"/>
+            </a:xfrm>
+            <a:prstGeom prst="rect">
+              <a:avLst/>
+            </a:prstGeom>
+            <a:noFill/>
+          </p:spPr>
+          <p:style>
+            <a:lnRef idx="1">
+              <a:schemeClr val="accent5"/>
+            </a:lnRef>
+            <a:fillRef idx="2">
+              <a:schemeClr val="accent5"/>
+            </a:fillRef>
+            <a:effectRef idx="1">
+              <a:schemeClr val="accent5"/>
+            </a:effectRef>
+            <a:fontRef idx="minor">
+              <a:schemeClr val="dk1"/>
+            </a:fontRef>
+          </p:style>
+          <p:txBody>
+            <a:bodyPr rtlCol="0" anchor="t" anchorCtr="0"/>
+            <a:lstStyle/>
+            <a:p>
+              <a:r>
+                <a:rPr lang="en-US" altLang="ko-KR" sz="1000" dirty="0" smtClean="0"/>
+                <a:t>+UINT              id</a:t>
+              </a:r>
+            </a:p>
+            <a:p>
+              <a:r>
+                <a:rPr lang="en-US" altLang="ko-KR" sz="1000" dirty="0"/>
+                <a:t>+HANDLE 	  </a:t>
+              </a:r>
+              <a:r>
+                <a:rPr lang="en-US" altLang="ko-KR" sz="1000" dirty="0" err="1" smtClean="0"/>
+                <a:t>hReceiver</a:t>
+              </a:r>
+              <a:endParaRPr lang="en-US" altLang="ko-KR" sz="1000" dirty="0"/>
+            </a:p>
+            <a:p>
+              <a:r>
+                <a:rPr lang="en-US" altLang="ko-KR" sz="1000" dirty="0"/>
+                <a:t>+</a:t>
+              </a:r>
+              <a:r>
+                <a:rPr lang="en-US" altLang="ko-KR" sz="1000" dirty="0" err="1"/>
+                <a:t>MsgQueue</a:t>
+              </a:r>
+              <a:r>
+                <a:rPr lang="en-US" altLang="ko-KR" sz="1000" dirty="0"/>
+                <a:t>      *</a:t>
+              </a:r>
+              <a:r>
+                <a:rPr lang="en-US" altLang="ko-KR" sz="1000" dirty="0" err="1" smtClean="0"/>
+                <a:t>pMsgQueue</a:t>
+              </a:r>
+              <a:endParaRPr lang="en-US" altLang="ko-KR" sz="1000" dirty="0" smtClean="0"/>
+            </a:p>
+          </p:txBody>
+        </p:sp>
+      </p:grpSp>
+      <p:grpSp>
+        <p:nvGrpSpPr>
+          <p:cNvPr id="29" name="그룹 28"/>
+          <p:cNvGrpSpPr/>
+          <p:nvPr/>
+        </p:nvGrpSpPr>
+        <p:grpSpPr>
+          <a:xfrm>
+            <a:off x="6188929" y="4150790"/>
+            <a:ext cx="2465962" cy="2055743"/>
+            <a:chOff x="4337108" y="838899"/>
+            <a:chExt cx="1451295" cy="1020035"/>
+          </a:xfrm>
+        </p:grpSpPr>
+        <p:sp>
+          <p:nvSpPr>
+            <p:cNvPr id="30" name="직사각형 29"/>
+            <p:cNvSpPr/>
+            <p:nvPr/>
+          </p:nvSpPr>
+          <p:spPr>
+            <a:xfrm>
+              <a:off x="4337108" y="838899"/>
+              <a:ext cx="1451295" cy="1020035"/>
+            </a:xfrm>
+            <a:prstGeom prst="rect">
+              <a:avLst/>
+            </a:prstGeom>
+            <a:noFill/>
+            <a:ln w="28575"/>
+          </p:spPr>
+          <p:style>
+            <a:lnRef idx="1">
+              <a:schemeClr val="dk1"/>
+            </a:lnRef>
+            <a:fillRef idx="2">
+              <a:schemeClr val="dk1"/>
+            </a:fillRef>
+            <a:effectRef idx="1">
+              <a:schemeClr val="dk1"/>
+            </a:effectRef>
+            <a:fontRef idx="minor">
+              <a:schemeClr val="dk1"/>
+            </a:fontRef>
+          </p:style>
+          <p:txBody>
+            <a:bodyPr rtlCol="0" anchor="t" anchorCtr="0"/>
+            <a:lstStyle/>
+            <a:p>
+              <a:pPr algn="ctr"/>
+              <a:r>
+                <a:rPr lang="en-US" altLang="ko-KR" dirty="0" err="1" smtClean="0"/>
+                <a:t>GameWorld</a:t>
+              </a:r>
+              <a:endParaRPr lang="ko-KR" altLang="en-US" dirty="0"/>
+            </a:p>
+          </p:txBody>
+        </p:sp>
+        <p:sp>
+          <p:nvSpPr>
+            <p:cNvPr id="31" name="직사각형 30"/>
+            <p:cNvSpPr/>
+            <p:nvPr/>
+          </p:nvSpPr>
+          <p:spPr>
+            <a:xfrm>
+              <a:off x="4337108" y="1049911"/>
+              <a:ext cx="1451295" cy="809023"/>
+            </a:xfrm>
+            <a:prstGeom prst="rect">
+              <a:avLst/>
+            </a:prstGeom>
+            <a:noFill/>
+          </p:spPr>
+          <p:style>
+            <a:lnRef idx="1">
+              <a:schemeClr val="accent5"/>
+            </a:lnRef>
+            <a:fillRef idx="2">
+              <a:schemeClr val="accent5"/>
+            </a:fillRef>
+            <a:effectRef idx="1">
+              <a:schemeClr val="accent5"/>
+            </a:effectRef>
+            <a:fontRef idx="minor">
+              <a:schemeClr val="dk1"/>
+            </a:fontRef>
+          </p:style>
+          <p:txBody>
+            <a:bodyPr rtlCol="0" anchor="t" anchorCtr="0"/>
+            <a:lstStyle/>
+            <a:p>
+              <a:r>
+                <a:rPr lang="ko-KR" altLang="en-US" sz="1000" dirty="0" smtClean="0"/>
+                <a:t>실제로 게임을 실행하는 게임 씬 객체</a:t>
+              </a:r>
+              <a:r>
+                <a:rPr lang="en-US" altLang="ko-KR" sz="1000" dirty="0" smtClean="0"/>
+                <a:t>. </a:t>
+              </a:r>
+              <a:r>
+                <a:rPr lang="ko-KR" altLang="en-US" sz="1000" dirty="0" smtClean="0"/>
+                <a:t>게임을 진행하는데 필요한 모든 오브젝트들을 가지고 있으며</a:t>
+              </a:r>
+              <a:r>
+                <a:rPr lang="en-US" altLang="ko-KR" sz="1000" dirty="0" smtClean="0"/>
+                <a:t> </a:t>
+              </a:r>
+              <a:r>
+                <a:rPr lang="ko-KR" altLang="en-US" sz="1000" dirty="0" smtClean="0"/>
+                <a:t>게임 루프를 실행하면서 </a:t>
+              </a:r>
+              <a:r>
+                <a:rPr lang="ko-KR" altLang="en-US" sz="1000" dirty="0" err="1" smtClean="0"/>
+                <a:t>로직</a:t>
+              </a:r>
+              <a:r>
+                <a:rPr lang="ko-KR" altLang="en-US" sz="1000" dirty="0" smtClean="0"/>
+                <a:t> 처리</a:t>
+              </a:r>
+              <a:r>
+                <a:rPr lang="en-US" altLang="ko-KR" sz="1000" dirty="0" smtClean="0"/>
+                <a:t> </a:t>
+              </a:r>
+              <a:r>
+                <a:rPr lang="ko-KR" altLang="en-US" sz="1000" dirty="0" smtClean="0"/>
+                <a:t>및 상태 갱신 </a:t>
+              </a:r>
+              <a:r>
+                <a:rPr lang="ko-KR" altLang="en-US" sz="1000" dirty="0" smtClean="0"/>
+                <a:t>부분과 그리기 부분을 반복하면서 게임을 진행시킨다</a:t>
+              </a:r>
+              <a:r>
+                <a:rPr lang="en-US" altLang="ko-KR" sz="1000" dirty="0" smtClean="0"/>
+                <a:t>.</a:t>
+              </a:r>
+            </a:p>
+            <a:p>
+              <a:r>
+                <a:rPr lang="en-US" altLang="ko-KR" sz="1000" dirty="0" smtClean="0"/>
+                <a:t>Agent</a:t>
+              </a:r>
+              <a:r>
+                <a:rPr lang="ko-KR" altLang="en-US" sz="1000" dirty="0" smtClean="0"/>
+                <a:t>와 </a:t>
+              </a:r>
+              <a:r>
+                <a:rPr lang="ko-KR" altLang="en-US" sz="1000" dirty="0" smtClean="0"/>
+                <a:t>클라이언트는 </a:t>
+              </a:r>
+              <a:r>
+                <a:rPr lang="ko-KR" altLang="en-US" sz="1000" dirty="0" err="1" smtClean="0"/>
+                <a:t>로직</a:t>
+              </a:r>
+              <a:r>
+                <a:rPr lang="ko-KR" altLang="en-US" sz="1000" dirty="0" smtClean="0"/>
+                <a:t> 처리와 상태 갱신을 </a:t>
+              </a:r>
+              <a:r>
+                <a:rPr lang="en-US" altLang="ko-KR" sz="1000" dirty="0" err="1" smtClean="0"/>
+                <a:t>MainServer</a:t>
+              </a:r>
+              <a:r>
+                <a:rPr lang="ko-KR" altLang="en-US" sz="1000" dirty="0" smtClean="0"/>
+                <a:t>에 위탁하며 클라이언트를 제외한 곳에서는 그리기 부분이 처리되지 않는다</a:t>
+              </a:r>
+              <a:r>
+                <a:rPr lang="en-US" altLang="ko-KR" sz="1000" dirty="0" smtClean="0"/>
+                <a:t>.</a:t>
+              </a:r>
+              <a:r>
+                <a:rPr lang="ko-KR" altLang="en-US" sz="1000" dirty="0" smtClean="0"/>
+                <a:t> </a:t>
+              </a:r>
+              <a:endParaRPr lang="en-US" altLang="ko-KR" sz="1000" dirty="0" smtClean="0"/>
+            </a:p>
+          </p:txBody>
+        </p:sp>
+      </p:grpSp>
       <p:sp>
         <p:nvSpPr>
           <p:cNvPr id="2" name="직사각형 1"/>
@@ -2972,8 +4198,8 @@
         </p:nvSpPr>
         <p:spPr>
           <a:xfrm>
-            <a:off x="1400961" y="553673"/>
-            <a:ext cx="1518408" cy="637563"/>
+            <a:off x="3330400" y="85095"/>
+            <a:ext cx="2252230" cy="377505"/>
           </a:xfrm>
           <a:prstGeom prst="rect">
             <a:avLst/>
@@ -3001,8 +4227,8 @@
           <a:p>
             <a:pPr algn="ctr"/>
             <a:r>
-              <a:rPr lang="en-US" altLang="ko-KR" dirty="0" smtClean="0"/>
-              <a:t>server</a:t>
+              <a:rPr lang="ko-KR" altLang="en-US" dirty="0" smtClean="0"/>
+              <a:t>사용자 정의 객체</a:t>
             </a:r>
             <a:endParaRPr lang="ko-KR" altLang="en-US" dirty="0"/>
           </a:p>
@@ -3010,329 +4236,698 @@
       </p:sp>
       <p:sp>
         <p:nvSpPr>
-          <p:cNvPr id="3" name="타원 2"/>
+          <p:cNvPr id="50" name="직사각형 49"/>
           <p:cNvSpPr/>
           <p:nvPr/>
         </p:nvSpPr>
         <p:spPr>
           <a:xfrm>
-            <a:off x="2525086" y="264253"/>
-            <a:ext cx="1006679" cy="578840"/>
+            <a:off x="668054" y="1734994"/>
+            <a:ext cx="2607146" cy="996461"/>
           </a:xfrm>
-          <a:prstGeom prst="ellipse">
+          <a:prstGeom prst="rect">
             <a:avLst/>
           </a:prstGeom>
+          <a:noFill/>
         </p:spPr>
         <p:style>
-          <a:lnRef idx="2">
-            <a:schemeClr val="accent1">
-              <a:shade val="50000"/>
-            </a:schemeClr>
+          <a:lnRef idx="1">
+            <a:schemeClr val="accent5"/>
           </a:lnRef>
-          <a:fillRef idx="1">
+          <a:fillRef idx="2">
+            <a:schemeClr val="accent5"/>
+          </a:fillRef>
+          <a:effectRef idx="1">
+            <a:schemeClr val="accent5"/>
+          </a:effectRef>
+          <a:fontRef idx="minor">
+            <a:schemeClr val="dk1"/>
+          </a:fontRef>
+        </p:style>
+        <p:txBody>
+          <a:bodyPr rtlCol="0" anchor="t" anchorCtr="0"/>
+          <a:lstStyle/>
+          <a:p>
+            <a:r>
+              <a:rPr lang="ko-KR" altLang="en-US" sz="1200" dirty="0" smtClean="0"/>
+              <a:t>연결된 서버의 정보를 저장하는 구조체</a:t>
+            </a:r>
+            <a:r>
+              <a:rPr lang="en-US" altLang="ko-KR" sz="1200" dirty="0" smtClean="0"/>
+              <a:t>. </a:t>
+            </a:r>
+            <a:r>
+              <a:rPr lang="en-US" altLang="ko-KR" sz="1200" dirty="0" err="1" smtClean="0"/>
+              <a:t>hReceiver</a:t>
+            </a:r>
+            <a:r>
+              <a:rPr lang="ko-KR" altLang="en-US" sz="1200" dirty="0" smtClean="0"/>
+              <a:t>에는 새로운 스레드를 생성하여 </a:t>
+            </a:r>
+            <a:r>
+              <a:rPr lang="en-US" altLang="ko-KR" sz="1200" dirty="0" err="1" smtClean="0"/>
+              <a:t>RecvMassage</a:t>
+            </a:r>
+            <a:r>
+              <a:rPr lang="en-US" altLang="ko-KR" sz="1200" dirty="0" smtClean="0"/>
+              <a:t>() </a:t>
+            </a:r>
+            <a:r>
+              <a:rPr lang="ko-KR" altLang="en-US" sz="1200" dirty="0" smtClean="0"/>
+              <a:t>함수를 연결해 메시지를 받는 용도로 사용한다</a:t>
+            </a:r>
+            <a:r>
+              <a:rPr lang="en-US" altLang="ko-KR" sz="1200" dirty="0" smtClean="0"/>
+              <a:t>.</a:t>
+            </a:r>
+            <a:endParaRPr lang="en-US" altLang="ko-KR" sz="1200" dirty="0" smtClean="0"/>
+          </a:p>
+        </p:txBody>
+      </p:sp>
+      <p:sp>
+        <p:nvSpPr>
+          <p:cNvPr id="51" name="직사각형 50"/>
+          <p:cNvSpPr/>
+          <p:nvPr/>
+        </p:nvSpPr>
+        <p:spPr>
+          <a:xfrm>
+            <a:off x="6016071" y="581206"/>
+            <a:ext cx="2607146" cy="1494071"/>
+          </a:xfrm>
+          <a:prstGeom prst="rect">
+            <a:avLst/>
+          </a:prstGeom>
+          <a:noFill/>
+        </p:spPr>
+        <p:style>
+          <a:lnRef idx="1">
+            <a:schemeClr val="accent5"/>
+          </a:lnRef>
+          <a:fillRef idx="2">
+            <a:schemeClr val="accent5"/>
+          </a:fillRef>
+          <a:effectRef idx="1">
+            <a:schemeClr val="accent5"/>
+          </a:effectRef>
+          <a:fontRef idx="minor">
+            <a:schemeClr val="dk1"/>
+          </a:fontRef>
+        </p:style>
+        <p:txBody>
+          <a:bodyPr rtlCol="0" anchor="t" anchorCtr="0"/>
+          <a:lstStyle/>
+          <a:p>
+            <a:r>
+              <a:rPr lang="ko-KR" altLang="en-US" sz="1200" dirty="0" smtClean="0"/>
+              <a:t>생성된 룸의 정보를 저장하는 구조체</a:t>
+            </a:r>
+            <a:r>
+              <a:rPr lang="en-US" altLang="ko-KR" sz="1200" dirty="0" smtClean="0"/>
+              <a:t>. </a:t>
+            </a:r>
+            <a:r>
+              <a:rPr lang="ko-KR" altLang="en-US" sz="1200" dirty="0" smtClean="0"/>
+              <a:t>룸에서 진행되는 게임에 참여중인 클라이언트</a:t>
+            </a:r>
+            <a:r>
+              <a:rPr lang="en-US" altLang="ko-KR" sz="1200" dirty="0" smtClean="0"/>
+              <a:t>, </a:t>
+            </a:r>
+            <a:r>
+              <a:rPr lang="ko-KR" altLang="en-US" sz="1200" dirty="0" smtClean="0"/>
+              <a:t>에이전트 등 게임 진행에 필수적인 정보들을 가지고 있다</a:t>
+            </a:r>
+            <a:r>
+              <a:rPr lang="en-US" altLang="ko-KR" sz="1200" dirty="0"/>
+              <a:t>. </a:t>
+            </a:r>
+            <a:r>
+              <a:rPr lang="en-US" altLang="ko-KR" sz="1200" dirty="0" err="1" smtClean="0"/>
+              <a:t>hGameWorld</a:t>
+            </a:r>
+            <a:r>
+              <a:rPr lang="ko-KR" altLang="en-US" sz="1200" dirty="0" smtClean="0"/>
+              <a:t>에는 스레드를 생성하여 </a:t>
+            </a:r>
+            <a:r>
+              <a:rPr lang="en-US" altLang="ko-KR" sz="1200" dirty="0" err="1" smtClean="0"/>
+              <a:t>RunGameWorld</a:t>
+            </a:r>
+            <a:r>
+              <a:rPr lang="en-US" altLang="ko-KR" sz="1200" dirty="0" smtClean="0"/>
+              <a:t>() </a:t>
+            </a:r>
+            <a:r>
+              <a:rPr lang="ko-KR" altLang="en-US" sz="1200" dirty="0" smtClean="0"/>
+              <a:t>함수를 연결해 게임 메인 스레드로 이용한다</a:t>
+            </a:r>
+            <a:r>
+              <a:rPr lang="en-US" altLang="ko-KR" sz="1200" dirty="0" smtClean="0"/>
+              <a:t>.</a:t>
+            </a:r>
+            <a:endParaRPr lang="ko-KR" altLang="en-US" sz="1200" dirty="0"/>
+          </a:p>
+        </p:txBody>
+      </p:sp>
+      <p:sp>
+        <p:nvSpPr>
+          <p:cNvPr id="52" name="직사각형 51"/>
+          <p:cNvSpPr/>
+          <p:nvPr/>
+        </p:nvSpPr>
+        <p:spPr>
+          <a:xfrm>
+            <a:off x="3164159" y="3863843"/>
+            <a:ext cx="2724692" cy="1040454"/>
+          </a:xfrm>
+          <a:prstGeom prst="rect">
+            <a:avLst/>
+          </a:prstGeom>
+          <a:noFill/>
+        </p:spPr>
+        <p:style>
+          <a:lnRef idx="1">
+            <a:schemeClr val="accent5"/>
+          </a:lnRef>
+          <a:fillRef idx="2">
+            <a:schemeClr val="accent5"/>
+          </a:fillRef>
+          <a:effectRef idx="1">
+            <a:schemeClr val="accent5"/>
+          </a:effectRef>
+          <a:fontRef idx="minor">
+            <a:schemeClr val="dk1"/>
+          </a:fontRef>
+        </p:style>
+        <p:txBody>
+          <a:bodyPr rtlCol="0" anchor="t" anchorCtr="0"/>
+          <a:lstStyle/>
+          <a:p>
+            <a:r>
+              <a:rPr lang="ko-KR" altLang="en-US" sz="1200" dirty="0" smtClean="0"/>
+              <a:t>서버에 연결된 클라이언트의 정보를 저장하는 구조체</a:t>
+            </a:r>
+            <a:r>
+              <a:rPr lang="en-US" altLang="ko-KR" sz="1200" dirty="0"/>
+              <a:t>. </a:t>
+            </a:r>
+            <a:r>
+              <a:rPr lang="en-US" altLang="ko-KR" sz="1200" dirty="0" err="1"/>
+              <a:t>hReceiver</a:t>
+            </a:r>
+            <a:r>
+              <a:rPr lang="ko-KR" altLang="en-US" sz="1200" dirty="0"/>
+              <a:t>에는 </a:t>
+            </a:r>
+            <a:r>
+              <a:rPr lang="ko-KR" altLang="en-US" sz="1200" dirty="0" smtClean="0"/>
+              <a:t>새로운 </a:t>
+            </a:r>
+            <a:r>
+              <a:rPr lang="ko-KR" altLang="en-US" sz="1200" dirty="0"/>
+              <a:t>스레드를 생성하여</a:t>
+            </a:r>
+            <a:r>
+              <a:rPr lang="en-US" altLang="ko-KR" sz="1200" dirty="0" err="1"/>
+              <a:t>RecvMassage</a:t>
+            </a:r>
+            <a:r>
+              <a:rPr lang="en-US" altLang="ko-KR" sz="1200" dirty="0"/>
+              <a:t>() </a:t>
+            </a:r>
+            <a:r>
+              <a:rPr lang="ko-KR" altLang="en-US" sz="1200" dirty="0"/>
+              <a:t>함수를 </a:t>
+            </a:r>
+            <a:r>
+              <a:rPr lang="ko-KR" altLang="en-US" sz="1200" dirty="0" smtClean="0"/>
+              <a:t>연결해 메시지를 받는 용도로 사용한다</a:t>
+            </a:r>
+            <a:r>
+              <a:rPr lang="en-US" altLang="ko-KR" sz="1200" dirty="0" smtClean="0"/>
+              <a:t>.</a:t>
+            </a:r>
+            <a:endParaRPr lang="en-US" altLang="ko-KR" sz="1200" dirty="0"/>
+          </a:p>
+          <a:p>
+            <a:endParaRPr lang="ko-KR" altLang="en-US" sz="1200" dirty="0"/>
+          </a:p>
+        </p:txBody>
+      </p:sp>
+      <p:sp>
+        <p:nvSpPr>
+          <p:cNvPr id="53" name="직사각형 52"/>
+          <p:cNvSpPr/>
+          <p:nvPr/>
+        </p:nvSpPr>
+        <p:spPr>
+          <a:xfrm>
+            <a:off x="3220004" y="5231039"/>
+            <a:ext cx="2473023" cy="1199979"/>
+          </a:xfrm>
+          <a:prstGeom prst="rect">
+            <a:avLst/>
+          </a:prstGeom>
+          <a:noFill/>
+        </p:spPr>
+        <p:style>
+          <a:lnRef idx="1">
+            <a:schemeClr val="accent5"/>
+          </a:lnRef>
+          <a:fillRef idx="2">
+            <a:schemeClr val="accent5"/>
+          </a:fillRef>
+          <a:effectRef idx="1">
+            <a:schemeClr val="accent5"/>
+          </a:effectRef>
+          <a:fontRef idx="minor">
+            <a:schemeClr val="dk1"/>
+          </a:fontRef>
+        </p:style>
+        <p:txBody>
+          <a:bodyPr rtlCol="0" anchor="t" anchorCtr="0"/>
+          <a:lstStyle/>
+          <a:p>
+            <a:r>
+              <a:rPr lang="ko-KR" altLang="en-US" sz="1200" dirty="0" smtClean="0"/>
+              <a:t>게임에 참여중인 </a:t>
+            </a:r>
+            <a:r>
+              <a:rPr lang="en-US" altLang="ko-KR" sz="1200" dirty="0" smtClean="0"/>
+              <a:t>Agent</a:t>
+            </a:r>
+            <a:r>
+              <a:rPr lang="ko-KR" altLang="en-US" sz="1200" dirty="0" smtClean="0"/>
+              <a:t>에 사용되는 정보를 저장한 구조체</a:t>
+            </a:r>
+            <a:r>
+              <a:rPr lang="en-US" altLang="ko-KR" sz="1200" dirty="0" smtClean="0"/>
+              <a:t>.</a:t>
+            </a:r>
+            <a:r>
+              <a:rPr lang="en-US" altLang="ko-KR" sz="1200" dirty="0"/>
+              <a:t> </a:t>
+            </a:r>
+            <a:r>
+              <a:rPr lang="en-US" altLang="ko-KR" sz="1200" dirty="0" err="1" smtClean="0"/>
+              <a:t>hReceiver</a:t>
+            </a:r>
+            <a:r>
+              <a:rPr lang="ko-KR" altLang="en-US" sz="1200" dirty="0"/>
+              <a:t>에는 새로운 스레드를 생성하여</a:t>
+            </a:r>
+            <a:r>
+              <a:rPr lang="en-US" altLang="ko-KR" sz="1200" dirty="0" err="1"/>
+              <a:t>RecvMassage</a:t>
+            </a:r>
+            <a:r>
+              <a:rPr lang="en-US" altLang="ko-KR" sz="1200" dirty="0"/>
+              <a:t>() </a:t>
+            </a:r>
+            <a:r>
+              <a:rPr lang="ko-KR" altLang="en-US" sz="1200" dirty="0"/>
+              <a:t>함수를 연결해 메시지를 받는 용도로 사용한다</a:t>
+            </a:r>
+            <a:r>
+              <a:rPr lang="en-US" altLang="ko-KR" sz="1200" dirty="0"/>
+              <a:t>.</a:t>
+            </a:r>
+          </a:p>
+          <a:p>
+            <a:endParaRPr lang="ko-KR" altLang="en-US" sz="1200" dirty="0"/>
+          </a:p>
+        </p:txBody>
+      </p:sp>
+      <p:grpSp>
+        <p:nvGrpSpPr>
+          <p:cNvPr id="54" name="그룹 53"/>
+          <p:cNvGrpSpPr/>
+          <p:nvPr/>
+        </p:nvGrpSpPr>
+        <p:grpSpPr>
+          <a:xfrm>
+            <a:off x="8994598" y="2851537"/>
+            <a:ext cx="2980456" cy="1158923"/>
+            <a:chOff x="4337108" y="838899"/>
+            <a:chExt cx="1451295" cy="1071022"/>
+          </a:xfrm>
+        </p:grpSpPr>
+        <p:sp>
+          <p:nvSpPr>
+            <p:cNvPr id="55" name="직사각형 54"/>
+            <p:cNvSpPr/>
+            <p:nvPr/>
+          </p:nvSpPr>
+          <p:spPr>
+            <a:xfrm>
+              <a:off x="4337108" y="838899"/>
+              <a:ext cx="1451295" cy="1071022"/>
+            </a:xfrm>
+            <a:prstGeom prst="rect">
+              <a:avLst/>
+            </a:prstGeom>
+            <a:noFill/>
+            <a:ln w="28575"/>
+          </p:spPr>
+          <p:style>
+            <a:lnRef idx="1">
+              <a:schemeClr val="dk1"/>
+            </a:lnRef>
+            <a:fillRef idx="2">
+              <a:schemeClr val="dk1"/>
+            </a:fillRef>
+            <a:effectRef idx="1">
+              <a:schemeClr val="dk1"/>
+            </a:effectRef>
+            <a:fontRef idx="minor">
+              <a:schemeClr val="dk1"/>
+            </a:fontRef>
+          </p:style>
+          <p:txBody>
+            <a:bodyPr rtlCol="0" anchor="t" anchorCtr="0"/>
+            <a:lstStyle/>
+            <a:p>
+              <a:pPr algn="ctr"/>
+              <a:r>
+                <a:rPr lang="en-US" altLang="ko-KR" sz="1200" dirty="0" smtClean="0"/>
+                <a:t>static void </a:t>
+              </a:r>
+              <a:r>
+                <a:rPr lang="en-US" altLang="ko-KR" sz="1200" dirty="0" err="1" smtClean="0"/>
+                <a:t>RunGameWorld</a:t>
+              </a:r>
+              <a:r>
+                <a:rPr lang="en-US" altLang="ko-KR" sz="1200" dirty="0" smtClean="0"/>
+                <a:t>(LPVOID </a:t>
+              </a:r>
+              <a:r>
+                <a:rPr lang="en-US" altLang="ko-KR" sz="1200" dirty="0" err="1"/>
+                <a:t>arg</a:t>
+              </a:r>
+              <a:r>
+                <a:rPr lang="en-US" altLang="ko-KR" sz="1200" dirty="0" smtClean="0"/>
+                <a:t>)</a:t>
+              </a:r>
+              <a:endParaRPr lang="ko-KR" altLang="en-US" sz="1200" dirty="0"/>
+            </a:p>
+          </p:txBody>
+        </p:sp>
+        <p:sp>
+          <p:nvSpPr>
+            <p:cNvPr id="56" name="직사각형 55"/>
+            <p:cNvSpPr/>
+            <p:nvPr/>
+          </p:nvSpPr>
+          <p:spPr>
+            <a:xfrm>
+              <a:off x="4337108" y="1142403"/>
+              <a:ext cx="1451295" cy="767518"/>
+            </a:xfrm>
+            <a:prstGeom prst="rect">
+              <a:avLst/>
+            </a:prstGeom>
+            <a:noFill/>
+          </p:spPr>
+          <p:style>
+            <a:lnRef idx="1">
+              <a:schemeClr val="accent5"/>
+            </a:lnRef>
+            <a:fillRef idx="2">
+              <a:schemeClr val="accent5"/>
+            </a:fillRef>
+            <a:effectRef idx="1">
+              <a:schemeClr val="accent5"/>
+            </a:effectRef>
+            <a:fontRef idx="minor">
+              <a:schemeClr val="dk1"/>
+            </a:fontRef>
+          </p:style>
+          <p:txBody>
+            <a:bodyPr rtlCol="0" anchor="t" anchorCtr="0"/>
+            <a:lstStyle/>
+            <a:p>
+              <a:r>
+                <a:rPr lang="en-US" altLang="ko-KR" sz="1200" dirty="0" err="1" smtClean="0"/>
+                <a:t>CreateThread</a:t>
+              </a:r>
+              <a:r>
+                <a:rPr lang="en-US" altLang="ko-KR" sz="1200" dirty="0" smtClean="0"/>
+                <a:t>()</a:t>
+              </a:r>
+              <a:r>
+                <a:rPr lang="ko-KR" altLang="en-US" sz="1200" dirty="0" smtClean="0"/>
+                <a:t>로 생성된 </a:t>
+              </a:r>
+              <a:r>
+                <a:rPr lang="ko-KR" altLang="en-US" sz="1200" dirty="0" smtClean="0"/>
+                <a:t>스레드가  </a:t>
+              </a:r>
+              <a:r>
+                <a:rPr lang="en-US" altLang="ko-KR" sz="1200" dirty="0" err="1" smtClean="0"/>
+                <a:t>Gameworld</a:t>
+              </a:r>
+              <a:r>
+                <a:rPr lang="ko-KR" altLang="en-US" sz="1200" dirty="0" smtClean="0"/>
+                <a:t>의 게임 루프를</a:t>
+              </a:r>
+              <a:r>
+                <a:rPr lang="ko-KR" altLang="en-US" sz="1200" dirty="0" smtClean="0"/>
+                <a:t> 실행하여 게임을 진행한다</a:t>
+              </a:r>
+              <a:r>
+                <a:rPr lang="en-US" altLang="ko-KR" sz="1200" dirty="0" smtClean="0"/>
+                <a:t>. </a:t>
+              </a:r>
+              <a:r>
+                <a:rPr lang="ko-KR" altLang="en-US" sz="1200" dirty="0" smtClean="0"/>
+                <a:t>함수 인자 </a:t>
+              </a:r>
+              <a:r>
+                <a:rPr lang="en-US" altLang="ko-KR" sz="1200" dirty="0" err="1" smtClean="0"/>
+                <a:t>arg</a:t>
+              </a:r>
+              <a:r>
+                <a:rPr lang="ko-KR" altLang="en-US" sz="1200" dirty="0" smtClean="0"/>
+                <a:t>에는 </a:t>
+              </a:r>
+              <a:r>
+                <a:rPr lang="en-US" altLang="ko-KR" sz="1200" dirty="0" err="1" smtClean="0"/>
+                <a:t>Gameworld</a:t>
+              </a:r>
+              <a:r>
+                <a:rPr lang="en-US" altLang="ko-KR" sz="1200" dirty="0"/>
+                <a:t> </a:t>
+              </a:r>
+              <a:r>
+                <a:rPr lang="ko-KR" altLang="en-US" sz="1200" dirty="0" smtClean="0"/>
+                <a:t>객체가 포함되어 </a:t>
+              </a:r>
+              <a:r>
+                <a:rPr lang="ko-KR" altLang="en-US" sz="1200" dirty="0" smtClean="0"/>
+                <a:t>있어야한다</a:t>
+              </a:r>
+              <a:r>
+                <a:rPr lang="en-US" altLang="ko-KR" sz="1200" dirty="0" smtClean="0"/>
+                <a:t>.</a:t>
+              </a:r>
+              <a:r>
+                <a:rPr lang="ko-KR" altLang="en-US" sz="1200" dirty="0" smtClean="0"/>
+                <a:t> </a:t>
+              </a:r>
+              <a:endParaRPr lang="ko-KR" altLang="en-US" sz="1200" dirty="0"/>
+            </a:p>
+          </p:txBody>
+        </p:sp>
+      </p:grpSp>
+      <p:grpSp>
+        <p:nvGrpSpPr>
+          <p:cNvPr id="57" name="그룹 56"/>
+          <p:cNvGrpSpPr/>
+          <p:nvPr/>
+        </p:nvGrpSpPr>
+        <p:grpSpPr>
+          <a:xfrm>
+            <a:off x="6220604" y="2427684"/>
+            <a:ext cx="2402613" cy="1158924"/>
+            <a:chOff x="4337108" y="838899"/>
+            <a:chExt cx="1451295" cy="1071023"/>
+          </a:xfrm>
+        </p:grpSpPr>
+        <p:sp>
+          <p:nvSpPr>
+            <p:cNvPr id="58" name="직사각형 57"/>
+            <p:cNvSpPr/>
+            <p:nvPr/>
+          </p:nvSpPr>
+          <p:spPr>
+            <a:xfrm>
+              <a:off x="4337108" y="838899"/>
+              <a:ext cx="1451295" cy="1071022"/>
+            </a:xfrm>
+            <a:prstGeom prst="rect">
+              <a:avLst/>
+            </a:prstGeom>
+            <a:noFill/>
+            <a:ln w="28575"/>
+          </p:spPr>
+          <p:style>
+            <a:lnRef idx="1">
+              <a:schemeClr val="dk1"/>
+            </a:lnRef>
+            <a:fillRef idx="2">
+              <a:schemeClr val="dk1"/>
+            </a:fillRef>
+            <a:effectRef idx="1">
+              <a:schemeClr val="dk1"/>
+            </a:effectRef>
+            <a:fontRef idx="minor">
+              <a:schemeClr val="dk1"/>
+            </a:fontRef>
+          </p:style>
+          <p:txBody>
+            <a:bodyPr rtlCol="0" anchor="t" anchorCtr="0"/>
+            <a:lstStyle/>
+            <a:p>
+              <a:pPr algn="ctr"/>
+              <a:r>
+                <a:rPr lang="en-US" altLang="ko-KR" sz="1200" dirty="0" smtClean="0"/>
+                <a:t>void </a:t>
+              </a:r>
+              <a:r>
+                <a:rPr lang="en-US" altLang="ko-KR" sz="1200" dirty="0" err="1" smtClean="0"/>
+                <a:t>RoomInfo</a:t>
+              </a:r>
+              <a:r>
+                <a:rPr lang="en-US" altLang="ko-KR" sz="1200" dirty="0" smtClean="0"/>
+                <a:t>::</a:t>
+              </a:r>
+              <a:r>
+                <a:rPr lang="en-US" altLang="ko-KR" sz="1200" dirty="0" err="1" smtClean="0"/>
+                <a:t>SendMsgs</a:t>
+              </a:r>
+              <a:r>
+                <a:rPr lang="en-US" altLang="ko-KR" sz="1200" dirty="0" smtClean="0"/>
+                <a:t>(void)</a:t>
+              </a:r>
+              <a:endParaRPr lang="ko-KR" altLang="en-US" sz="1200" dirty="0"/>
+            </a:p>
+          </p:txBody>
+        </p:sp>
+        <p:sp>
+          <p:nvSpPr>
+            <p:cNvPr id="59" name="직사각형 58"/>
+            <p:cNvSpPr/>
+            <p:nvPr/>
+          </p:nvSpPr>
+          <p:spPr>
+            <a:xfrm>
+              <a:off x="4337108" y="1142403"/>
+              <a:ext cx="1451295" cy="767519"/>
+            </a:xfrm>
+            <a:prstGeom prst="rect">
+              <a:avLst/>
+            </a:prstGeom>
+            <a:noFill/>
+          </p:spPr>
+          <p:style>
+            <a:lnRef idx="1">
+              <a:schemeClr val="accent5"/>
+            </a:lnRef>
+            <a:fillRef idx="2">
+              <a:schemeClr val="accent5"/>
+            </a:fillRef>
+            <a:effectRef idx="1">
+              <a:schemeClr val="accent5"/>
+            </a:effectRef>
+            <a:fontRef idx="minor">
+              <a:schemeClr val="dk1"/>
+            </a:fontRef>
+          </p:style>
+          <p:txBody>
+            <a:bodyPr rtlCol="0" anchor="t" anchorCtr="0"/>
+            <a:lstStyle/>
+            <a:p>
+              <a:r>
+                <a:rPr lang="en-US" altLang="ko-KR" sz="1200" dirty="0" err="1" smtClean="0"/>
+                <a:t>UpdateWorld</a:t>
+              </a:r>
+              <a:r>
+                <a:rPr lang="en-US" altLang="ko-KR" sz="1200" dirty="0" smtClean="0"/>
+                <a:t>()</a:t>
+              </a:r>
+              <a:r>
+                <a:rPr lang="ko-KR" altLang="en-US" sz="1200" dirty="0" smtClean="0"/>
+                <a:t>를 통해 생성된 새로운 정보를 룸에 소속된 </a:t>
+              </a:r>
+              <a:r>
+                <a:rPr lang="ko-KR" altLang="en-US" sz="1200" dirty="0" err="1" smtClean="0"/>
+                <a:t>객체들에게</a:t>
+              </a:r>
+              <a:r>
+                <a:rPr lang="ko-KR" altLang="en-US" sz="1200" dirty="0" smtClean="0"/>
+                <a:t> 전달한다</a:t>
+              </a:r>
+              <a:r>
+                <a:rPr lang="en-US" altLang="ko-KR" sz="1200" dirty="0" smtClean="0"/>
+                <a:t>.</a:t>
+              </a:r>
+              <a:r>
+                <a:rPr lang="ko-KR" altLang="en-US" sz="1200" dirty="0" smtClean="0"/>
+                <a:t> </a:t>
+              </a:r>
+              <a:endParaRPr lang="ko-KR" altLang="en-US" sz="1200" dirty="0"/>
+            </a:p>
+          </p:txBody>
+        </p:sp>
+      </p:grpSp>
+      <p:cxnSp>
+        <p:nvCxnSpPr>
+          <p:cNvPr id="4" name="직선 화살표 연결선 3"/>
+          <p:cNvCxnSpPr>
+            <a:endCxn id="42" idx="0"/>
+          </p:cNvCxnSpPr>
+          <p:nvPr/>
+        </p:nvCxnSpPr>
+        <p:spPr>
+          <a:xfrm flipH="1">
+            <a:off x="4658187" y="2382630"/>
+            <a:ext cx="81594" cy="269411"/>
+          </a:xfrm>
+          <a:prstGeom prst="straightConnector1">
+            <a:avLst/>
+          </a:prstGeom>
+          <a:ln>
+            <a:tailEnd type="triangle"/>
+          </a:ln>
+        </p:spPr>
+        <p:style>
+          <a:lnRef idx="1">
+            <a:schemeClr val="accent1"/>
+          </a:lnRef>
+          <a:fillRef idx="0">
             <a:schemeClr val="accent1"/>
           </a:fillRef>
           <a:effectRef idx="0">
             <a:schemeClr val="accent1"/>
           </a:effectRef>
           <a:fontRef idx="minor">
-            <a:schemeClr val="lt1"/>
+            <a:schemeClr val="tx1"/>
           </a:fontRef>
         </p:style>
-        <p:txBody>
-          <a:bodyPr rtlCol="0" anchor="ctr"/>
-          <a:lstStyle/>
-          <a:p>
-            <a:pPr algn="ctr"/>
-            <a:r>
-              <a:rPr lang="en-US" altLang="ko-KR" dirty="0" err="1" smtClean="0"/>
-              <a:t>tcp</a:t>
-            </a:r>
-            <a:endParaRPr lang="ko-KR" altLang="en-US" dirty="0"/>
-          </a:p>
-        </p:txBody>
-      </p:sp>
-      <p:sp>
-        <p:nvSpPr>
-          <p:cNvPr id="4" name="직사각형 3"/>
-          <p:cNvSpPr/>
-          <p:nvPr/>
-        </p:nvSpPr>
-        <p:spPr>
-          <a:xfrm>
-            <a:off x="1855365" y="1367406"/>
-            <a:ext cx="1518408" cy="664127"/>
-          </a:xfrm>
-          <a:prstGeom prst="rect">
-            <a:avLst/>
-          </a:prstGeom>
-        </p:spPr>
-        <p:style>
-          <a:lnRef idx="2">
-            <a:schemeClr val="accent1">
-              <a:shade val="50000"/>
-            </a:schemeClr>
-          </a:lnRef>
-          <a:fillRef idx="1">
-            <a:schemeClr val="accent1"/>
-          </a:fillRef>
-          <a:effectRef idx="0">
-            <a:schemeClr val="accent1"/>
-          </a:effectRef>
-          <a:fontRef idx="minor">
-            <a:schemeClr val="lt1"/>
-          </a:fontRef>
-        </p:style>
-        <p:txBody>
-          <a:bodyPr rtlCol="0" anchor="ctr"/>
-          <a:lstStyle/>
-          <a:p>
-            <a:pPr algn="ctr"/>
-            <a:r>
-              <a:rPr lang="en-US" altLang="ko-KR" dirty="0" err="1" smtClean="0"/>
-              <a:t>Initailize</a:t>
-            </a:r>
-            <a:endParaRPr lang="ko-KR" altLang="en-US" dirty="0"/>
-          </a:p>
-        </p:txBody>
-      </p:sp>
-      <p:sp>
-        <p:nvSpPr>
-          <p:cNvPr id="5" name="직사각형 4"/>
-          <p:cNvSpPr/>
-          <p:nvPr/>
-        </p:nvSpPr>
-        <p:spPr>
-          <a:xfrm>
-            <a:off x="1855365" y="2906087"/>
-            <a:ext cx="2859248" cy="637563"/>
-          </a:xfrm>
-          <a:prstGeom prst="rect">
-            <a:avLst/>
-          </a:prstGeom>
-        </p:spPr>
-        <p:style>
-          <a:lnRef idx="2">
-            <a:schemeClr val="accent1">
-              <a:shade val="50000"/>
-            </a:schemeClr>
-          </a:lnRef>
-          <a:fillRef idx="1">
-            <a:schemeClr val="accent1"/>
-          </a:fillRef>
-          <a:effectRef idx="0">
-            <a:schemeClr val="accent1"/>
-          </a:effectRef>
-          <a:fontRef idx="minor">
-            <a:schemeClr val="lt1"/>
-          </a:fontRef>
-        </p:style>
-        <p:txBody>
-          <a:bodyPr rtlCol="0" anchor="ctr"/>
-          <a:lstStyle/>
-          <a:p>
-            <a:pPr algn="ctr"/>
-            <a:r>
-              <a:rPr lang="en-US" altLang="ko-KR" dirty="0" smtClean="0"/>
-              <a:t>Accept Client to lobby</a:t>
-            </a:r>
-            <a:endParaRPr lang="ko-KR" altLang="en-US" dirty="0"/>
-          </a:p>
-        </p:txBody>
-      </p:sp>
-      <p:sp>
-        <p:nvSpPr>
-          <p:cNvPr id="6" name="직사각형 5"/>
-          <p:cNvSpPr/>
-          <p:nvPr/>
-        </p:nvSpPr>
-        <p:spPr>
-          <a:xfrm>
-            <a:off x="6504264" y="2906086"/>
-            <a:ext cx="2859248" cy="637563"/>
-          </a:xfrm>
-          <a:prstGeom prst="rect">
-            <a:avLst/>
-          </a:prstGeom>
-        </p:spPr>
-        <p:style>
-          <a:lnRef idx="2">
-            <a:schemeClr val="accent1">
-              <a:shade val="50000"/>
-            </a:schemeClr>
-          </a:lnRef>
-          <a:fillRef idx="1">
-            <a:schemeClr val="accent1"/>
-          </a:fillRef>
-          <a:effectRef idx="0">
-            <a:schemeClr val="accent1"/>
-          </a:effectRef>
-          <a:fontRef idx="minor">
-            <a:schemeClr val="lt1"/>
-          </a:fontRef>
-        </p:style>
-        <p:txBody>
-          <a:bodyPr rtlCol="0" anchor="ctr"/>
-          <a:lstStyle/>
-          <a:p>
-            <a:pPr algn="ctr"/>
-            <a:r>
-              <a:rPr lang="en-US" altLang="ko-KR" dirty="0" err="1" smtClean="0"/>
-              <a:t>Recv</a:t>
-            </a:r>
-            <a:r>
-              <a:rPr lang="en-US" altLang="ko-KR" dirty="0" smtClean="0"/>
-              <a:t> from lobby client</a:t>
-            </a:r>
-            <a:endParaRPr lang="ko-KR" altLang="en-US" dirty="0"/>
-          </a:p>
-        </p:txBody>
-      </p:sp>
-      <p:sp>
-        <p:nvSpPr>
-          <p:cNvPr id="7" name="직사각형 6"/>
-          <p:cNvSpPr/>
-          <p:nvPr/>
-        </p:nvSpPr>
-        <p:spPr>
-          <a:xfrm>
-            <a:off x="1855365" y="2086761"/>
-            <a:ext cx="1518408" cy="664127"/>
-          </a:xfrm>
-          <a:prstGeom prst="rect">
-            <a:avLst/>
-          </a:prstGeom>
-        </p:spPr>
-        <p:style>
-          <a:lnRef idx="2">
-            <a:schemeClr val="accent1">
-              <a:shade val="50000"/>
-            </a:schemeClr>
-          </a:lnRef>
-          <a:fillRef idx="1">
-            <a:schemeClr val="accent1"/>
-          </a:fillRef>
-          <a:effectRef idx="0">
-            <a:schemeClr val="accent1"/>
-          </a:effectRef>
-          <a:fontRef idx="minor">
-            <a:schemeClr val="lt1"/>
-          </a:fontRef>
-        </p:style>
-        <p:txBody>
-          <a:bodyPr rtlCol="0" anchor="ctr"/>
-          <a:lstStyle/>
-          <a:p>
-            <a:pPr algn="ctr"/>
-            <a:r>
-              <a:rPr lang="en-US" altLang="ko-KR" dirty="0" smtClean="0"/>
-              <a:t>Release</a:t>
-            </a:r>
-            <a:endParaRPr lang="ko-KR" altLang="en-US" dirty="0"/>
-          </a:p>
-        </p:txBody>
-      </p:sp>
-      <p:sp>
-        <p:nvSpPr>
-          <p:cNvPr id="8" name="직사각형 7"/>
-          <p:cNvSpPr/>
-          <p:nvPr/>
-        </p:nvSpPr>
-        <p:spPr>
-          <a:xfrm>
-            <a:off x="6504264" y="1035342"/>
-            <a:ext cx="2622958" cy="1212908"/>
-          </a:xfrm>
-          <a:prstGeom prst="rect">
-            <a:avLst/>
-          </a:prstGeom>
-        </p:spPr>
-        <p:style>
-          <a:lnRef idx="2">
-            <a:schemeClr val="accent1">
-              <a:shade val="50000"/>
-            </a:schemeClr>
-          </a:lnRef>
-          <a:fillRef idx="1">
-            <a:schemeClr val="accent1"/>
-          </a:fillRef>
-          <a:effectRef idx="0">
-            <a:schemeClr val="accent1"/>
-          </a:effectRef>
-          <a:fontRef idx="minor">
-            <a:schemeClr val="lt1"/>
-          </a:fontRef>
-        </p:style>
-        <p:txBody>
-          <a:bodyPr rtlCol="0" anchor="ctr"/>
-          <a:lstStyle/>
-          <a:p>
-            <a:pPr algn="ctr"/>
-            <a:r>
-              <a:rPr lang="en-US" altLang="ko-KR" dirty="0" err="1" smtClean="0"/>
-              <a:t>Initailize</a:t>
-            </a:r>
-            <a:endParaRPr lang="ko-KR" altLang="en-US" dirty="0"/>
-          </a:p>
-        </p:txBody>
-      </p:sp>
-      <p:sp>
-        <p:nvSpPr>
-          <p:cNvPr id="9" name="직사각형 8"/>
-          <p:cNvSpPr/>
-          <p:nvPr/>
-        </p:nvSpPr>
-        <p:spPr>
-          <a:xfrm>
-            <a:off x="1855365" y="4291669"/>
-            <a:ext cx="2859248" cy="637563"/>
-          </a:xfrm>
-          <a:prstGeom prst="rect">
-            <a:avLst/>
-          </a:prstGeom>
-        </p:spPr>
-        <p:style>
-          <a:lnRef idx="2">
-            <a:schemeClr val="accent1">
-              <a:shade val="50000"/>
-            </a:schemeClr>
-          </a:lnRef>
-          <a:fillRef idx="1">
-            <a:schemeClr val="accent1"/>
-          </a:fillRef>
-          <a:effectRef idx="0">
-            <a:schemeClr val="accent1"/>
-          </a:effectRef>
-          <a:fontRef idx="minor">
-            <a:schemeClr val="lt1"/>
-          </a:fontRef>
-        </p:style>
-        <p:txBody>
-          <a:bodyPr rtlCol="0" anchor="ctr"/>
-          <a:lstStyle/>
-          <a:p>
-            <a:pPr algn="ctr"/>
-            <a:r>
-              <a:rPr lang="en-US" altLang="ko-KR" dirty="0" smtClean="0"/>
-              <a:t>Accept Client to lobby</a:t>
-            </a:r>
-            <a:endParaRPr lang="ko-KR" altLang="en-US" dirty="0"/>
-          </a:p>
-        </p:txBody>
-      </p:sp>
+      </p:cxnSp>
       <p:cxnSp>
         <p:nvCxnSpPr>
-          <p:cNvPr id="11" name="직선 화살표 연결선 10"/>
+          <p:cNvPr id="60" name="직선 화살표 연결선 59"/>
           <p:cNvCxnSpPr>
-            <a:stCxn id="5" idx="3"/>
-            <a:endCxn id="6" idx="1"/>
+            <a:endCxn id="58" idx="0"/>
           </p:cNvCxnSpPr>
           <p:nvPr/>
         </p:nvCxnSpPr>
         <p:spPr>
-          <a:xfrm flipV="1">
-            <a:off x="4714613" y="3224868"/>
-            <a:ext cx="1789651" cy="1"/>
+          <a:xfrm>
+            <a:off x="4902730" y="2165783"/>
+            <a:ext cx="2519181" cy="261901"/>
           </a:xfrm>
           <a:prstGeom prst="straightConnector1">
             <a:avLst/>
@@ -3358,38 +4953,4284 @@
       </p:cxnSp>
       <p:sp>
         <p:nvSpPr>
-          <p:cNvPr id="12" name="TextBox 11"/>
-          <p:cNvSpPr txBox="1"/>
+          <p:cNvPr id="61" name="직사각형 60"/>
+          <p:cNvSpPr/>
           <p:nvPr/>
         </p:nvSpPr>
         <p:spPr>
           <a:xfrm>
-            <a:off x="4784171" y="2824210"/>
-            <a:ext cx="1650534" cy="369332"/>
+            <a:off x="9354718" y="203701"/>
+            <a:ext cx="2198696" cy="377505"/>
+          </a:xfrm>
+          <a:prstGeom prst="rect">
+            <a:avLst/>
+          </a:prstGeom>
+        </p:spPr>
+        <p:style>
+          <a:lnRef idx="2">
+            <a:schemeClr val="accent1">
+              <a:shade val="50000"/>
+            </a:schemeClr>
+          </a:lnRef>
+          <a:fillRef idx="1">
+            <a:schemeClr val="accent1"/>
+          </a:fillRef>
+          <a:effectRef idx="0">
+            <a:schemeClr val="accent1"/>
+          </a:effectRef>
+          <a:fontRef idx="minor">
+            <a:schemeClr val="lt1"/>
+          </a:fontRef>
+        </p:style>
+        <p:txBody>
+          <a:bodyPr rtlCol="0" anchor="ctr"/>
+          <a:lstStyle/>
+          <a:p>
+            <a:pPr algn="ctr"/>
+            <a:r>
+              <a:rPr lang="ko-KR" altLang="en-US" smtClean="0"/>
+              <a:t>공용 </a:t>
+            </a:r>
+            <a:r>
+              <a:rPr lang="ko-KR" altLang="en-US" dirty="0" smtClean="0"/>
+              <a:t>스레드 함수</a:t>
+            </a:r>
+            <a:endParaRPr lang="ko-KR" altLang="en-US" dirty="0"/>
+          </a:p>
+        </p:txBody>
+      </p:sp>
+    </p:spTree>
+    <p:extLst>
+      <p:ext uri="{BB962C8B-B14F-4D97-AF65-F5344CB8AC3E}">
+        <p14:creationId xmlns:p14="http://schemas.microsoft.com/office/powerpoint/2010/main" val="2794853151"/>
+      </p:ext>
+    </p:extLst>
+  </p:cSld>
+  <p:clrMapOvr>
+    <a:masterClrMapping/>
+  </p:clrMapOvr>
+</p:sld>
+</file>
+
+<file path=ppt/slides/slide2.xml><?xml version="1.0" encoding="utf-8"?>
+<p:sld xmlns:a="http://schemas.openxmlformats.org/drawingml/2006/main" xmlns:r="http://schemas.openxmlformats.org/officeDocument/2006/relationships" xmlns:p="http://schemas.openxmlformats.org/presentationml/2006/main">
+  <p:cSld>
+    <p:spTree>
+      <p:nvGrpSpPr>
+        <p:cNvPr id="1" name=""/>
+        <p:cNvGrpSpPr/>
+        <p:nvPr/>
+      </p:nvGrpSpPr>
+      <p:grpSpPr>
+        <a:xfrm>
+          <a:off x="0" y="0"/>
+          <a:ext cx="0" cy="0"/>
+          <a:chOff x="0" y="0"/>
+          <a:chExt cx="0" cy="0"/>
+        </a:xfrm>
+      </p:grpSpPr>
+      <p:grpSp>
+        <p:nvGrpSpPr>
+          <p:cNvPr id="17" name="그룹 16"/>
+          <p:cNvGrpSpPr/>
+          <p:nvPr/>
+        </p:nvGrpSpPr>
+        <p:grpSpPr>
+          <a:xfrm>
+            <a:off x="5353805" y="931646"/>
+            <a:ext cx="2204676" cy="1823603"/>
+            <a:chOff x="4337108" y="838899"/>
+            <a:chExt cx="1451295" cy="1378201"/>
+          </a:xfrm>
+        </p:grpSpPr>
+        <p:sp>
+          <p:nvSpPr>
+            <p:cNvPr id="15" name="직사각형 14"/>
+            <p:cNvSpPr/>
+            <p:nvPr/>
+          </p:nvSpPr>
+          <p:spPr>
+            <a:xfrm>
+              <a:off x="4337108" y="838899"/>
+              <a:ext cx="1451295" cy="1378201"/>
+            </a:xfrm>
+            <a:prstGeom prst="rect">
+              <a:avLst/>
+            </a:prstGeom>
+            <a:noFill/>
+            <a:ln w="28575"/>
+          </p:spPr>
+          <p:style>
+            <a:lnRef idx="1">
+              <a:schemeClr val="dk1"/>
+            </a:lnRef>
+            <a:fillRef idx="2">
+              <a:schemeClr val="dk1"/>
+            </a:fillRef>
+            <a:effectRef idx="1">
+              <a:schemeClr val="dk1"/>
+            </a:effectRef>
+            <a:fontRef idx="minor">
+              <a:schemeClr val="dk1"/>
+            </a:fontRef>
+          </p:style>
+          <p:txBody>
+            <a:bodyPr rtlCol="0" anchor="t" anchorCtr="0"/>
+            <a:lstStyle/>
+            <a:p>
+              <a:pPr algn="ctr"/>
+              <a:r>
+                <a:rPr lang="en-US" altLang="ko-KR" dirty="0" smtClean="0"/>
+                <a:t>Server</a:t>
+              </a:r>
+              <a:endParaRPr lang="ko-KR" altLang="en-US" dirty="0"/>
+            </a:p>
+          </p:txBody>
+        </p:sp>
+        <p:sp>
+          <p:nvSpPr>
+            <p:cNvPr id="16" name="직사각형 15"/>
+            <p:cNvSpPr/>
+            <p:nvPr/>
+          </p:nvSpPr>
+          <p:spPr>
+            <a:xfrm>
+              <a:off x="4337108" y="1114718"/>
+              <a:ext cx="1451295" cy="1102382"/>
+            </a:xfrm>
+            <a:prstGeom prst="rect">
+              <a:avLst/>
+            </a:prstGeom>
+            <a:noFill/>
+          </p:spPr>
+          <p:style>
+            <a:lnRef idx="1">
+              <a:schemeClr val="accent5"/>
+            </a:lnRef>
+            <a:fillRef idx="2">
+              <a:schemeClr val="accent5"/>
+            </a:fillRef>
+            <a:effectRef idx="1">
+              <a:schemeClr val="accent5"/>
+            </a:effectRef>
+            <a:fontRef idx="minor">
+              <a:schemeClr val="dk1"/>
+            </a:fontRef>
+          </p:style>
+          <p:txBody>
+            <a:bodyPr rtlCol="0" anchor="t" anchorCtr="0"/>
+            <a:lstStyle/>
+            <a:p>
+              <a:r>
+                <a:rPr lang="sv-SE" altLang="ko-KR" sz="1000" dirty="0" smtClean="0"/>
+                <a:t>#WSADATA 	  m_Wsa</a:t>
+              </a:r>
+              <a:endParaRPr lang="sv-SE" altLang="ko-KR" sz="1000" dirty="0"/>
+            </a:p>
+            <a:p>
+              <a:r>
+                <a:rPr lang="sv-SE" altLang="ko-KR" sz="1000" dirty="0" smtClean="0"/>
+                <a:t>#SOCKET 	  m_Listen_sock</a:t>
+              </a:r>
+              <a:endParaRPr lang="sv-SE" altLang="ko-KR" sz="1000" dirty="0"/>
+            </a:p>
+            <a:p>
+              <a:r>
+                <a:rPr lang="sv-SE" altLang="ko-KR" sz="1000" dirty="0" smtClean="0"/>
+                <a:t>#SOCKADDR_IN  </a:t>
+              </a:r>
+              <a:r>
+                <a:rPr lang="sv-SE" altLang="ko-KR" sz="1000" dirty="0" smtClean="0"/>
+                <a:t>m_Serveraddr</a:t>
+              </a:r>
+            </a:p>
+            <a:p>
+              <a:r>
+                <a:rPr lang="en-US" altLang="ko-KR" sz="1000" dirty="0" smtClean="0"/>
+                <a:t>#</a:t>
+              </a:r>
+              <a:r>
+                <a:rPr lang="en-US" altLang="ko-KR" sz="1000" dirty="0" err="1" smtClean="0"/>
+                <a:t>MsgQueue</a:t>
+              </a:r>
+              <a:r>
+                <a:rPr lang="en-US" altLang="ko-KR" sz="1000" dirty="0"/>
+                <a:t>	  </a:t>
+              </a:r>
+              <a:r>
+                <a:rPr lang="en-US" altLang="ko-KR" sz="1000" dirty="0" err="1" smtClean="0"/>
+                <a:t>m_MsgQueue</a:t>
+              </a:r>
+              <a:endParaRPr lang="en-US" altLang="ko-KR" sz="1200" dirty="0" smtClean="0"/>
+            </a:p>
+            <a:p>
+              <a:endParaRPr lang="en-US" altLang="ko-KR" sz="1200" dirty="0"/>
+            </a:p>
+            <a:p>
+              <a:r>
+                <a:rPr lang="en-US" altLang="ko-KR" sz="1200" dirty="0" smtClean="0"/>
+                <a:t>+void Initialize(void)</a:t>
+              </a:r>
+            </a:p>
+            <a:p>
+              <a:r>
+                <a:rPr lang="en-US" altLang="ko-KR" sz="1200" dirty="0" smtClean="0"/>
+                <a:t>+void Release(void)</a:t>
+              </a:r>
+            </a:p>
+            <a:p>
+              <a:r>
+                <a:rPr lang="en-US" altLang="ko-KR" sz="1200" dirty="0"/>
+                <a:t>+virtual void </a:t>
+              </a:r>
+              <a:r>
+                <a:rPr lang="en-US" altLang="ko-KR" sz="1200" dirty="0" smtClean="0"/>
+                <a:t>Run(void</a:t>
+              </a:r>
+              <a:r>
+                <a:rPr lang="en-US" altLang="ko-KR" sz="1200" dirty="0"/>
+                <a:t>) = 0</a:t>
+              </a:r>
+            </a:p>
+            <a:p>
+              <a:endParaRPr lang="ko-KR" altLang="en-US" sz="1200" dirty="0"/>
+            </a:p>
+          </p:txBody>
+        </p:sp>
+      </p:grpSp>
+      <p:grpSp>
+        <p:nvGrpSpPr>
+          <p:cNvPr id="14" name="그룹 13"/>
+          <p:cNvGrpSpPr/>
+          <p:nvPr/>
+        </p:nvGrpSpPr>
+        <p:grpSpPr>
+          <a:xfrm>
+            <a:off x="2443027" y="3557400"/>
+            <a:ext cx="1986360" cy="1484303"/>
+            <a:chOff x="4337108" y="838899"/>
+            <a:chExt cx="1451295" cy="1335248"/>
+          </a:xfrm>
+        </p:grpSpPr>
+        <p:sp>
+          <p:nvSpPr>
+            <p:cNvPr id="27" name="직사각형 26"/>
+            <p:cNvSpPr/>
+            <p:nvPr/>
+          </p:nvSpPr>
+          <p:spPr>
+            <a:xfrm>
+              <a:off x="4337108" y="838899"/>
+              <a:ext cx="1451295" cy="1335248"/>
+            </a:xfrm>
+            <a:prstGeom prst="rect">
+              <a:avLst/>
+            </a:prstGeom>
+            <a:noFill/>
+            <a:ln w="28575"/>
+          </p:spPr>
+          <p:style>
+            <a:lnRef idx="1">
+              <a:schemeClr val="dk1"/>
+            </a:lnRef>
+            <a:fillRef idx="2">
+              <a:schemeClr val="dk1"/>
+            </a:fillRef>
+            <a:effectRef idx="1">
+              <a:schemeClr val="dk1"/>
+            </a:effectRef>
+            <a:fontRef idx="minor">
+              <a:schemeClr val="dk1"/>
+            </a:fontRef>
+          </p:style>
+          <p:txBody>
+            <a:bodyPr rtlCol="0" anchor="t" anchorCtr="0"/>
+            <a:lstStyle/>
+            <a:p>
+              <a:pPr algn="ctr"/>
+              <a:r>
+                <a:rPr lang="en-US" altLang="ko-KR" sz="1200" dirty="0"/>
+                <a:t>v</a:t>
+              </a:r>
+              <a:r>
+                <a:rPr lang="en-US" altLang="ko-KR" sz="1200" dirty="0" smtClean="0"/>
+                <a:t>oid Server::Initialize(void)</a:t>
+              </a:r>
+              <a:endParaRPr lang="ko-KR" altLang="en-US" sz="1200" dirty="0"/>
+            </a:p>
+          </p:txBody>
+        </p:sp>
+        <p:sp>
+          <p:nvSpPr>
+            <p:cNvPr id="28" name="직사각형 27"/>
+            <p:cNvSpPr/>
+            <p:nvPr/>
+          </p:nvSpPr>
+          <p:spPr>
+            <a:xfrm>
+              <a:off x="4337108" y="1103395"/>
+              <a:ext cx="1451295" cy="1070752"/>
+            </a:xfrm>
+            <a:prstGeom prst="rect">
+              <a:avLst/>
+            </a:prstGeom>
+            <a:noFill/>
+          </p:spPr>
+          <p:style>
+            <a:lnRef idx="1">
+              <a:schemeClr val="accent5"/>
+            </a:lnRef>
+            <a:fillRef idx="2">
+              <a:schemeClr val="accent5"/>
+            </a:fillRef>
+            <a:effectRef idx="1">
+              <a:schemeClr val="accent5"/>
+            </a:effectRef>
+            <a:fontRef idx="minor">
+              <a:schemeClr val="dk1"/>
+            </a:fontRef>
+          </p:style>
+          <p:txBody>
+            <a:bodyPr rtlCol="0" anchor="t" anchorCtr="0"/>
+            <a:lstStyle/>
+            <a:p>
+              <a:r>
+                <a:rPr lang="en-US" altLang="ko-KR" sz="1200" dirty="0" err="1" smtClean="0"/>
+                <a:t>WSAStartup</a:t>
+              </a:r>
+              <a:r>
+                <a:rPr lang="en-US" altLang="ko-KR" sz="1200" dirty="0"/>
+                <a:t>(), socket</a:t>
+              </a:r>
+              <a:r>
+                <a:rPr lang="en-US" altLang="ko-KR" sz="1200" dirty="0" smtClean="0"/>
+                <a:t>(), bind(), listen() </a:t>
+              </a:r>
+              <a:r>
+                <a:rPr lang="ko-KR" altLang="en-US" sz="1200" dirty="0" smtClean="0"/>
+                <a:t>함수들을 이용하여 멤버변수들을 사용 가능한 상태로 만들어 </a:t>
+              </a:r>
+              <a:r>
+                <a:rPr lang="en-US" altLang="ko-KR" sz="1200" dirty="0" smtClean="0"/>
+                <a:t>accept()</a:t>
+              </a:r>
+              <a:r>
+                <a:rPr lang="ko-KR" altLang="en-US" sz="1200" dirty="0" smtClean="0"/>
+                <a:t>를 호출할 수 있도록 준비한다</a:t>
+              </a:r>
+              <a:r>
+                <a:rPr lang="en-US" altLang="ko-KR" sz="1200" dirty="0" smtClean="0"/>
+                <a:t>.</a:t>
+              </a:r>
+              <a:endParaRPr lang="ko-KR" altLang="en-US" sz="1200" dirty="0"/>
+            </a:p>
+          </p:txBody>
+        </p:sp>
+      </p:grpSp>
+      <p:grpSp>
+        <p:nvGrpSpPr>
+          <p:cNvPr id="29" name="그룹 28"/>
+          <p:cNvGrpSpPr/>
+          <p:nvPr/>
+        </p:nvGrpSpPr>
+        <p:grpSpPr>
+          <a:xfrm>
+            <a:off x="5353805" y="3733982"/>
+            <a:ext cx="2103807" cy="1131137"/>
+            <a:chOff x="4337108" y="838899"/>
+            <a:chExt cx="1451296" cy="1045343"/>
+          </a:xfrm>
+        </p:grpSpPr>
+        <p:sp>
+          <p:nvSpPr>
+            <p:cNvPr id="30" name="직사각형 29"/>
+            <p:cNvSpPr/>
+            <p:nvPr/>
+          </p:nvSpPr>
+          <p:spPr>
+            <a:xfrm>
+              <a:off x="4337109" y="838899"/>
+              <a:ext cx="1451295" cy="1045343"/>
+            </a:xfrm>
+            <a:prstGeom prst="rect">
+              <a:avLst/>
+            </a:prstGeom>
+            <a:noFill/>
+            <a:ln w="28575"/>
+          </p:spPr>
+          <p:style>
+            <a:lnRef idx="1">
+              <a:schemeClr val="dk1"/>
+            </a:lnRef>
+            <a:fillRef idx="2">
+              <a:schemeClr val="dk1"/>
+            </a:fillRef>
+            <a:effectRef idx="1">
+              <a:schemeClr val="dk1"/>
+            </a:effectRef>
+            <a:fontRef idx="minor">
+              <a:schemeClr val="dk1"/>
+            </a:fontRef>
+          </p:style>
+          <p:txBody>
+            <a:bodyPr rtlCol="0" anchor="t" anchorCtr="0"/>
+            <a:lstStyle/>
+            <a:p>
+              <a:pPr algn="ctr"/>
+              <a:r>
+                <a:rPr lang="en-US" altLang="ko-KR" sz="1200" dirty="0"/>
+                <a:t>v</a:t>
+              </a:r>
+              <a:r>
+                <a:rPr lang="en-US" altLang="ko-KR" sz="1200" dirty="0" smtClean="0"/>
+                <a:t>oid Server::Release(void)</a:t>
+              </a:r>
+              <a:endParaRPr lang="ko-KR" altLang="en-US" sz="1200" dirty="0"/>
+            </a:p>
+          </p:txBody>
+        </p:sp>
+        <p:sp>
+          <p:nvSpPr>
+            <p:cNvPr id="31" name="직사각형 30"/>
+            <p:cNvSpPr/>
+            <p:nvPr/>
+          </p:nvSpPr>
+          <p:spPr>
+            <a:xfrm>
+              <a:off x="4337108" y="1103395"/>
+              <a:ext cx="1451295" cy="780847"/>
+            </a:xfrm>
+            <a:prstGeom prst="rect">
+              <a:avLst/>
+            </a:prstGeom>
+            <a:noFill/>
+          </p:spPr>
+          <p:style>
+            <a:lnRef idx="1">
+              <a:schemeClr val="accent5"/>
+            </a:lnRef>
+            <a:fillRef idx="2">
+              <a:schemeClr val="accent5"/>
+            </a:fillRef>
+            <a:effectRef idx="1">
+              <a:schemeClr val="accent5"/>
+            </a:effectRef>
+            <a:fontRef idx="minor">
+              <a:schemeClr val="dk1"/>
+            </a:fontRef>
+          </p:style>
+          <p:txBody>
+            <a:bodyPr rtlCol="0" anchor="t" anchorCtr="0"/>
+            <a:lstStyle/>
+            <a:p>
+              <a:r>
+                <a:rPr lang="en-US" altLang="ko-KR" sz="1200" dirty="0" err="1"/>
+                <a:t>closesocket</a:t>
+              </a:r>
+              <a:r>
+                <a:rPr lang="en-US" altLang="ko-KR" sz="1200" dirty="0" smtClean="0"/>
+                <a:t>(), </a:t>
+              </a:r>
+              <a:r>
+                <a:rPr lang="en-US" altLang="ko-KR" sz="1200" dirty="0" err="1" smtClean="0"/>
+                <a:t>WSACleanup</a:t>
+              </a:r>
+              <a:r>
+                <a:rPr lang="en-US" altLang="ko-KR" sz="1200" dirty="0" smtClean="0"/>
+                <a:t>() </a:t>
+              </a:r>
+              <a:r>
+                <a:rPr lang="ko-KR" altLang="en-US" sz="1200" dirty="0" smtClean="0"/>
+                <a:t>함수들을 호출하여 </a:t>
+              </a:r>
+              <a:r>
+                <a:rPr lang="ko-KR" altLang="en-US" sz="1200" dirty="0" err="1" smtClean="0"/>
+                <a:t>멤버변수</a:t>
+              </a:r>
+              <a:r>
+                <a:rPr lang="ko-KR" altLang="en-US" sz="1200" dirty="0" smtClean="0"/>
+                <a:t> </a:t>
+              </a:r>
+              <a:r>
+                <a:rPr lang="en-US" altLang="ko-KR" sz="1200" dirty="0" smtClean="0"/>
+                <a:t>listen </a:t>
+              </a:r>
+              <a:r>
+                <a:rPr lang="ko-KR" altLang="en-US" sz="1200" dirty="0" smtClean="0"/>
+                <a:t>소켓을 닫고 </a:t>
+              </a:r>
+              <a:r>
+                <a:rPr lang="ko-KR" altLang="en-US" sz="1200" dirty="0" err="1" smtClean="0"/>
+                <a:t>윈속을</a:t>
+              </a:r>
+              <a:r>
+                <a:rPr lang="ko-KR" altLang="en-US" sz="1200" dirty="0" smtClean="0"/>
+                <a:t> 종료한다</a:t>
+              </a:r>
+              <a:r>
+                <a:rPr lang="en-US" altLang="ko-KR" sz="1200" dirty="0" smtClean="0"/>
+                <a:t>.</a:t>
+              </a:r>
+              <a:endParaRPr lang="ko-KR" altLang="en-US" sz="1200" dirty="0"/>
+            </a:p>
+          </p:txBody>
+        </p:sp>
+      </p:grpSp>
+      <p:grpSp>
+        <p:nvGrpSpPr>
+          <p:cNvPr id="47" name="그룹 46"/>
+          <p:cNvGrpSpPr/>
+          <p:nvPr/>
+        </p:nvGrpSpPr>
+        <p:grpSpPr>
+          <a:xfrm>
+            <a:off x="8071637" y="3761296"/>
+            <a:ext cx="2397423" cy="1107595"/>
+            <a:chOff x="4337108" y="838899"/>
+            <a:chExt cx="1451296" cy="996369"/>
+          </a:xfrm>
+        </p:grpSpPr>
+        <p:sp>
+          <p:nvSpPr>
+            <p:cNvPr id="48" name="직사각형 47"/>
+            <p:cNvSpPr/>
+            <p:nvPr/>
+          </p:nvSpPr>
+          <p:spPr>
+            <a:xfrm>
+              <a:off x="4337109" y="838899"/>
+              <a:ext cx="1451295" cy="996369"/>
+            </a:xfrm>
+            <a:prstGeom prst="rect">
+              <a:avLst/>
+            </a:prstGeom>
+            <a:noFill/>
+            <a:ln w="28575"/>
+          </p:spPr>
+          <p:style>
+            <a:lnRef idx="1">
+              <a:schemeClr val="dk1"/>
+            </a:lnRef>
+            <a:fillRef idx="2">
+              <a:schemeClr val="dk1"/>
+            </a:fillRef>
+            <a:effectRef idx="1">
+              <a:schemeClr val="dk1"/>
+            </a:effectRef>
+            <a:fontRef idx="minor">
+              <a:schemeClr val="dk1"/>
+            </a:fontRef>
+          </p:style>
+          <p:txBody>
+            <a:bodyPr rtlCol="0" anchor="t" anchorCtr="0"/>
+            <a:lstStyle/>
+            <a:p>
+              <a:pPr algn="ctr"/>
+              <a:r>
+                <a:rPr lang="en-US" altLang="ko-KR" sz="1200" dirty="0"/>
+                <a:t>v</a:t>
+              </a:r>
+              <a:r>
+                <a:rPr lang="en-US" altLang="ko-KR" sz="1200" dirty="0" smtClean="0"/>
+                <a:t>irtual void Server::Run(void)=0</a:t>
+              </a:r>
+              <a:endParaRPr lang="ko-KR" altLang="en-US" sz="1200" dirty="0"/>
+            </a:p>
+          </p:txBody>
+        </p:sp>
+        <p:sp>
+          <p:nvSpPr>
+            <p:cNvPr id="49" name="직사각형 48"/>
+            <p:cNvSpPr/>
+            <p:nvPr/>
+          </p:nvSpPr>
+          <p:spPr>
+            <a:xfrm>
+              <a:off x="4337108" y="1103395"/>
+              <a:ext cx="1451295" cy="731873"/>
+            </a:xfrm>
+            <a:prstGeom prst="rect">
+              <a:avLst/>
+            </a:prstGeom>
+            <a:noFill/>
+          </p:spPr>
+          <p:style>
+            <a:lnRef idx="1">
+              <a:schemeClr val="accent5"/>
+            </a:lnRef>
+            <a:fillRef idx="2">
+              <a:schemeClr val="accent5"/>
+            </a:fillRef>
+            <a:effectRef idx="1">
+              <a:schemeClr val="accent5"/>
+            </a:effectRef>
+            <a:fontRef idx="minor">
+              <a:schemeClr val="dk1"/>
+            </a:fontRef>
+          </p:style>
+          <p:txBody>
+            <a:bodyPr rtlCol="0" anchor="t" anchorCtr="0"/>
+            <a:lstStyle/>
+            <a:p>
+              <a:r>
+                <a:rPr lang="ko-KR" altLang="en-US" sz="1200" dirty="0" smtClean="0"/>
+                <a:t>서버가 서비스를 시작하게 하는 완전 추상화 가상 함수이다</a:t>
+              </a:r>
+              <a:r>
+                <a:rPr lang="en-US" altLang="ko-KR" sz="1200" dirty="0" smtClean="0"/>
+                <a:t>. </a:t>
+              </a:r>
+              <a:endParaRPr lang="en-US" altLang="ko-KR" sz="1200" dirty="0"/>
+            </a:p>
+            <a:p>
+              <a:r>
+                <a:rPr lang="ko-KR" altLang="en-US" sz="1200" dirty="0" smtClean="0"/>
+                <a:t>상속받는 자식 서버객체에서 정의된다</a:t>
+              </a:r>
+              <a:r>
+                <a:rPr lang="en-US" altLang="ko-KR" sz="1200" dirty="0" smtClean="0"/>
+                <a:t>.</a:t>
+              </a:r>
+              <a:endParaRPr lang="ko-KR" altLang="en-US" sz="1200" dirty="0"/>
+            </a:p>
+          </p:txBody>
+        </p:sp>
+      </p:grpSp>
+      <p:sp>
+        <p:nvSpPr>
+          <p:cNvPr id="50" name="직사각형 49"/>
+          <p:cNvSpPr/>
+          <p:nvPr/>
+        </p:nvSpPr>
+        <p:spPr>
+          <a:xfrm>
+            <a:off x="2443027" y="897137"/>
+            <a:ext cx="2473023" cy="1057092"/>
           </a:xfrm>
           <a:prstGeom prst="rect">
             <a:avLst/>
           </a:prstGeom>
           <a:noFill/>
         </p:spPr>
+        <p:style>
+          <a:lnRef idx="1">
+            <a:schemeClr val="accent5"/>
+          </a:lnRef>
+          <a:fillRef idx="2">
+            <a:schemeClr val="accent5"/>
+          </a:fillRef>
+          <a:effectRef idx="1">
+            <a:schemeClr val="accent5"/>
+          </a:effectRef>
+          <a:fontRef idx="minor">
+            <a:schemeClr val="dk1"/>
+          </a:fontRef>
+        </p:style>
         <p:txBody>
-          <a:bodyPr wrap="square" rtlCol="0">
-            <a:spAutoFit/>
-          </a:bodyPr>
+          <a:bodyPr rtlCol="0" anchor="t" anchorCtr="0"/>
           <a:lstStyle/>
           <a:p>
             <a:r>
-              <a:rPr lang="en-US" altLang="ko-KR" dirty="0" smtClean="0"/>
-              <a:t>Create thread</a:t>
-            </a:r>
-            <a:endParaRPr lang="ko-KR" altLang="en-US" dirty="0"/>
+              <a:rPr lang="ko-KR" altLang="en-US" sz="1200" dirty="0" smtClean="0"/>
+              <a:t>서버의 가장 기본적인 구성요소들과 메서드들을 가지고 있는 서버 인터페이스 객체</a:t>
+            </a:r>
+            <a:r>
+              <a:rPr lang="en-US" altLang="ko-KR" sz="1200" dirty="0" smtClean="0"/>
+              <a:t>.</a:t>
+            </a:r>
+          </a:p>
+          <a:p>
+            <a:r>
+              <a:rPr lang="ko-KR" altLang="en-US" sz="1200" dirty="0" smtClean="0"/>
+              <a:t>이 객체를 상속받는 자식 서버 객체들의 기본적인 틀을 정해준다</a:t>
+            </a:r>
+            <a:r>
+              <a:rPr lang="en-US" altLang="ko-KR" sz="1200" dirty="0" smtClean="0"/>
+              <a:t>.</a:t>
+            </a:r>
+            <a:endParaRPr lang="ko-KR" altLang="en-US" sz="1200" dirty="0"/>
           </a:p>
         </p:txBody>
       </p:sp>
+      <p:grpSp>
+        <p:nvGrpSpPr>
+          <p:cNvPr id="18" name="그룹 17"/>
+          <p:cNvGrpSpPr/>
+          <p:nvPr/>
+        </p:nvGrpSpPr>
+        <p:grpSpPr>
+          <a:xfrm>
+            <a:off x="8319113" y="1778433"/>
+            <a:ext cx="2401615" cy="1379456"/>
+            <a:chOff x="4337108" y="930856"/>
+            <a:chExt cx="1451295" cy="1274828"/>
+          </a:xfrm>
+        </p:grpSpPr>
+        <p:sp>
+          <p:nvSpPr>
+            <p:cNvPr id="19" name="직사각형 18"/>
+            <p:cNvSpPr/>
+            <p:nvPr/>
+          </p:nvSpPr>
+          <p:spPr>
+            <a:xfrm>
+              <a:off x="4337108" y="930856"/>
+              <a:ext cx="1451295" cy="1274827"/>
+            </a:xfrm>
+            <a:prstGeom prst="rect">
+              <a:avLst/>
+            </a:prstGeom>
+            <a:noFill/>
+            <a:ln w="28575"/>
+          </p:spPr>
+          <p:style>
+            <a:lnRef idx="1">
+              <a:schemeClr val="dk1"/>
+            </a:lnRef>
+            <a:fillRef idx="2">
+              <a:schemeClr val="dk1"/>
+            </a:fillRef>
+            <a:effectRef idx="1">
+              <a:schemeClr val="dk1"/>
+            </a:effectRef>
+            <a:fontRef idx="minor">
+              <a:schemeClr val="dk1"/>
+            </a:fontRef>
+          </p:style>
+          <p:txBody>
+            <a:bodyPr rtlCol="0" anchor="t" anchorCtr="0"/>
+            <a:lstStyle/>
+            <a:p>
+              <a:pPr algn="ctr"/>
+              <a:r>
+                <a:rPr lang="en-US" altLang="ko-KR" sz="1400" dirty="0" err="1" smtClean="0"/>
+                <a:t>MsgQueue</a:t>
+              </a:r>
+              <a:endParaRPr lang="ko-KR" altLang="en-US" sz="1400" dirty="0"/>
+            </a:p>
+          </p:txBody>
+        </p:sp>
+        <p:sp>
+          <p:nvSpPr>
+            <p:cNvPr id="20" name="직사각형 19"/>
+            <p:cNvSpPr/>
+            <p:nvPr/>
+          </p:nvSpPr>
+          <p:spPr>
+            <a:xfrm>
+              <a:off x="4337108" y="1216404"/>
+              <a:ext cx="1451295" cy="989280"/>
+            </a:xfrm>
+            <a:prstGeom prst="rect">
+              <a:avLst/>
+            </a:prstGeom>
+            <a:noFill/>
+          </p:spPr>
+          <p:style>
+            <a:lnRef idx="1">
+              <a:schemeClr val="accent5"/>
+            </a:lnRef>
+            <a:fillRef idx="2">
+              <a:schemeClr val="accent5"/>
+            </a:fillRef>
+            <a:effectRef idx="1">
+              <a:schemeClr val="accent5"/>
+            </a:effectRef>
+            <a:fontRef idx="minor">
+              <a:schemeClr val="dk1"/>
+            </a:fontRef>
+          </p:style>
+          <p:txBody>
+            <a:bodyPr rtlCol="0" anchor="t" anchorCtr="0"/>
+            <a:lstStyle/>
+            <a:p>
+              <a:r>
+                <a:rPr lang="ko-KR" altLang="en-US" sz="1000" dirty="0" smtClean="0"/>
+                <a:t>서버</a:t>
+              </a:r>
+              <a:r>
+                <a:rPr lang="en-US" altLang="ko-KR" sz="1000" dirty="0" smtClean="0"/>
+                <a:t>-</a:t>
+              </a:r>
+              <a:r>
+                <a:rPr lang="ko-KR" altLang="en-US" sz="1000" dirty="0" smtClean="0"/>
+                <a:t>서버 또는 서버</a:t>
+              </a:r>
+              <a:r>
+                <a:rPr lang="en-US" altLang="ko-KR" sz="1000" dirty="0" smtClean="0"/>
+                <a:t>-</a:t>
+              </a:r>
+              <a:r>
+                <a:rPr lang="ko-KR" altLang="en-US" sz="1000" dirty="0" smtClean="0"/>
+                <a:t>클라이언트 간의 통신을 할 때 전달되는 메시지들을 도착한 순서대로 </a:t>
+              </a:r>
+              <a:r>
+                <a:rPr lang="en-US" altLang="ko-KR" sz="1000" dirty="0" err="1" smtClean="0"/>
+                <a:t>enqueue</a:t>
+              </a:r>
+              <a:r>
+                <a:rPr lang="ko-KR" altLang="en-US" sz="1000" dirty="0" smtClean="0"/>
+                <a:t>하고 메시지를 처리할 때는 가장 먼저 </a:t>
+              </a:r>
+              <a:r>
+                <a:rPr lang="en-US" altLang="ko-KR" sz="1000" dirty="0" err="1" smtClean="0"/>
+                <a:t>enqueue</a:t>
+              </a:r>
+              <a:r>
+                <a:rPr lang="ko-KR" altLang="en-US" sz="1000" dirty="0" smtClean="0"/>
+                <a:t>된 메시지부터 </a:t>
+              </a:r>
+              <a:r>
+                <a:rPr lang="en-US" altLang="ko-KR" sz="1000" dirty="0" err="1" smtClean="0"/>
+                <a:t>dequeue</a:t>
+              </a:r>
+              <a:r>
+                <a:rPr lang="ko-KR" altLang="en-US" sz="1000" dirty="0" smtClean="0"/>
+                <a:t>하여 처리하는 용도로 사용되는 컨테이너이다</a:t>
+              </a:r>
+              <a:r>
+                <a:rPr lang="en-US" altLang="ko-KR" sz="1000" dirty="0" smtClean="0"/>
+                <a:t>.</a:t>
+              </a:r>
+              <a:endParaRPr lang="en-US" altLang="ko-KR" sz="1000" dirty="0"/>
+            </a:p>
+            <a:p>
+              <a:endParaRPr lang="en-US" altLang="ko-KR" sz="1000" dirty="0"/>
+            </a:p>
+          </p:txBody>
+        </p:sp>
+      </p:grpSp>
+      <p:cxnSp>
+        <p:nvCxnSpPr>
+          <p:cNvPr id="3" name="직선 화살표 연결선 2"/>
+          <p:cNvCxnSpPr/>
+          <p:nvPr/>
+        </p:nvCxnSpPr>
+        <p:spPr>
+          <a:xfrm>
+            <a:off x="7323589" y="1873020"/>
+            <a:ext cx="989901" cy="0"/>
+          </a:xfrm>
+          <a:prstGeom prst="straightConnector1">
+            <a:avLst/>
+          </a:prstGeom>
+          <a:ln>
+            <a:tailEnd type="triangle"/>
+          </a:ln>
+        </p:spPr>
+        <p:style>
+          <a:lnRef idx="1">
+            <a:schemeClr val="accent1"/>
+          </a:lnRef>
+          <a:fillRef idx="0">
+            <a:schemeClr val="accent1"/>
+          </a:fillRef>
+          <a:effectRef idx="0">
+            <a:schemeClr val="accent1"/>
+          </a:effectRef>
+          <a:fontRef idx="minor">
+            <a:schemeClr val="tx1"/>
+          </a:fontRef>
+        </p:style>
+      </p:cxnSp>
+      <p:cxnSp>
+        <p:nvCxnSpPr>
+          <p:cNvPr id="21" name="직선 화살표 연결선 20"/>
+          <p:cNvCxnSpPr>
+            <a:endCxn id="27" idx="0"/>
+          </p:cNvCxnSpPr>
+          <p:nvPr/>
+        </p:nvCxnSpPr>
+        <p:spPr>
+          <a:xfrm flipH="1">
+            <a:off x="3436207" y="2248250"/>
+            <a:ext cx="1917598" cy="1309150"/>
+          </a:xfrm>
+          <a:prstGeom prst="straightConnector1">
+            <a:avLst/>
+          </a:prstGeom>
+          <a:ln>
+            <a:tailEnd type="triangle"/>
+          </a:ln>
+        </p:spPr>
+        <p:style>
+          <a:lnRef idx="1">
+            <a:schemeClr val="accent1"/>
+          </a:lnRef>
+          <a:fillRef idx="0">
+            <a:schemeClr val="accent1"/>
+          </a:fillRef>
+          <a:effectRef idx="0">
+            <a:schemeClr val="accent1"/>
+          </a:effectRef>
+          <a:fontRef idx="minor">
+            <a:schemeClr val="tx1"/>
+          </a:fontRef>
+        </p:style>
+      </p:cxnSp>
+      <p:cxnSp>
+        <p:nvCxnSpPr>
+          <p:cNvPr id="23" name="직선 화살표 연결선 22"/>
+          <p:cNvCxnSpPr>
+            <a:endCxn id="30" idx="0"/>
+          </p:cNvCxnSpPr>
+          <p:nvPr/>
+        </p:nvCxnSpPr>
+        <p:spPr>
+          <a:xfrm flipH="1">
+            <a:off x="6405709" y="2399251"/>
+            <a:ext cx="467495" cy="1334731"/>
+          </a:xfrm>
+          <a:prstGeom prst="straightConnector1">
+            <a:avLst/>
+          </a:prstGeom>
+          <a:ln>
+            <a:tailEnd type="triangle"/>
+          </a:ln>
+        </p:spPr>
+        <p:style>
+          <a:lnRef idx="1">
+            <a:schemeClr val="accent1"/>
+          </a:lnRef>
+          <a:fillRef idx="0">
+            <a:schemeClr val="accent1"/>
+          </a:fillRef>
+          <a:effectRef idx="0">
+            <a:schemeClr val="accent1"/>
+          </a:effectRef>
+          <a:fontRef idx="minor">
+            <a:schemeClr val="tx1"/>
+          </a:fontRef>
+        </p:style>
+      </p:cxnSp>
+      <p:cxnSp>
+        <p:nvCxnSpPr>
+          <p:cNvPr id="25" name="직선 화살표 연결선 24"/>
+          <p:cNvCxnSpPr/>
+          <p:nvPr/>
+        </p:nvCxnSpPr>
+        <p:spPr>
+          <a:xfrm>
+            <a:off x="7403373" y="2582512"/>
+            <a:ext cx="1530902" cy="1114111"/>
+          </a:xfrm>
+          <a:prstGeom prst="straightConnector1">
+            <a:avLst/>
+          </a:prstGeom>
+          <a:ln>
+            <a:tailEnd type="triangle"/>
+          </a:ln>
+        </p:spPr>
+        <p:style>
+          <a:lnRef idx="1">
+            <a:schemeClr val="accent1"/>
+          </a:lnRef>
+          <a:fillRef idx="0">
+            <a:schemeClr val="accent1"/>
+          </a:fillRef>
+          <a:effectRef idx="0">
+            <a:schemeClr val="accent1"/>
+          </a:effectRef>
+          <a:fontRef idx="minor">
+            <a:schemeClr val="tx1"/>
+          </a:fontRef>
+        </p:style>
+      </p:cxnSp>
+      <p:cxnSp>
+        <p:nvCxnSpPr>
+          <p:cNvPr id="10" name="직선 연결선 9"/>
+          <p:cNvCxnSpPr/>
+          <p:nvPr/>
+        </p:nvCxnSpPr>
+        <p:spPr>
+          <a:xfrm>
+            <a:off x="4907560" y="1082180"/>
+            <a:ext cx="440622" cy="0"/>
+          </a:xfrm>
+          <a:prstGeom prst="line">
+            <a:avLst/>
+          </a:prstGeom>
+        </p:spPr>
+        <p:style>
+          <a:lnRef idx="1">
+            <a:schemeClr val="accent1"/>
+          </a:lnRef>
+          <a:fillRef idx="0">
+            <a:schemeClr val="accent1"/>
+          </a:fillRef>
+          <a:effectRef idx="0">
+            <a:schemeClr val="accent1"/>
+          </a:effectRef>
+          <a:fontRef idx="minor">
+            <a:schemeClr val="tx1"/>
+          </a:fontRef>
+        </p:style>
+      </p:cxnSp>
     </p:spTree>
     <p:extLst>
       <p:ext uri="{BB962C8B-B14F-4D97-AF65-F5344CB8AC3E}">
         <p14:creationId xmlns:p14="http://schemas.microsoft.com/office/powerpoint/2010/main" val="1211090225"/>
+      </p:ext>
+    </p:extLst>
+  </p:cSld>
+  <p:clrMapOvr>
+    <a:masterClrMapping/>
+  </p:clrMapOvr>
+</p:sld>
+</file>
+
+<file path=ppt/slides/slide3.xml><?xml version="1.0" encoding="utf-8"?>
+<p:sld xmlns:a="http://schemas.openxmlformats.org/drawingml/2006/main" xmlns:r="http://schemas.openxmlformats.org/officeDocument/2006/relationships" xmlns:p="http://schemas.openxmlformats.org/presentationml/2006/main">
+  <p:cSld>
+    <p:spTree>
+      <p:nvGrpSpPr>
+        <p:cNvPr id="1" name=""/>
+        <p:cNvGrpSpPr/>
+        <p:nvPr/>
+      </p:nvGrpSpPr>
+      <p:grpSpPr>
+        <a:xfrm>
+          <a:off x="0" y="0"/>
+          <a:ext cx="0" cy="0"/>
+          <a:chOff x="0" y="0"/>
+          <a:chExt cx="0" cy="0"/>
+        </a:xfrm>
+      </p:grpSpPr>
+      <p:grpSp>
+        <p:nvGrpSpPr>
+          <p:cNvPr id="11" name="그룹 10"/>
+          <p:cNvGrpSpPr/>
+          <p:nvPr/>
+        </p:nvGrpSpPr>
+        <p:grpSpPr>
+          <a:xfrm>
+            <a:off x="4264305" y="1059137"/>
+            <a:ext cx="3017338" cy="2071378"/>
+            <a:chOff x="4337108" y="838899"/>
+            <a:chExt cx="1451295" cy="1869816"/>
+          </a:xfrm>
+        </p:grpSpPr>
+        <p:sp>
+          <p:nvSpPr>
+            <p:cNvPr id="12" name="직사각형 11"/>
+            <p:cNvSpPr/>
+            <p:nvPr/>
+          </p:nvSpPr>
+          <p:spPr>
+            <a:xfrm>
+              <a:off x="4337108" y="838899"/>
+              <a:ext cx="1451295" cy="1869816"/>
+            </a:xfrm>
+            <a:prstGeom prst="rect">
+              <a:avLst/>
+            </a:prstGeom>
+            <a:noFill/>
+            <a:ln w="28575"/>
+          </p:spPr>
+          <p:style>
+            <a:lnRef idx="1">
+              <a:schemeClr val="dk1"/>
+            </a:lnRef>
+            <a:fillRef idx="2">
+              <a:schemeClr val="dk1"/>
+            </a:fillRef>
+            <a:effectRef idx="1">
+              <a:schemeClr val="dk1"/>
+            </a:effectRef>
+            <a:fontRef idx="minor">
+              <a:schemeClr val="dk1"/>
+            </a:fontRef>
+          </p:style>
+          <p:txBody>
+            <a:bodyPr rtlCol="0" anchor="t" anchorCtr="0"/>
+            <a:lstStyle/>
+            <a:p>
+              <a:pPr algn="ctr"/>
+              <a:r>
+                <a:rPr lang="en-US" altLang="ko-KR" dirty="0" err="1" smtClean="0"/>
+                <a:t>MainServer</a:t>
+              </a:r>
+              <a:endParaRPr lang="ko-KR" altLang="en-US" dirty="0"/>
+            </a:p>
+          </p:txBody>
+        </p:sp>
+        <p:sp>
+          <p:nvSpPr>
+            <p:cNvPr id="13" name="직사각형 12"/>
+            <p:cNvSpPr/>
+            <p:nvPr/>
+          </p:nvSpPr>
+          <p:spPr>
+            <a:xfrm>
+              <a:off x="4337108" y="1148919"/>
+              <a:ext cx="1451295" cy="1559796"/>
+            </a:xfrm>
+            <a:prstGeom prst="rect">
+              <a:avLst/>
+            </a:prstGeom>
+            <a:noFill/>
+          </p:spPr>
+          <p:style>
+            <a:lnRef idx="1">
+              <a:schemeClr val="accent5"/>
+            </a:lnRef>
+            <a:fillRef idx="2">
+              <a:schemeClr val="accent5"/>
+            </a:fillRef>
+            <a:effectRef idx="1">
+              <a:schemeClr val="accent5"/>
+            </a:effectRef>
+            <a:fontRef idx="minor">
+              <a:schemeClr val="dk1"/>
+            </a:fontRef>
+          </p:style>
+          <p:txBody>
+            <a:bodyPr rtlCol="0" anchor="t" anchorCtr="0"/>
+            <a:lstStyle/>
+            <a:p>
+              <a:r>
+                <a:rPr lang="en-US" altLang="ko-KR" sz="1000" dirty="0" smtClean="0"/>
+                <a:t>-</a:t>
+              </a:r>
+              <a:r>
+                <a:rPr lang="en-US" altLang="ko-KR" sz="1000" dirty="0" err="1" smtClean="0"/>
+                <a:t>std</a:t>
+              </a:r>
+              <a:r>
+                <a:rPr lang="en-US" altLang="ko-KR" sz="1000" dirty="0" smtClean="0"/>
+                <a:t>::list&lt;</a:t>
+              </a:r>
+              <a:r>
+                <a:rPr lang="en-US" altLang="ko-KR" sz="1000" dirty="0" err="1" smtClean="0"/>
+                <a:t>RoomInfo</a:t>
+              </a:r>
+              <a:r>
+                <a:rPr lang="en-US" altLang="ko-KR" sz="1000" dirty="0" smtClean="0"/>
+                <a:t>*&gt;  </a:t>
+              </a:r>
+              <a:r>
+                <a:rPr lang="en-US" altLang="ko-KR" sz="1000" dirty="0" err="1" smtClean="0"/>
+                <a:t>m_Room_list</a:t>
+              </a:r>
+              <a:endParaRPr lang="en-US" altLang="ko-KR" sz="1000" dirty="0" smtClean="0"/>
+            </a:p>
+            <a:p>
+              <a:r>
+                <a:rPr lang="en-US" altLang="ko-KR" sz="1000" dirty="0"/>
+                <a:t>-</a:t>
+              </a:r>
+              <a:r>
+                <a:rPr lang="en-US" altLang="ko-KR" sz="1000" dirty="0" err="1"/>
+                <a:t>std</a:t>
+              </a:r>
+              <a:r>
+                <a:rPr lang="en-US" altLang="ko-KR" sz="1000" dirty="0" smtClean="0"/>
+                <a:t>::list&lt;</a:t>
+              </a:r>
+              <a:r>
+                <a:rPr lang="en-US" altLang="ko-KR" sz="1000" dirty="0" err="1" smtClean="0"/>
+                <a:t>ClientInfo</a:t>
+              </a:r>
+              <a:r>
+                <a:rPr lang="en-US" altLang="ko-KR" sz="1000" dirty="0" smtClean="0"/>
+                <a:t>*&gt;  </a:t>
+              </a:r>
+              <a:r>
+                <a:rPr lang="en-US" altLang="ko-KR" sz="1000" dirty="0" err="1" smtClean="0"/>
+                <a:t>m_WaitingClient_list</a:t>
+              </a:r>
+              <a:endParaRPr lang="en-US" altLang="ko-KR" sz="1000" dirty="0"/>
+            </a:p>
+            <a:p>
+              <a:r>
+                <a:rPr lang="en-US" altLang="ko-KR" sz="1000" dirty="0" smtClean="0"/>
+                <a:t>-</a:t>
+              </a:r>
+              <a:r>
+                <a:rPr lang="en-US" altLang="ko-KR" sz="1000" dirty="0" err="1" smtClean="0"/>
+                <a:t>ConnectedServerInfo</a:t>
+              </a:r>
+              <a:r>
+                <a:rPr lang="en-US" altLang="ko-KR" sz="1000" dirty="0" smtClean="0"/>
+                <a:t>  </a:t>
+              </a:r>
+              <a:r>
+                <a:rPr lang="en-US" altLang="ko-KR" sz="1000" dirty="0" err="1" smtClean="0"/>
+                <a:t>m_AgentServer</a:t>
+              </a:r>
+              <a:endParaRPr lang="en-US" altLang="ko-KR" sz="1000" dirty="0"/>
+            </a:p>
+            <a:p>
+              <a:endParaRPr lang="en-US" altLang="ko-KR" sz="1200" dirty="0" smtClean="0"/>
+            </a:p>
+            <a:p>
+              <a:r>
+                <a:rPr lang="en-US" altLang="ko-KR" sz="1200" dirty="0" smtClean="0"/>
+                <a:t>+virtual </a:t>
+              </a:r>
+              <a:r>
+                <a:rPr lang="en-US" altLang="ko-KR" sz="1200" dirty="0"/>
+                <a:t>void </a:t>
+              </a:r>
+              <a:r>
+                <a:rPr lang="en-US" altLang="ko-KR" sz="1200" dirty="0" smtClean="0"/>
+                <a:t>Run(void</a:t>
+              </a:r>
+              <a:r>
+                <a:rPr lang="en-US" altLang="ko-KR" sz="1200" dirty="0" smtClean="0"/>
+                <a:t>) override</a:t>
+              </a:r>
+              <a:endParaRPr lang="en-US" altLang="ko-KR" sz="1200" dirty="0" smtClean="0"/>
+            </a:p>
+            <a:p>
+              <a:r>
+                <a:rPr lang="en-US" altLang="ko-KR" sz="1200" dirty="0" smtClean="0"/>
+                <a:t>+void </a:t>
+              </a:r>
+              <a:r>
+                <a:rPr lang="en-US" altLang="ko-KR" sz="1200" dirty="0" err="1" smtClean="0"/>
+                <a:t>ConnectAgentServer</a:t>
+              </a:r>
+              <a:r>
+                <a:rPr lang="en-US" altLang="ko-KR" sz="1200" dirty="0" smtClean="0"/>
+                <a:t>(void)</a:t>
+              </a:r>
+            </a:p>
+            <a:p>
+              <a:r>
+                <a:rPr lang="en-US" altLang="ko-KR" sz="1200" dirty="0"/>
+                <a:t>+void </a:t>
+              </a:r>
+              <a:r>
+                <a:rPr lang="en-US" altLang="ko-KR" sz="1200" dirty="0" err="1"/>
+                <a:t>RequestAddAgentsToRoom</a:t>
+              </a:r>
+              <a:r>
+                <a:rPr lang="en-US" altLang="ko-KR" sz="1200" dirty="0"/>
+                <a:t>(void</a:t>
+              </a:r>
+              <a:r>
+                <a:rPr lang="en-US" altLang="ko-KR" sz="1200" dirty="0" smtClean="0"/>
+                <a:t>)</a:t>
+              </a:r>
+              <a:endParaRPr lang="en-US" altLang="ko-KR" sz="1200" dirty="0" smtClean="0"/>
+            </a:p>
+            <a:p>
+              <a:r>
+                <a:rPr lang="en-US" altLang="ko-KR" sz="1200" dirty="0" smtClean="0"/>
+                <a:t>+</a:t>
+              </a:r>
+              <a:r>
+                <a:rPr lang="en-US" altLang="ko-KR" sz="1200" dirty="0" smtClean="0"/>
+                <a:t>void </a:t>
+              </a:r>
+              <a:r>
+                <a:rPr lang="en-US" altLang="ko-KR" sz="1200" dirty="0" err="1"/>
+                <a:t>CreateRoom</a:t>
+              </a:r>
+              <a:r>
+                <a:rPr lang="en-US" altLang="ko-KR" sz="1200" dirty="0"/>
+                <a:t>(void)</a:t>
+              </a:r>
+              <a:endParaRPr lang="en-US" altLang="ko-KR" sz="1200" dirty="0" smtClean="0"/>
+            </a:p>
+            <a:p>
+              <a:r>
+                <a:rPr lang="en-US" altLang="ko-KR" sz="1200" dirty="0"/>
+                <a:t>+void </a:t>
+              </a:r>
+              <a:r>
+                <a:rPr lang="en-US" altLang="ko-KR" sz="1200" dirty="0" err="1" smtClean="0"/>
+                <a:t>DeleteRoom</a:t>
+              </a:r>
+              <a:r>
+                <a:rPr lang="en-US" altLang="ko-KR" sz="1200" dirty="0" smtClean="0"/>
+                <a:t>(void)</a:t>
+              </a:r>
+            </a:p>
+          </p:txBody>
+        </p:sp>
+      </p:grpSp>
+      <p:grpSp>
+        <p:nvGrpSpPr>
+          <p:cNvPr id="21" name="그룹 20"/>
+          <p:cNvGrpSpPr/>
+          <p:nvPr/>
+        </p:nvGrpSpPr>
+        <p:grpSpPr>
+          <a:xfrm>
+            <a:off x="444617" y="623926"/>
+            <a:ext cx="3160537" cy="1341769"/>
+            <a:chOff x="4337108" y="838899"/>
+            <a:chExt cx="1451295" cy="827950"/>
+          </a:xfrm>
+        </p:grpSpPr>
+        <p:sp>
+          <p:nvSpPr>
+            <p:cNvPr id="22" name="직사각형 21"/>
+            <p:cNvSpPr/>
+            <p:nvPr/>
+          </p:nvSpPr>
+          <p:spPr>
+            <a:xfrm>
+              <a:off x="4337108" y="838899"/>
+              <a:ext cx="1451295" cy="827950"/>
+            </a:xfrm>
+            <a:prstGeom prst="rect">
+              <a:avLst/>
+            </a:prstGeom>
+            <a:noFill/>
+            <a:ln w="28575"/>
+          </p:spPr>
+          <p:style>
+            <a:lnRef idx="1">
+              <a:schemeClr val="dk1"/>
+            </a:lnRef>
+            <a:fillRef idx="2">
+              <a:schemeClr val="dk1"/>
+            </a:fillRef>
+            <a:effectRef idx="1">
+              <a:schemeClr val="dk1"/>
+            </a:effectRef>
+            <a:fontRef idx="minor">
+              <a:schemeClr val="dk1"/>
+            </a:fontRef>
+          </p:style>
+          <p:txBody>
+            <a:bodyPr rtlCol="0" anchor="t" anchorCtr="0"/>
+            <a:lstStyle/>
+            <a:p>
+              <a:pPr algn="ctr"/>
+              <a:r>
+                <a:rPr lang="en-US" altLang="ko-KR" sz="1200" dirty="0"/>
+                <a:t>v</a:t>
+              </a:r>
+              <a:r>
+                <a:rPr lang="en-US" altLang="ko-KR" sz="1200" dirty="0" smtClean="0"/>
+                <a:t>oid </a:t>
+              </a:r>
+              <a:r>
+                <a:rPr lang="en-US" altLang="ko-KR" sz="1200" dirty="0" err="1" smtClean="0"/>
+                <a:t>MainServer</a:t>
+              </a:r>
+              <a:r>
+                <a:rPr lang="en-US" altLang="ko-KR" sz="1200" dirty="0" smtClean="0"/>
+                <a:t>::</a:t>
+              </a:r>
+              <a:r>
+                <a:rPr lang="en-US" altLang="ko-KR" sz="1200" dirty="0" err="1" smtClean="0"/>
+                <a:t>ConnectAgentServer</a:t>
+              </a:r>
+              <a:r>
+                <a:rPr lang="en-US" altLang="ko-KR" sz="1200" dirty="0" smtClean="0"/>
+                <a:t>(void</a:t>
+              </a:r>
+              <a:r>
+                <a:rPr lang="en-US" altLang="ko-KR" sz="1200" dirty="0" smtClean="0"/>
+                <a:t>)</a:t>
+              </a:r>
+              <a:endParaRPr lang="ko-KR" altLang="en-US" sz="1200" dirty="0"/>
+            </a:p>
+          </p:txBody>
+        </p:sp>
+        <p:sp>
+          <p:nvSpPr>
+            <p:cNvPr id="23" name="직사각형 22"/>
+            <p:cNvSpPr/>
+            <p:nvPr/>
+          </p:nvSpPr>
+          <p:spPr>
+            <a:xfrm>
+              <a:off x="4337108" y="1040493"/>
+              <a:ext cx="1451295" cy="626356"/>
+            </a:xfrm>
+            <a:prstGeom prst="rect">
+              <a:avLst/>
+            </a:prstGeom>
+            <a:noFill/>
+          </p:spPr>
+          <p:style>
+            <a:lnRef idx="1">
+              <a:schemeClr val="accent5"/>
+            </a:lnRef>
+            <a:fillRef idx="2">
+              <a:schemeClr val="accent5"/>
+            </a:fillRef>
+            <a:effectRef idx="1">
+              <a:schemeClr val="accent5"/>
+            </a:effectRef>
+            <a:fontRef idx="minor">
+              <a:schemeClr val="dk1"/>
+            </a:fontRef>
+          </p:style>
+          <p:txBody>
+            <a:bodyPr rtlCol="0" anchor="t" anchorCtr="0"/>
+            <a:lstStyle/>
+            <a:p>
+              <a:r>
+                <a:rPr lang="ko-KR" altLang="en-US" sz="1200" dirty="0" smtClean="0"/>
+                <a:t>콘솔 창에서 </a:t>
+              </a:r>
+              <a:r>
+                <a:rPr lang="en-US" altLang="ko-KR" sz="1200" dirty="0" err="1" smtClean="0"/>
+                <a:t>AgentServer</a:t>
+              </a:r>
+              <a:r>
+                <a:rPr lang="ko-KR" altLang="en-US" sz="1200" dirty="0" smtClean="0"/>
+                <a:t>의 </a:t>
+              </a:r>
+              <a:r>
+                <a:rPr lang="en-US" altLang="ko-KR" sz="1200" dirty="0" smtClean="0"/>
+                <a:t>IP</a:t>
+              </a:r>
+              <a:r>
+                <a:rPr lang="ko-KR" altLang="en-US" sz="1200" dirty="0" smtClean="0"/>
+                <a:t>주소를 입력 받아 </a:t>
+              </a:r>
+              <a:r>
+                <a:rPr lang="en-US" altLang="ko-KR" sz="1200" dirty="0" err="1" smtClean="0"/>
+                <a:t>ConnectedServerInfo</a:t>
+              </a:r>
+              <a:r>
+                <a:rPr lang="ko-KR" altLang="en-US" sz="1200" dirty="0" err="1" smtClean="0"/>
+                <a:t>구조체멤버</a:t>
+              </a:r>
+              <a:r>
+                <a:rPr lang="ko-KR" altLang="en-US" sz="1200" dirty="0" smtClean="0"/>
+                <a:t> 변수를 이용하여 </a:t>
+              </a:r>
+              <a:r>
+                <a:rPr lang="en-US" altLang="ko-KR" sz="1200" dirty="0" err="1" smtClean="0"/>
+                <a:t>MainServer</a:t>
+              </a:r>
+              <a:r>
+                <a:rPr lang="ko-KR" altLang="en-US" sz="1200" dirty="0" smtClean="0"/>
+                <a:t>와 </a:t>
+              </a:r>
+              <a:r>
+                <a:rPr lang="en-US" altLang="ko-KR" sz="1200" dirty="0" err="1" smtClean="0"/>
+                <a:t>AgentServer</a:t>
+              </a:r>
+              <a:r>
+                <a:rPr lang="ko-KR" altLang="en-US" sz="1200" dirty="0" smtClean="0"/>
+                <a:t>를 연결하는 일을 수행한다</a:t>
+              </a:r>
+              <a:r>
+                <a:rPr lang="en-US" altLang="ko-KR" sz="1200" dirty="0" smtClean="0"/>
+                <a:t>.</a:t>
+              </a:r>
+              <a:endParaRPr lang="ko-KR" altLang="en-US" sz="1200" dirty="0"/>
+            </a:p>
+          </p:txBody>
+        </p:sp>
+      </p:grpSp>
+      <p:grpSp>
+        <p:nvGrpSpPr>
+          <p:cNvPr id="24" name="그룹 23"/>
+          <p:cNvGrpSpPr/>
+          <p:nvPr/>
+        </p:nvGrpSpPr>
+        <p:grpSpPr>
+          <a:xfrm>
+            <a:off x="100669" y="2163226"/>
+            <a:ext cx="3649210" cy="967288"/>
+            <a:chOff x="4337108" y="838899"/>
+            <a:chExt cx="1451295" cy="893922"/>
+          </a:xfrm>
+        </p:grpSpPr>
+        <p:sp>
+          <p:nvSpPr>
+            <p:cNvPr id="25" name="직사각형 24"/>
+            <p:cNvSpPr/>
+            <p:nvPr/>
+          </p:nvSpPr>
+          <p:spPr>
+            <a:xfrm>
+              <a:off x="4337108" y="838899"/>
+              <a:ext cx="1451295" cy="893922"/>
+            </a:xfrm>
+            <a:prstGeom prst="rect">
+              <a:avLst/>
+            </a:prstGeom>
+            <a:noFill/>
+            <a:ln w="28575"/>
+          </p:spPr>
+          <p:style>
+            <a:lnRef idx="1">
+              <a:schemeClr val="dk1"/>
+            </a:lnRef>
+            <a:fillRef idx="2">
+              <a:schemeClr val="dk1"/>
+            </a:fillRef>
+            <a:effectRef idx="1">
+              <a:schemeClr val="dk1"/>
+            </a:effectRef>
+            <a:fontRef idx="minor">
+              <a:schemeClr val="dk1"/>
+            </a:fontRef>
+          </p:style>
+          <p:txBody>
+            <a:bodyPr rtlCol="0" anchor="t" anchorCtr="0"/>
+            <a:lstStyle/>
+            <a:p>
+              <a:pPr algn="ctr"/>
+              <a:r>
+                <a:rPr lang="en-US" altLang="ko-KR" sz="1200" dirty="0"/>
+                <a:t>v</a:t>
+              </a:r>
+              <a:r>
+                <a:rPr lang="en-US" altLang="ko-KR" sz="1200" dirty="0" smtClean="0"/>
+                <a:t>oid </a:t>
+              </a:r>
+              <a:r>
+                <a:rPr lang="en-US" altLang="ko-KR" sz="1200" dirty="0" err="1" smtClean="0"/>
+                <a:t>MainServer</a:t>
+              </a:r>
+              <a:r>
+                <a:rPr lang="en-US" altLang="ko-KR" sz="1200" dirty="0" smtClean="0"/>
+                <a:t>::</a:t>
+              </a:r>
+              <a:r>
+                <a:rPr lang="en-US" altLang="ko-KR" sz="1200" dirty="0" err="1" smtClean="0"/>
+                <a:t>RequestAddAgentsToRoom</a:t>
+              </a:r>
+              <a:r>
+                <a:rPr lang="en-US" altLang="ko-KR" sz="1200" dirty="0" smtClean="0"/>
+                <a:t>(void</a:t>
+              </a:r>
+              <a:r>
+                <a:rPr lang="en-US" altLang="ko-KR" sz="1200" dirty="0" smtClean="0"/>
+                <a:t>)</a:t>
+              </a:r>
+              <a:endParaRPr lang="ko-KR" altLang="en-US" sz="1200" dirty="0"/>
+            </a:p>
+          </p:txBody>
+        </p:sp>
+        <p:sp>
+          <p:nvSpPr>
+            <p:cNvPr id="26" name="직사각형 25"/>
+            <p:cNvSpPr/>
+            <p:nvPr/>
+          </p:nvSpPr>
+          <p:spPr>
+            <a:xfrm>
+              <a:off x="4337108" y="1103396"/>
+              <a:ext cx="1451295" cy="629425"/>
+            </a:xfrm>
+            <a:prstGeom prst="rect">
+              <a:avLst/>
+            </a:prstGeom>
+            <a:noFill/>
+          </p:spPr>
+          <p:style>
+            <a:lnRef idx="1">
+              <a:schemeClr val="accent5"/>
+            </a:lnRef>
+            <a:fillRef idx="2">
+              <a:schemeClr val="accent5"/>
+            </a:fillRef>
+            <a:effectRef idx="1">
+              <a:schemeClr val="accent5"/>
+            </a:effectRef>
+            <a:fontRef idx="minor">
+              <a:schemeClr val="dk1"/>
+            </a:fontRef>
+          </p:style>
+          <p:txBody>
+            <a:bodyPr rtlCol="0" anchor="t" anchorCtr="0"/>
+            <a:lstStyle/>
+            <a:p>
+              <a:r>
+                <a:rPr lang="en-US" altLang="ko-KR" sz="1200" dirty="0" err="1" smtClean="0"/>
+                <a:t>AgentServer</a:t>
+              </a:r>
+              <a:r>
+                <a:rPr lang="ko-KR" altLang="en-US" sz="1200" dirty="0" smtClean="0"/>
+                <a:t>에 게임을 플레이하는데 필요한 </a:t>
+              </a:r>
+              <a:r>
+                <a:rPr lang="en-US" altLang="ko-KR" sz="1200" dirty="0" smtClean="0"/>
+                <a:t>Agent</a:t>
+              </a:r>
+              <a:r>
+                <a:rPr lang="ko-KR" altLang="en-US" sz="1200" dirty="0" smtClean="0"/>
+                <a:t>들을 생성하여 룸에 추가하는 것을 요청한다</a:t>
+              </a:r>
+              <a:r>
+                <a:rPr lang="en-US" altLang="ko-KR" sz="1200" dirty="0" smtClean="0"/>
+                <a:t>.</a:t>
+              </a:r>
+              <a:endParaRPr lang="ko-KR" altLang="en-US" sz="1200" dirty="0"/>
+            </a:p>
+          </p:txBody>
+        </p:sp>
+      </p:grpSp>
+      <p:grpSp>
+        <p:nvGrpSpPr>
+          <p:cNvPr id="32" name="그룹 31"/>
+          <p:cNvGrpSpPr/>
+          <p:nvPr/>
+        </p:nvGrpSpPr>
+        <p:grpSpPr>
+          <a:xfrm>
+            <a:off x="7940792" y="1534622"/>
+            <a:ext cx="3183010" cy="947162"/>
+            <a:chOff x="4337108" y="838900"/>
+            <a:chExt cx="1451296" cy="792749"/>
+          </a:xfrm>
+        </p:grpSpPr>
+        <p:sp>
+          <p:nvSpPr>
+            <p:cNvPr id="33" name="직사각형 32"/>
+            <p:cNvSpPr/>
+            <p:nvPr/>
+          </p:nvSpPr>
+          <p:spPr>
+            <a:xfrm>
+              <a:off x="4337109" y="838900"/>
+              <a:ext cx="1451295" cy="792749"/>
+            </a:xfrm>
+            <a:prstGeom prst="rect">
+              <a:avLst/>
+            </a:prstGeom>
+            <a:noFill/>
+            <a:ln w="28575"/>
+          </p:spPr>
+          <p:style>
+            <a:lnRef idx="1">
+              <a:schemeClr val="dk1"/>
+            </a:lnRef>
+            <a:fillRef idx="2">
+              <a:schemeClr val="dk1"/>
+            </a:fillRef>
+            <a:effectRef idx="1">
+              <a:schemeClr val="dk1"/>
+            </a:effectRef>
+            <a:fontRef idx="minor">
+              <a:schemeClr val="dk1"/>
+            </a:fontRef>
+          </p:style>
+          <p:txBody>
+            <a:bodyPr rtlCol="0" anchor="t" anchorCtr="0"/>
+            <a:lstStyle/>
+            <a:p>
+              <a:pPr algn="ctr"/>
+              <a:r>
+                <a:rPr lang="en-US" altLang="ko-KR" sz="1200" dirty="0"/>
+                <a:t>v</a:t>
+              </a:r>
+              <a:r>
+                <a:rPr lang="en-US" altLang="ko-KR" sz="1200" dirty="0" smtClean="0"/>
+                <a:t>irtual void </a:t>
+              </a:r>
+              <a:r>
+                <a:rPr lang="en-US" altLang="ko-KR" sz="1200" dirty="0" err="1" smtClean="0"/>
+                <a:t>MainServer</a:t>
+              </a:r>
+              <a:r>
+                <a:rPr lang="en-US" altLang="ko-KR" sz="1200" dirty="0" smtClean="0"/>
+                <a:t>::Run(void</a:t>
+              </a:r>
+              <a:r>
+                <a:rPr lang="en-US" altLang="ko-KR" sz="1200" dirty="0" smtClean="0"/>
+                <a:t>) override</a:t>
+              </a:r>
+              <a:endParaRPr lang="ko-KR" altLang="en-US" sz="1200" dirty="0"/>
+            </a:p>
+          </p:txBody>
+        </p:sp>
+        <p:sp>
+          <p:nvSpPr>
+            <p:cNvPr id="34" name="직사각형 33"/>
+            <p:cNvSpPr/>
+            <p:nvPr/>
+          </p:nvSpPr>
+          <p:spPr>
+            <a:xfrm>
+              <a:off x="4337108" y="1103395"/>
+              <a:ext cx="1451295" cy="528253"/>
+            </a:xfrm>
+            <a:prstGeom prst="rect">
+              <a:avLst/>
+            </a:prstGeom>
+            <a:noFill/>
+          </p:spPr>
+          <p:style>
+            <a:lnRef idx="1">
+              <a:schemeClr val="accent5"/>
+            </a:lnRef>
+            <a:fillRef idx="2">
+              <a:schemeClr val="accent5"/>
+            </a:fillRef>
+            <a:effectRef idx="1">
+              <a:schemeClr val="accent5"/>
+            </a:effectRef>
+            <a:fontRef idx="minor">
+              <a:schemeClr val="dk1"/>
+            </a:fontRef>
+          </p:style>
+          <p:txBody>
+            <a:bodyPr rtlCol="0" anchor="t" anchorCtr="0"/>
+            <a:lstStyle/>
+            <a:p>
+              <a:r>
+                <a:rPr lang="ko-KR" altLang="en-US" sz="1200" dirty="0" smtClean="0"/>
+                <a:t>서버가 </a:t>
+              </a:r>
+              <a:r>
+                <a:rPr lang="ko-KR" altLang="en-US" sz="1200" dirty="0" smtClean="0"/>
+                <a:t>서비스하기 시작하는 함수</a:t>
+              </a:r>
+              <a:r>
+                <a:rPr lang="en-US" altLang="ko-KR" sz="1200" dirty="0" smtClean="0"/>
+                <a:t>. High level design</a:t>
+              </a:r>
+              <a:r>
+                <a:rPr lang="ko-KR" altLang="en-US" sz="1200" dirty="0" smtClean="0"/>
+                <a:t>에 정의 되어있는 순서도를 따라 </a:t>
+              </a:r>
+              <a:r>
+                <a:rPr lang="ko-KR" altLang="en-US" sz="1200" dirty="0" err="1" smtClean="0"/>
+                <a:t>로직이</a:t>
+              </a:r>
+              <a:r>
+                <a:rPr lang="ko-KR" altLang="en-US" sz="1200" dirty="0" smtClean="0"/>
+                <a:t> 수행된다</a:t>
+              </a:r>
+              <a:r>
+                <a:rPr lang="en-US" altLang="ko-KR" sz="1200" dirty="0" smtClean="0"/>
+                <a:t>.</a:t>
+              </a:r>
+              <a:endParaRPr lang="ko-KR" altLang="en-US" sz="1200" dirty="0"/>
+            </a:p>
+          </p:txBody>
+        </p:sp>
+      </p:grpSp>
+      <p:sp>
+        <p:nvSpPr>
+          <p:cNvPr id="35" name="직사각형 34"/>
+          <p:cNvSpPr/>
+          <p:nvPr/>
+        </p:nvSpPr>
+        <p:spPr>
+          <a:xfrm>
+            <a:off x="6526635" y="783383"/>
+            <a:ext cx="2404060" cy="408486"/>
+          </a:xfrm>
+          <a:prstGeom prst="rect">
+            <a:avLst/>
+          </a:prstGeom>
+          <a:solidFill>
+            <a:schemeClr val="bg2"/>
+          </a:solidFill>
+          <a:ln w="28575"/>
+        </p:spPr>
+        <p:style>
+          <a:lnRef idx="1">
+            <a:schemeClr val="dk1"/>
+          </a:lnRef>
+          <a:fillRef idx="2">
+            <a:schemeClr val="dk1"/>
+          </a:fillRef>
+          <a:effectRef idx="1">
+            <a:schemeClr val="dk1"/>
+          </a:effectRef>
+          <a:fontRef idx="minor">
+            <a:schemeClr val="dk1"/>
+          </a:fontRef>
+        </p:style>
+        <p:txBody>
+          <a:bodyPr rtlCol="0" anchor="t" anchorCtr="0"/>
+          <a:lstStyle/>
+          <a:p>
+            <a:pPr algn="ctr"/>
+            <a:r>
+              <a:rPr lang="ko-KR" altLang="en-US" dirty="0" smtClean="0"/>
+              <a:t>상속 </a:t>
+            </a:r>
+            <a:r>
+              <a:rPr lang="en-US" altLang="ko-KR" dirty="0" smtClean="0"/>
+              <a:t>: </a:t>
+            </a:r>
+            <a:r>
+              <a:rPr lang="en-US" altLang="ko-KR" dirty="0" smtClean="0"/>
+              <a:t>public </a:t>
+            </a:r>
+            <a:r>
+              <a:rPr lang="en-US" altLang="ko-KR" dirty="0" smtClean="0"/>
+              <a:t>Server</a:t>
+            </a:r>
+            <a:endParaRPr lang="ko-KR" altLang="en-US" dirty="0"/>
+          </a:p>
+        </p:txBody>
+      </p:sp>
+      <p:grpSp>
+        <p:nvGrpSpPr>
+          <p:cNvPr id="36" name="그룹 35"/>
+          <p:cNvGrpSpPr/>
+          <p:nvPr/>
+        </p:nvGrpSpPr>
+        <p:grpSpPr>
+          <a:xfrm>
+            <a:off x="7728665" y="3761634"/>
+            <a:ext cx="2614961" cy="1541619"/>
+            <a:chOff x="4337108" y="838899"/>
+            <a:chExt cx="1451296" cy="1180497"/>
+          </a:xfrm>
+        </p:grpSpPr>
+        <p:sp>
+          <p:nvSpPr>
+            <p:cNvPr id="37" name="직사각형 36"/>
+            <p:cNvSpPr/>
+            <p:nvPr/>
+          </p:nvSpPr>
+          <p:spPr>
+            <a:xfrm>
+              <a:off x="4337109" y="838899"/>
+              <a:ext cx="1451295" cy="1180496"/>
+            </a:xfrm>
+            <a:prstGeom prst="rect">
+              <a:avLst/>
+            </a:prstGeom>
+            <a:noFill/>
+            <a:ln w="28575"/>
+          </p:spPr>
+          <p:style>
+            <a:lnRef idx="1">
+              <a:schemeClr val="dk1"/>
+            </a:lnRef>
+            <a:fillRef idx="2">
+              <a:schemeClr val="dk1"/>
+            </a:fillRef>
+            <a:effectRef idx="1">
+              <a:schemeClr val="dk1"/>
+            </a:effectRef>
+            <a:fontRef idx="minor">
+              <a:schemeClr val="dk1"/>
+            </a:fontRef>
+          </p:style>
+          <p:txBody>
+            <a:bodyPr rtlCol="0" anchor="t" anchorCtr="0"/>
+            <a:lstStyle/>
+            <a:p>
+              <a:pPr algn="ctr"/>
+              <a:r>
+                <a:rPr lang="en-US" altLang="ko-KR" sz="1200" dirty="0"/>
+                <a:t>v</a:t>
+              </a:r>
+              <a:r>
+                <a:rPr lang="en-US" altLang="ko-KR" sz="1200" dirty="0" smtClean="0"/>
+                <a:t>oid </a:t>
+              </a:r>
+              <a:r>
+                <a:rPr lang="en-US" altLang="ko-KR" sz="1200" dirty="0" err="1" smtClean="0"/>
+                <a:t>MainServer</a:t>
+              </a:r>
+              <a:r>
+                <a:rPr lang="en-US" altLang="ko-KR" sz="1200" dirty="0" smtClean="0"/>
+                <a:t>::</a:t>
+              </a:r>
+              <a:r>
+                <a:rPr lang="en-US" altLang="ko-KR" sz="1200" dirty="0" err="1" smtClean="0"/>
+                <a:t>Delete</a:t>
+              </a:r>
+              <a:r>
+                <a:rPr lang="en-US" altLang="ko-KR" sz="1200" dirty="0" err="1" smtClean="0"/>
+                <a:t>Room</a:t>
+              </a:r>
+              <a:r>
+                <a:rPr lang="en-US" altLang="ko-KR" sz="1200" dirty="0" smtClean="0"/>
+                <a:t>(void</a:t>
+              </a:r>
+              <a:r>
+                <a:rPr lang="en-US" altLang="ko-KR" sz="1200" dirty="0" smtClean="0"/>
+                <a:t>)</a:t>
+              </a:r>
+              <a:endParaRPr lang="ko-KR" altLang="en-US" sz="1200" dirty="0"/>
+            </a:p>
+          </p:txBody>
+        </p:sp>
+        <p:sp>
+          <p:nvSpPr>
+            <p:cNvPr id="38" name="직사각형 37"/>
+            <p:cNvSpPr/>
+            <p:nvPr/>
+          </p:nvSpPr>
+          <p:spPr>
+            <a:xfrm>
+              <a:off x="4337108" y="1103396"/>
+              <a:ext cx="1451295" cy="916000"/>
+            </a:xfrm>
+            <a:prstGeom prst="rect">
+              <a:avLst/>
+            </a:prstGeom>
+            <a:noFill/>
+          </p:spPr>
+          <p:style>
+            <a:lnRef idx="1">
+              <a:schemeClr val="accent5"/>
+            </a:lnRef>
+            <a:fillRef idx="2">
+              <a:schemeClr val="accent5"/>
+            </a:fillRef>
+            <a:effectRef idx="1">
+              <a:schemeClr val="accent5"/>
+            </a:effectRef>
+            <a:fontRef idx="minor">
+              <a:schemeClr val="dk1"/>
+            </a:fontRef>
+          </p:style>
+          <p:txBody>
+            <a:bodyPr rtlCol="0" anchor="t" anchorCtr="0"/>
+            <a:lstStyle/>
+            <a:p>
+              <a:r>
+                <a:rPr lang="ko-KR" altLang="en-US" sz="1200" dirty="0" err="1" smtClean="0"/>
+                <a:t>플레이중이던</a:t>
+              </a:r>
+              <a:r>
+                <a:rPr lang="ko-KR" altLang="en-US" sz="1200" dirty="0" smtClean="0"/>
+                <a:t> 게임이 끝나면 호출되는 함수</a:t>
+              </a:r>
+              <a:r>
+                <a:rPr lang="en-US" altLang="ko-KR" sz="1200" dirty="0" smtClean="0"/>
+                <a:t>.</a:t>
+              </a:r>
+            </a:p>
+            <a:p>
+              <a:r>
+                <a:rPr lang="ko-KR" altLang="en-US" sz="1200" dirty="0" smtClean="0"/>
+                <a:t>룸에 소속되 있었던 </a:t>
+              </a:r>
+              <a:r>
+                <a:rPr lang="ko-KR" altLang="en-US" sz="1200" dirty="0" smtClean="0"/>
+                <a:t>클라이언트들을 대기리스트로 옮긴 후 </a:t>
+              </a:r>
+              <a:r>
+                <a:rPr lang="ko-KR" altLang="en-US" sz="1200" dirty="0" smtClean="0"/>
+                <a:t> 게임에 사용된 모든 자원을 사용 해제한다</a:t>
+              </a:r>
+              <a:r>
+                <a:rPr lang="en-US" altLang="ko-KR" sz="1200" dirty="0" smtClean="0"/>
+                <a:t>.</a:t>
+              </a:r>
+              <a:endParaRPr lang="ko-KR" altLang="en-US" sz="1200" dirty="0"/>
+            </a:p>
+          </p:txBody>
+        </p:sp>
+      </p:grpSp>
+      <p:grpSp>
+        <p:nvGrpSpPr>
+          <p:cNvPr id="39" name="그룹 38"/>
+          <p:cNvGrpSpPr/>
+          <p:nvPr/>
+        </p:nvGrpSpPr>
+        <p:grpSpPr>
+          <a:xfrm>
+            <a:off x="3605154" y="3775035"/>
+            <a:ext cx="2585921" cy="1547310"/>
+            <a:chOff x="4337108" y="838899"/>
+            <a:chExt cx="1451296" cy="1184855"/>
+          </a:xfrm>
+        </p:grpSpPr>
+        <p:sp>
+          <p:nvSpPr>
+            <p:cNvPr id="40" name="직사각형 39"/>
+            <p:cNvSpPr/>
+            <p:nvPr/>
+          </p:nvSpPr>
+          <p:spPr>
+            <a:xfrm>
+              <a:off x="4337109" y="838899"/>
+              <a:ext cx="1451295" cy="1184855"/>
+            </a:xfrm>
+            <a:prstGeom prst="rect">
+              <a:avLst/>
+            </a:prstGeom>
+            <a:noFill/>
+            <a:ln w="28575"/>
+          </p:spPr>
+          <p:style>
+            <a:lnRef idx="1">
+              <a:schemeClr val="dk1"/>
+            </a:lnRef>
+            <a:fillRef idx="2">
+              <a:schemeClr val="dk1"/>
+            </a:fillRef>
+            <a:effectRef idx="1">
+              <a:schemeClr val="dk1"/>
+            </a:effectRef>
+            <a:fontRef idx="minor">
+              <a:schemeClr val="dk1"/>
+            </a:fontRef>
+          </p:style>
+          <p:txBody>
+            <a:bodyPr rtlCol="0" anchor="t" anchorCtr="0"/>
+            <a:lstStyle/>
+            <a:p>
+              <a:pPr algn="ctr"/>
+              <a:r>
+                <a:rPr lang="en-US" altLang="ko-KR" sz="1200" dirty="0"/>
+                <a:t>v</a:t>
+              </a:r>
+              <a:r>
+                <a:rPr lang="en-US" altLang="ko-KR" sz="1200" dirty="0" smtClean="0"/>
+                <a:t>oid </a:t>
+              </a:r>
+              <a:r>
+                <a:rPr lang="en-US" altLang="ko-KR" sz="1200" dirty="0" err="1" smtClean="0"/>
+                <a:t>MainServer</a:t>
+              </a:r>
+              <a:r>
+                <a:rPr lang="en-US" altLang="ko-KR" sz="1200" dirty="0" smtClean="0"/>
+                <a:t>::</a:t>
+              </a:r>
+              <a:r>
+                <a:rPr lang="en-US" altLang="ko-KR" sz="1200" dirty="0" err="1" smtClean="0"/>
+                <a:t>CreateRoom</a:t>
+              </a:r>
+              <a:r>
+                <a:rPr lang="en-US" altLang="ko-KR" sz="1200" dirty="0" smtClean="0"/>
+                <a:t>(void</a:t>
+              </a:r>
+              <a:r>
+                <a:rPr lang="en-US" altLang="ko-KR" sz="1200" dirty="0" smtClean="0"/>
+                <a:t>)</a:t>
+              </a:r>
+              <a:endParaRPr lang="ko-KR" altLang="en-US" sz="1200" dirty="0"/>
+            </a:p>
+          </p:txBody>
+        </p:sp>
+        <p:sp>
+          <p:nvSpPr>
+            <p:cNvPr id="41" name="직사각형 40"/>
+            <p:cNvSpPr/>
+            <p:nvPr/>
+          </p:nvSpPr>
+          <p:spPr>
+            <a:xfrm>
+              <a:off x="4337108" y="1103396"/>
+              <a:ext cx="1451295" cy="920358"/>
+            </a:xfrm>
+            <a:prstGeom prst="rect">
+              <a:avLst/>
+            </a:prstGeom>
+            <a:noFill/>
+          </p:spPr>
+          <p:style>
+            <a:lnRef idx="1">
+              <a:schemeClr val="accent5"/>
+            </a:lnRef>
+            <a:fillRef idx="2">
+              <a:schemeClr val="accent5"/>
+            </a:fillRef>
+            <a:effectRef idx="1">
+              <a:schemeClr val="accent5"/>
+            </a:effectRef>
+            <a:fontRef idx="minor">
+              <a:schemeClr val="dk1"/>
+            </a:fontRef>
+          </p:style>
+          <p:txBody>
+            <a:bodyPr rtlCol="0" anchor="t" anchorCtr="0"/>
+            <a:lstStyle/>
+            <a:p>
+              <a:r>
+                <a:rPr lang="ko-KR" altLang="en-US" sz="1200" dirty="0" smtClean="0"/>
+                <a:t>게임을 시작할 준비가 된 클라이언트의 수가 </a:t>
+              </a:r>
+              <a:r>
+                <a:rPr lang="en-US" altLang="ko-KR" sz="1200" dirty="0" smtClean="0"/>
+                <a:t>3 </a:t>
+              </a:r>
+              <a:r>
+                <a:rPr lang="ko-KR" altLang="en-US" sz="1200" dirty="0" smtClean="0"/>
+                <a:t>이상이 되었을 때 게임을 플레이할 룸을 생성한다</a:t>
+              </a:r>
+              <a:r>
+                <a:rPr lang="en-US" altLang="ko-KR" sz="1200" dirty="0" smtClean="0"/>
+                <a:t>.  </a:t>
+              </a:r>
+              <a:r>
+                <a:rPr lang="ko-KR" altLang="en-US" sz="1200" dirty="0" smtClean="0"/>
+                <a:t>이 때 게임을 플레이할 클라이언트를 대기 리스트에서 룸의 참가자 리스트로 이동시킨다</a:t>
+              </a:r>
+              <a:r>
+                <a:rPr lang="en-US" altLang="ko-KR" sz="1200" dirty="0" smtClean="0"/>
+                <a:t>.</a:t>
+              </a:r>
+              <a:endParaRPr lang="ko-KR" altLang="en-US" sz="1200" dirty="0"/>
+            </a:p>
+          </p:txBody>
+        </p:sp>
+      </p:grpSp>
+      <p:cxnSp>
+        <p:nvCxnSpPr>
+          <p:cNvPr id="44" name="직선 화살표 연결선 43"/>
+          <p:cNvCxnSpPr>
+            <a:endCxn id="23" idx="3"/>
+          </p:cNvCxnSpPr>
+          <p:nvPr/>
+        </p:nvCxnSpPr>
+        <p:spPr>
+          <a:xfrm flipH="1" flipV="1">
+            <a:off x="3605154" y="1458162"/>
+            <a:ext cx="769286" cy="983656"/>
+          </a:xfrm>
+          <a:prstGeom prst="straightConnector1">
+            <a:avLst/>
+          </a:prstGeom>
+          <a:ln>
+            <a:tailEnd type="triangle"/>
+          </a:ln>
+        </p:spPr>
+        <p:style>
+          <a:lnRef idx="1">
+            <a:schemeClr val="accent1"/>
+          </a:lnRef>
+          <a:fillRef idx="0">
+            <a:schemeClr val="accent1"/>
+          </a:fillRef>
+          <a:effectRef idx="0">
+            <a:schemeClr val="accent1"/>
+          </a:effectRef>
+          <a:fontRef idx="minor">
+            <a:schemeClr val="tx1"/>
+          </a:fontRef>
+        </p:style>
+      </p:cxnSp>
+      <p:cxnSp>
+        <p:nvCxnSpPr>
+          <p:cNvPr id="45" name="직선 화살표 연결선 44"/>
+          <p:cNvCxnSpPr>
+            <a:endCxn id="26" idx="3"/>
+          </p:cNvCxnSpPr>
+          <p:nvPr/>
+        </p:nvCxnSpPr>
+        <p:spPr>
+          <a:xfrm flipH="1">
+            <a:off x="3749879" y="2582269"/>
+            <a:ext cx="658476" cy="207704"/>
+          </a:xfrm>
+          <a:prstGeom prst="straightConnector1">
+            <a:avLst/>
+          </a:prstGeom>
+          <a:ln>
+            <a:tailEnd type="triangle"/>
+          </a:ln>
+        </p:spPr>
+        <p:style>
+          <a:lnRef idx="1">
+            <a:schemeClr val="accent1"/>
+          </a:lnRef>
+          <a:fillRef idx="0">
+            <a:schemeClr val="accent1"/>
+          </a:fillRef>
+          <a:effectRef idx="0">
+            <a:schemeClr val="accent1"/>
+          </a:effectRef>
+          <a:fontRef idx="minor">
+            <a:schemeClr val="tx1"/>
+          </a:fontRef>
+        </p:style>
+      </p:cxnSp>
+      <p:cxnSp>
+        <p:nvCxnSpPr>
+          <p:cNvPr id="46" name="직선 화살표 연결선 45"/>
+          <p:cNvCxnSpPr>
+            <a:endCxn id="40" idx="0"/>
+          </p:cNvCxnSpPr>
+          <p:nvPr/>
+        </p:nvCxnSpPr>
+        <p:spPr>
+          <a:xfrm>
+            <a:off x="4408353" y="2780180"/>
+            <a:ext cx="489763" cy="994855"/>
+          </a:xfrm>
+          <a:prstGeom prst="straightConnector1">
+            <a:avLst/>
+          </a:prstGeom>
+          <a:ln>
+            <a:tailEnd type="triangle"/>
+          </a:ln>
+        </p:spPr>
+        <p:style>
+          <a:lnRef idx="1">
+            <a:schemeClr val="accent1"/>
+          </a:lnRef>
+          <a:fillRef idx="0">
+            <a:schemeClr val="accent1"/>
+          </a:fillRef>
+          <a:effectRef idx="0">
+            <a:schemeClr val="accent1"/>
+          </a:effectRef>
+          <a:fontRef idx="minor">
+            <a:schemeClr val="tx1"/>
+          </a:fontRef>
+        </p:style>
+      </p:cxnSp>
+      <p:cxnSp>
+        <p:nvCxnSpPr>
+          <p:cNvPr id="47" name="직선 화살표 연결선 46"/>
+          <p:cNvCxnSpPr>
+            <a:endCxn id="37" idx="0"/>
+          </p:cNvCxnSpPr>
+          <p:nvPr/>
+        </p:nvCxnSpPr>
+        <p:spPr>
+          <a:xfrm>
+            <a:off x="6099429" y="2963287"/>
+            <a:ext cx="2936718" cy="798347"/>
+          </a:xfrm>
+          <a:prstGeom prst="straightConnector1">
+            <a:avLst/>
+          </a:prstGeom>
+          <a:ln>
+            <a:tailEnd type="triangle"/>
+          </a:ln>
+        </p:spPr>
+        <p:style>
+          <a:lnRef idx="1">
+            <a:schemeClr val="accent1"/>
+          </a:lnRef>
+          <a:fillRef idx="0">
+            <a:schemeClr val="accent1"/>
+          </a:fillRef>
+          <a:effectRef idx="0">
+            <a:schemeClr val="accent1"/>
+          </a:effectRef>
+          <a:fontRef idx="minor">
+            <a:schemeClr val="tx1"/>
+          </a:fontRef>
+        </p:style>
+      </p:cxnSp>
+      <p:cxnSp>
+        <p:nvCxnSpPr>
+          <p:cNvPr id="48" name="직선 화살표 연결선 47"/>
+          <p:cNvCxnSpPr>
+            <a:endCxn id="34" idx="1"/>
+          </p:cNvCxnSpPr>
+          <p:nvPr/>
+        </p:nvCxnSpPr>
+        <p:spPr>
+          <a:xfrm flipV="1">
+            <a:off x="6588859" y="2166210"/>
+            <a:ext cx="1351933" cy="102560"/>
+          </a:xfrm>
+          <a:prstGeom prst="straightConnector1">
+            <a:avLst/>
+          </a:prstGeom>
+          <a:ln>
+            <a:tailEnd type="triangle"/>
+          </a:ln>
+        </p:spPr>
+        <p:style>
+          <a:lnRef idx="1">
+            <a:schemeClr val="accent1"/>
+          </a:lnRef>
+          <a:fillRef idx="0">
+            <a:schemeClr val="accent1"/>
+          </a:fillRef>
+          <a:effectRef idx="0">
+            <a:schemeClr val="accent1"/>
+          </a:effectRef>
+          <a:fontRef idx="minor">
+            <a:schemeClr val="tx1"/>
+          </a:fontRef>
+        </p:style>
+      </p:cxnSp>
+    </p:spTree>
+    <p:extLst>
+      <p:ext uri="{BB962C8B-B14F-4D97-AF65-F5344CB8AC3E}">
+        <p14:creationId xmlns:p14="http://schemas.microsoft.com/office/powerpoint/2010/main" val="1449795638"/>
+      </p:ext>
+    </p:extLst>
+  </p:cSld>
+  <p:clrMapOvr>
+    <a:masterClrMapping/>
+  </p:clrMapOvr>
+</p:sld>
+</file>
+
+<file path=ppt/slides/slide4.xml><?xml version="1.0" encoding="utf-8"?>
+<p:sld xmlns:a="http://schemas.openxmlformats.org/drawingml/2006/main" xmlns:r="http://schemas.openxmlformats.org/officeDocument/2006/relationships" xmlns:p="http://schemas.openxmlformats.org/presentationml/2006/main">
+  <p:cSld>
+    <p:spTree>
+      <p:nvGrpSpPr>
+        <p:cNvPr id="1" name=""/>
+        <p:cNvGrpSpPr/>
+        <p:nvPr/>
+      </p:nvGrpSpPr>
+      <p:grpSpPr>
+        <a:xfrm>
+          <a:off x="0" y="0"/>
+          <a:ext cx="0" cy="0"/>
+          <a:chOff x="0" y="0"/>
+          <a:chExt cx="0" cy="0"/>
+        </a:xfrm>
+      </p:grpSpPr>
+      <p:grpSp>
+        <p:nvGrpSpPr>
+          <p:cNvPr id="2" name="그룹 1"/>
+          <p:cNvGrpSpPr/>
+          <p:nvPr/>
+        </p:nvGrpSpPr>
+        <p:grpSpPr>
+          <a:xfrm>
+            <a:off x="4415223" y="950628"/>
+            <a:ext cx="2703621" cy="1747037"/>
+            <a:chOff x="4337108" y="838899"/>
+            <a:chExt cx="1451295" cy="1614529"/>
+          </a:xfrm>
+        </p:grpSpPr>
+        <p:sp>
+          <p:nvSpPr>
+            <p:cNvPr id="3" name="직사각형 2"/>
+            <p:cNvSpPr/>
+            <p:nvPr/>
+          </p:nvSpPr>
+          <p:spPr>
+            <a:xfrm>
+              <a:off x="4337108" y="838899"/>
+              <a:ext cx="1451295" cy="1614529"/>
+            </a:xfrm>
+            <a:prstGeom prst="rect">
+              <a:avLst/>
+            </a:prstGeom>
+            <a:noFill/>
+            <a:ln w="28575"/>
+          </p:spPr>
+          <p:style>
+            <a:lnRef idx="1">
+              <a:schemeClr val="dk1"/>
+            </a:lnRef>
+            <a:fillRef idx="2">
+              <a:schemeClr val="dk1"/>
+            </a:fillRef>
+            <a:effectRef idx="1">
+              <a:schemeClr val="dk1"/>
+            </a:effectRef>
+            <a:fontRef idx="minor">
+              <a:schemeClr val="dk1"/>
+            </a:fontRef>
+          </p:style>
+          <p:txBody>
+            <a:bodyPr rtlCol="0" anchor="t" anchorCtr="0"/>
+            <a:lstStyle/>
+            <a:p>
+              <a:pPr algn="ctr"/>
+              <a:r>
+                <a:rPr lang="en-US" altLang="ko-KR" dirty="0" err="1" smtClean="0"/>
+                <a:t>AgentServer</a:t>
+              </a:r>
+              <a:endParaRPr lang="ko-KR" altLang="en-US" dirty="0"/>
+            </a:p>
+          </p:txBody>
+        </p:sp>
+        <p:sp>
+          <p:nvSpPr>
+            <p:cNvPr id="4" name="직사각형 3"/>
+            <p:cNvSpPr/>
+            <p:nvPr/>
+          </p:nvSpPr>
+          <p:spPr>
+            <a:xfrm>
+              <a:off x="4337108" y="1216404"/>
+              <a:ext cx="1451295" cy="1237024"/>
+            </a:xfrm>
+            <a:prstGeom prst="rect">
+              <a:avLst/>
+            </a:prstGeom>
+            <a:noFill/>
+          </p:spPr>
+          <p:style>
+            <a:lnRef idx="1">
+              <a:schemeClr val="accent5"/>
+            </a:lnRef>
+            <a:fillRef idx="2">
+              <a:schemeClr val="accent5"/>
+            </a:fillRef>
+            <a:effectRef idx="1">
+              <a:schemeClr val="accent5"/>
+            </a:effectRef>
+            <a:fontRef idx="minor">
+              <a:schemeClr val="dk1"/>
+            </a:fontRef>
+          </p:style>
+          <p:txBody>
+            <a:bodyPr rtlCol="0" anchor="t" anchorCtr="0"/>
+            <a:lstStyle/>
+            <a:p>
+              <a:r>
+                <a:rPr lang="en-US" altLang="ko-KR" sz="1000" dirty="0" smtClean="0"/>
+                <a:t>-</a:t>
+              </a:r>
+              <a:r>
+                <a:rPr lang="en-US" altLang="ko-KR" sz="1000" dirty="0" err="1" smtClean="0"/>
+                <a:t>ConnectedServerInfo</a:t>
+              </a:r>
+              <a:r>
+                <a:rPr lang="en-US" altLang="ko-KR" sz="1000" dirty="0" smtClean="0"/>
+                <a:t> </a:t>
+              </a:r>
+              <a:r>
+                <a:rPr lang="en-US" altLang="ko-KR" sz="1000" dirty="0" err="1" smtClean="0"/>
+                <a:t>m_MainServer</a:t>
+              </a:r>
+              <a:endParaRPr lang="en-US" altLang="ko-KR" sz="1000" dirty="0" smtClean="0"/>
+            </a:p>
+            <a:p>
+              <a:r>
+                <a:rPr lang="en-US" altLang="ko-KR" sz="1000" dirty="0"/>
+                <a:t>-</a:t>
+              </a:r>
+              <a:r>
+                <a:rPr lang="en-US" altLang="ko-KR" sz="1000" dirty="0" err="1"/>
+                <a:t>std</a:t>
+              </a:r>
+              <a:r>
+                <a:rPr lang="en-US" altLang="ko-KR" sz="1000" dirty="0"/>
+                <a:t>::list&lt;</a:t>
+              </a:r>
+              <a:r>
+                <a:rPr lang="en-US" altLang="ko-KR" sz="1000" dirty="0" err="1"/>
+                <a:t>RoomInfo</a:t>
+              </a:r>
+              <a:r>
+                <a:rPr lang="en-US" altLang="ko-KR" sz="1000" dirty="0"/>
+                <a:t>*&gt; </a:t>
+              </a:r>
+              <a:r>
+                <a:rPr lang="en-US" altLang="ko-KR" sz="1000" dirty="0" err="1" smtClean="0"/>
+                <a:t>m_Room_list</a:t>
+              </a:r>
+              <a:endParaRPr lang="en-US" altLang="ko-KR" sz="1000" dirty="0" smtClean="0"/>
+            </a:p>
+            <a:p>
+              <a:endParaRPr lang="en-US" altLang="ko-KR" sz="1200" dirty="0"/>
+            </a:p>
+            <a:p>
+              <a:r>
+                <a:rPr lang="en-US" altLang="ko-KR" sz="1200" dirty="0" smtClean="0"/>
+                <a:t>+</a:t>
+              </a:r>
+              <a:r>
+                <a:rPr lang="en-US" altLang="ko-KR" sz="1200" dirty="0"/>
+                <a:t>virtual void </a:t>
+              </a:r>
+              <a:r>
+                <a:rPr lang="en-US" altLang="ko-KR" sz="1200" dirty="0" smtClean="0"/>
+                <a:t>Run(void</a:t>
+              </a:r>
+              <a:r>
+                <a:rPr lang="en-US" altLang="ko-KR" sz="1200" dirty="0" smtClean="0"/>
+                <a:t>) override</a:t>
+              </a:r>
+            </a:p>
+            <a:p>
+              <a:r>
+                <a:rPr lang="en-US" altLang="ko-KR" sz="1200" dirty="0" smtClean="0"/>
+                <a:t>+void </a:t>
+              </a:r>
+              <a:r>
+                <a:rPr lang="en-US" altLang="ko-KR" sz="1200" dirty="0" err="1" smtClean="0"/>
+                <a:t>AcceptMainServer</a:t>
+              </a:r>
+              <a:r>
+                <a:rPr lang="en-US" altLang="ko-KR" sz="1200" dirty="0" smtClean="0"/>
+                <a:t>(void)</a:t>
+              </a:r>
+              <a:endParaRPr lang="en-US" altLang="ko-KR" sz="1200" dirty="0" smtClean="0"/>
+            </a:p>
+            <a:p>
+              <a:r>
+                <a:rPr lang="en-US" altLang="ko-KR" sz="1200" dirty="0" smtClean="0"/>
+                <a:t>+void </a:t>
+              </a:r>
+              <a:r>
+                <a:rPr lang="en-US" altLang="ko-KR" sz="1200" dirty="0" err="1" smtClean="0"/>
+                <a:t>CreateAgentsToRoom</a:t>
+              </a:r>
+              <a:r>
+                <a:rPr lang="en-US" altLang="ko-KR" sz="1200" dirty="0" smtClean="0"/>
+                <a:t>(void)</a:t>
+              </a:r>
+            </a:p>
+            <a:p>
+              <a:r>
+                <a:rPr lang="en-US" altLang="ko-KR" sz="1200" dirty="0" smtClean="0"/>
+                <a:t>+void </a:t>
+              </a:r>
+              <a:r>
+                <a:rPr lang="en-US" altLang="ko-KR" sz="1200" dirty="0" err="1" smtClean="0"/>
+                <a:t>DeleteAgentsFromRoom</a:t>
+              </a:r>
+              <a:r>
+                <a:rPr lang="en-US" altLang="ko-KR" sz="1200" dirty="0" smtClean="0"/>
+                <a:t>(void)</a:t>
+              </a:r>
+            </a:p>
+          </p:txBody>
+        </p:sp>
+      </p:grpSp>
+      <p:sp>
+        <p:nvSpPr>
+          <p:cNvPr id="5" name="직사각형 4"/>
+          <p:cNvSpPr/>
+          <p:nvPr/>
+        </p:nvSpPr>
+        <p:spPr>
+          <a:xfrm>
+            <a:off x="6568580" y="750834"/>
+            <a:ext cx="2404060" cy="408486"/>
+          </a:xfrm>
+          <a:prstGeom prst="rect">
+            <a:avLst/>
+          </a:prstGeom>
+          <a:solidFill>
+            <a:schemeClr val="bg2"/>
+          </a:solidFill>
+          <a:ln w="28575"/>
+        </p:spPr>
+        <p:style>
+          <a:lnRef idx="1">
+            <a:schemeClr val="dk1"/>
+          </a:lnRef>
+          <a:fillRef idx="2">
+            <a:schemeClr val="dk1"/>
+          </a:fillRef>
+          <a:effectRef idx="1">
+            <a:schemeClr val="dk1"/>
+          </a:effectRef>
+          <a:fontRef idx="minor">
+            <a:schemeClr val="dk1"/>
+          </a:fontRef>
+        </p:style>
+        <p:txBody>
+          <a:bodyPr rtlCol="0" anchor="t" anchorCtr="0"/>
+          <a:lstStyle/>
+          <a:p>
+            <a:pPr algn="ctr"/>
+            <a:r>
+              <a:rPr lang="ko-KR" altLang="en-US" dirty="0" smtClean="0"/>
+              <a:t>상속 </a:t>
+            </a:r>
+            <a:r>
+              <a:rPr lang="en-US" altLang="ko-KR" dirty="0" smtClean="0"/>
+              <a:t>: </a:t>
+            </a:r>
+            <a:r>
+              <a:rPr lang="en-US" altLang="ko-KR" dirty="0" smtClean="0"/>
+              <a:t>public </a:t>
+            </a:r>
+            <a:r>
+              <a:rPr lang="en-US" altLang="ko-KR" dirty="0" smtClean="0"/>
+              <a:t>Server</a:t>
+            </a:r>
+            <a:endParaRPr lang="ko-KR" altLang="en-US" dirty="0"/>
+          </a:p>
+        </p:txBody>
+      </p:sp>
+      <p:grpSp>
+        <p:nvGrpSpPr>
+          <p:cNvPr id="6" name="그룹 5"/>
+          <p:cNvGrpSpPr/>
+          <p:nvPr/>
+        </p:nvGrpSpPr>
+        <p:grpSpPr>
+          <a:xfrm>
+            <a:off x="7831735" y="1771834"/>
+            <a:ext cx="3275289" cy="947162"/>
+            <a:chOff x="4337108" y="838900"/>
+            <a:chExt cx="1451296" cy="792749"/>
+          </a:xfrm>
+        </p:grpSpPr>
+        <p:sp>
+          <p:nvSpPr>
+            <p:cNvPr id="7" name="직사각형 6"/>
+            <p:cNvSpPr/>
+            <p:nvPr/>
+          </p:nvSpPr>
+          <p:spPr>
+            <a:xfrm>
+              <a:off x="4337109" y="838900"/>
+              <a:ext cx="1451295" cy="792749"/>
+            </a:xfrm>
+            <a:prstGeom prst="rect">
+              <a:avLst/>
+            </a:prstGeom>
+            <a:noFill/>
+            <a:ln w="28575"/>
+          </p:spPr>
+          <p:style>
+            <a:lnRef idx="1">
+              <a:schemeClr val="dk1"/>
+            </a:lnRef>
+            <a:fillRef idx="2">
+              <a:schemeClr val="dk1"/>
+            </a:fillRef>
+            <a:effectRef idx="1">
+              <a:schemeClr val="dk1"/>
+            </a:effectRef>
+            <a:fontRef idx="minor">
+              <a:schemeClr val="dk1"/>
+            </a:fontRef>
+          </p:style>
+          <p:txBody>
+            <a:bodyPr rtlCol="0" anchor="t" anchorCtr="0"/>
+            <a:lstStyle/>
+            <a:p>
+              <a:pPr algn="ctr"/>
+              <a:r>
+                <a:rPr lang="en-US" altLang="ko-KR" sz="1200" dirty="0"/>
+                <a:t>v</a:t>
+              </a:r>
+              <a:r>
+                <a:rPr lang="en-US" altLang="ko-KR" sz="1200" dirty="0" smtClean="0"/>
+                <a:t>irtual void </a:t>
+              </a:r>
+              <a:r>
+                <a:rPr lang="en-US" altLang="ko-KR" sz="1200" dirty="0" err="1" smtClean="0"/>
+                <a:t>AgentServer</a:t>
+              </a:r>
+              <a:r>
+                <a:rPr lang="en-US" altLang="ko-KR" sz="1200" dirty="0" smtClean="0"/>
+                <a:t>::Run(void</a:t>
+              </a:r>
+              <a:r>
+                <a:rPr lang="en-US" altLang="ko-KR" sz="1200" dirty="0" smtClean="0"/>
+                <a:t>) override</a:t>
+              </a:r>
+              <a:endParaRPr lang="ko-KR" altLang="en-US" sz="1200" dirty="0"/>
+            </a:p>
+          </p:txBody>
+        </p:sp>
+        <p:sp>
+          <p:nvSpPr>
+            <p:cNvPr id="8" name="직사각형 7"/>
+            <p:cNvSpPr/>
+            <p:nvPr/>
+          </p:nvSpPr>
+          <p:spPr>
+            <a:xfrm>
+              <a:off x="4337108" y="1103395"/>
+              <a:ext cx="1451295" cy="528253"/>
+            </a:xfrm>
+            <a:prstGeom prst="rect">
+              <a:avLst/>
+            </a:prstGeom>
+            <a:noFill/>
+          </p:spPr>
+          <p:style>
+            <a:lnRef idx="1">
+              <a:schemeClr val="accent5"/>
+            </a:lnRef>
+            <a:fillRef idx="2">
+              <a:schemeClr val="accent5"/>
+            </a:fillRef>
+            <a:effectRef idx="1">
+              <a:schemeClr val="accent5"/>
+            </a:effectRef>
+            <a:fontRef idx="minor">
+              <a:schemeClr val="dk1"/>
+            </a:fontRef>
+          </p:style>
+          <p:txBody>
+            <a:bodyPr rtlCol="0" anchor="t" anchorCtr="0"/>
+            <a:lstStyle/>
+            <a:p>
+              <a:r>
+                <a:rPr lang="ko-KR" altLang="en-US" sz="1200" dirty="0" smtClean="0"/>
+                <a:t>서버가 </a:t>
+              </a:r>
+              <a:r>
+                <a:rPr lang="ko-KR" altLang="en-US" sz="1200" dirty="0" smtClean="0"/>
+                <a:t>서비스하기 시작하는 함수</a:t>
+              </a:r>
+              <a:r>
+                <a:rPr lang="en-US" altLang="ko-KR" sz="1200" dirty="0" smtClean="0"/>
+                <a:t>. High level design</a:t>
+              </a:r>
+              <a:r>
+                <a:rPr lang="ko-KR" altLang="en-US" sz="1200" dirty="0" smtClean="0"/>
+                <a:t>에 정의 되어있는 순서도를 따라 </a:t>
+              </a:r>
+              <a:r>
+                <a:rPr lang="ko-KR" altLang="en-US" sz="1200" dirty="0" err="1" smtClean="0"/>
+                <a:t>로직이</a:t>
+              </a:r>
+              <a:r>
+                <a:rPr lang="ko-KR" altLang="en-US" sz="1200" dirty="0" smtClean="0"/>
+                <a:t> 수행된다</a:t>
+              </a:r>
+              <a:r>
+                <a:rPr lang="en-US" altLang="ko-KR" sz="1200" dirty="0" smtClean="0"/>
+                <a:t>.</a:t>
+              </a:r>
+              <a:endParaRPr lang="ko-KR" altLang="en-US" sz="1200" dirty="0"/>
+            </a:p>
+          </p:txBody>
+        </p:sp>
+      </p:grpSp>
+      <p:grpSp>
+        <p:nvGrpSpPr>
+          <p:cNvPr id="15" name="그룹 14"/>
+          <p:cNvGrpSpPr/>
+          <p:nvPr/>
+        </p:nvGrpSpPr>
+        <p:grpSpPr>
+          <a:xfrm>
+            <a:off x="6373521" y="3833759"/>
+            <a:ext cx="3517100" cy="1140915"/>
+            <a:chOff x="4337108" y="838900"/>
+            <a:chExt cx="1451296" cy="970025"/>
+          </a:xfrm>
+        </p:grpSpPr>
+        <p:sp>
+          <p:nvSpPr>
+            <p:cNvPr id="16" name="직사각형 15"/>
+            <p:cNvSpPr/>
+            <p:nvPr/>
+          </p:nvSpPr>
+          <p:spPr>
+            <a:xfrm>
+              <a:off x="4337109" y="838900"/>
+              <a:ext cx="1451295" cy="970025"/>
+            </a:xfrm>
+            <a:prstGeom prst="rect">
+              <a:avLst/>
+            </a:prstGeom>
+            <a:noFill/>
+            <a:ln w="28575"/>
+          </p:spPr>
+          <p:style>
+            <a:lnRef idx="1">
+              <a:schemeClr val="dk1"/>
+            </a:lnRef>
+            <a:fillRef idx="2">
+              <a:schemeClr val="dk1"/>
+            </a:fillRef>
+            <a:effectRef idx="1">
+              <a:schemeClr val="dk1"/>
+            </a:effectRef>
+            <a:fontRef idx="minor">
+              <a:schemeClr val="dk1"/>
+            </a:fontRef>
+          </p:style>
+          <p:txBody>
+            <a:bodyPr rtlCol="0" anchor="t" anchorCtr="0"/>
+            <a:lstStyle/>
+            <a:p>
+              <a:pPr algn="ctr"/>
+              <a:r>
+                <a:rPr lang="en-US" altLang="ko-KR" sz="1200" dirty="0"/>
+                <a:t>v</a:t>
+              </a:r>
+              <a:r>
+                <a:rPr lang="en-US" altLang="ko-KR" sz="1200" dirty="0" smtClean="0"/>
+                <a:t>oid </a:t>
+              </a:r>
+              <a:r>
+                <a:rPr lang="en-US" altLang="ko-KR" sz="1200" dirty="0" err="1" smtClean="0"/>
+                <a:t>AgentServer</a:t>
+              </a:r>
+              <a:r>
+                <a:rPr lang="en-US" altLang="ko-KR" sz="1200" dirty="0" smtClean="0"/>
+                <a:t>::</a:t>
+              </a:r>
+              <a:r>
+                <a:rPr lang="en-US" altLang="ko-KR" sz="1200" dirty="0" err="1" smtClean="0"/>
+                <a:t>DeleteAgentsFromRoom</a:t>
+              </a:r>
+              <a:r>
+                <a:rPr lang="en-US" altLang="ko-KR" sz="1200" dirty="0" smtClean="0"/>
+                <a:t>(void)</a:t>
+              </a:r>
+              <a:endParaRPr lang="ko-KR" altLang="en-US" sz="1200" dirty="0"/>
+            </a:p>
+          </p:txBody>
+        </p:sp>
+        <p:sp>
+          <p:nvSpPr>
+            <p:cNvPr id="17" name="직사각형 16"/>
+            <p:cNvSpPr/>
+            <p:nvPr/>
+          </p:nvSpPr>
+          <p:spPr>
+            <a:xfrm>
+              <a:off x="4337108" y="1103397"/>
+              <a:ext cx="1451295" cy="705527"/>
+            </a:xfrm>
+            <a:prstGeom prst="rect">
+              <a:avLst/>
+            </a:prstGeom>
+            <a:noFill/>
+          </p:spPr>
+          <p:style>
+            <a:lnRef idx="1">
+              <a:schemeClr val="accent5"/>
+            </a:lnRef>
+            <a:fillRef idx="2">
+              <a:schemeClr val="accent5"/>
+            </a:fillRef>
+            <a:effectRef idx="1">
+              <a:schemeClr val="accent5"/>
+            </a:effectRef>
+            <a:fontRef idx="minor">
+              <a:schemeClr val="dk1"/>
+            </a:fontRef>
+          </p:style>
+          <p:txBody>
+            <a:bodyPr rtlCol="0" anchor="t" anchorCtr="0"/>
+            <a:lstStyle/>
+            <a:p>
+              <a:r>
+                <a:rPr lang="ko-KR" altLang="en-US" sz="1200" dirty="0" smtClean="0"/>
+                <a:t>게임이 종료된 룸이 있으면 호출되는 함수</a:t>
+              </a:r>
+              <a:r>
+                <a:rPr lang="en-US" altLang="ko-KR" sz="1200" dirty="0" smtClean="0"/>
+                <a:t>. </a:t>
+              </a:r>
+              <a:r>
+                <a:rPr lang="ko-KR" altLang="en-US" sz="1200" dirty="0" smtClean="0"/>
+                <a:t>게임</a:t>
+              </a:r>
+              <a:r>
+                <a:rPr lang="en-US" altLang="ko-KR" sz="1200" dirty="0"/>
+                <a:t> </a:t>
+              </a:r>
+              <a:r>
+                <a:rPr lang="ko-KR" altLang="en-US" sz="1200" dirty="0" smtClean="0"/>
+                <a:t>종료를 알리는 메시지를 받아 게임이 종료된 룸에 사용되던 시스템 자원을 회수하고 룸을 삭제한다</a:t>
+              </a:r>
+              <a:r>
+                <a:rPr lang="en-US" altLang="ko-KR" sz="1200" dirty="0" smtClean="0"/>
+                <a:t>.</a:t>
+              </a:r>
+              <a:endParaRPr lang="ko-KR" altLang="en-US" sz="1200" dirty="0"/>
+            </a:p>
+          </p:txBody>
+        </p:sp>
+      </p:grpSp>
+      <p:grpSp>
+        <p:nvGrpSpPr>
+          <p:cNvPr id="18" name="그룹 17"/>
+          <p:cNvGrpSpPr/>
+          <p:nvPr/>
+        </p:nvGrpSpPr>
+        <p:grpSpPr>
+          <a:xfrm>
+            <a:off x="1333136" y="3833759"/>
+            <a:ext cx="3517100" cy="1156293"/>
+            <a:chOff x="4337108" y="838900"/>
+            <a:chExt cx="1451296" cy="983100"/>
+          </a:xfrm>
+        </p:grpSpPr>
+        <p:sp>
+          <p:nvSpPr>
+            <p:cNvPr id="19" name="직사각형 18"/>
+            <p:cNvSpPr/>
+            <p:nvPr/>
+          </p:nvSpPr>
+          <p:spPr>
+            <a:xfrm>
+              <a:off x="4337109" y="838900"/>
+              <a:ext cx="1451295" cy="983100"/>
+            </a:xfrm>
+            <a:prstGeom prst="rect">
+              <a:avLst/>
+            </a:prstGeom>
+            <a:noFill/>
+            <a:ln w="28575"/>
+          </p:spPr>
+          <p:style>
+            <a:lnRef idx="1">
+              <a:schemeClr val="dk1"/>
+            </a:lnRef>
+            <a:fillRef idx="2">
+              <a:schemeClr val="dk1"/>
+            </a:fillRef>
+            <a:effectRef idx="1">
+              <a:schemeClr val="dk1"/>
+            </a:effectRef>
+            <a:fontRef idx="minor">
+              <a:schemeClr val="dk1"/>
+            </a:fontRef>
+          </p:style>
+          <p:txBody>
+            <a:bodyPr rtlCol="0" anchor="t" anchorCtr="0"/>
+            <a:lstStyle/>
+            <a:p>
+              <a:pPr algn="ctr"/>
+              <a:r>
+                <a:rPr lang="en-US" altLang="ko-KR" sz="1200" dirty="0"/>
+                <a:t>v</a:t>
+              </a:r>
+              <a:r>
+                <a:rPr lang="en-US" altLang="ko-KR" sz="1200" dirty="0" smtClean="0"/>
+                <a:t>oid </a:t>
+              </a:r>
+              <a:r>
+                <a:rPr lang="en-US" altLang="ko-KR" sz="1200" dirty="0" err="1" smtClean="0"/>
+                <a:t>AgentServer</a:t>
+              </a:r>
+              <a:r>
+                <a:rPr lang="en-US" altLang="ko-KR" sz="1200" dirty="0" smtClean="0"/>
+                <a:t>::</a:t>
+              </a:r>
+              <a:r>
+                <a:rPr lang="en-US" altLang="ko-KR" sz="1200" dirty="0" err="1" smtClean="0"/>
+                <a:t>CreateAgentsTo</a:t>
+              </a:r>
+              <a:r>
+                <a:rPr lang="en-US" altLang="ko-KR" sz="1200" dirty="0" err="1" smtClean="0"/>
+                <a:t>Room</a:t>
+              </a:r>
+              <a:r>
+                <a:rPr lang="en-US" altLang="ko-KR" sz="1200" dirty="0" smtClean="0"/>
+                <a:t>(void)</a:t>
+              </a:r>
+              <a:endParaRPr lang="ko-KR" altLang="en-US" sz="1200" dirty="0"/>
+            </a:p>
+          </p:txBody>
+        </p:sp>
+        <p:sp>
+          <p:nvSpPr>
+            <p:cNvPr id="20" name="직사각형 19"/>
+            <p:cNvSpPr/>
+            <p:nvPr/>
+          </p:nvSpPr>
+          <p:spPr>
+            <a:xfrm>
+              <a:off x="4337108" y="1103397"/>
+              <a:ext cx="1451295" cy="718602"/>
+            </a:xfrm>
+            <a:prstGeom prst="rect">
+              <a:avLst/>
+            </a:prstGeom>
+            <a:noFill/>
+          </p:spPr>
+          <p:style>
+            <a:lnRef idx="1">
+              <a:schemeClr val="accent5"/>
+            </a:lnRef>
+            <a:fillRef idx="2">
+              <a:schemeClr val="accent5"/>
+            </a:fillRef>
+            <a:effectRef idx="1">
+              <a:schemeClr val="accent5"/>
+            </a:effectRef>
+            <a:fontRef idx="minor">
+              <a:schemeClr val="dk1"/>
+            </a:fontRef>
+          </p:style>
+          <p:txBody>
+            <a:bodyPr rtlCol="0" anchor="t" anchorCtr="0"/>
+            <a:lstStyle/>
+            <a:p>
+              <a:r>
+                <a:rPr lang="ko-KR" altLang="en-US" sz="1200" dirty="0" smtClean="0"/>
+                <a:t>룸의 생성을 알리고 에이전트의 생성을 요청하는 메시지를 받으면 생성된 룸의 정보를 바탕으로 룸 리스트에 룸을 추가하고 에이전트들을 생성하여 정보를 메인 서버에 전달한다</a:t>
+              </a:r>
+              <a:r>
+                <a:rPr lang="en-US" altLang="ko-KR" sz="1200" dirty="0" smtClean="0"/>
+                <a:t>.</a:t>
+              </a:r>
+              <a:endParaRPr lang="ko-KR" altLang="en-US" sz="1200" dirty="0"/>
+            </a:p>
+          </p:txBody>
+        </p:sp>
+      </p:grpSp>
+      <p:grpSp>
+        <p:nvGrpSpPr>
+          <p:cNvPr id="21" name="그룹 20"/>
+          <p:cNvGrpSpPr/>
+          <p:nvPr/>
+        </p:nvGrpSpPr>
+        <p:grpSpPr>
+          <a:xfrm>
+            <a:off x="481642" y="1553341"/>
+            <a:ext cx="3220688" cy="950097"/>
+            <a:chOff x="4337108" y="838900"/>
+            <a:chExt cx="1451296" cy="807789"/>
+          </a:xfrm>
+        </p:grpSpPr>
+        <p:sp>
+          <p:nvSpPr>
+            <p:cNvPr id="22" name="직사각형 21"/>
+            <p:cNvSpPr/>
+            <p:nvPr/>
+          </p:nvSpPr>
+          <p:spPr>
+            <a:xfrm>
+              <a:off x="4337109" y="838900"/>
+              <a:ext cx="1451295" cy="807789"/>
+            </a:xfrm>
+            <a:prstGeom prst="rect">
+              <a:avLst/>
+            </a:prstGeom>
+            <a:noFill/>
+            <a:ln w="28575"/>
+          </p:spPr>
+          <p:style>
+            <a:lnRef idx="1">
+              <a:schemeClr val="dk1"/>
+            </a:lnRef>
+            <a:fillRef idx="2">
+              <a:schemeClr val="dk1"/>
+            </a:fillRef>
+            <a:effectRef idx="1">
+              <a:schemeClr val="dk1"/>
+            </a:effectRef>
+            <a:fontRef idx="minor">
+              <a:schemeClr val="dk1"/>
+            </a:fontRef>
+          </p:style>
+          <p:txBody>
+            <a:bodyPr rtlCol="0" anchor="t" anchorCtr="0"/>
+            <a:lstStyle/>
+            <a:p>
+              <a:pPr algn="ctr"/>
+              <a:r>
+                <a:rPr lang="en-US" altLang="ko-KR" sz="1200" dirty="0"/>
+                <a:t>v</a:t>
+              </a:r>
+              <a:r>
+                <a:rPr lang="en-US" altLang="ko-KR" sz="1200" dirty="0" smtClean="0"/>
+                <a:t>oid </a:t>
+              </a:r>
+              <a:r>
+                <a:rPr lang="en-US" altLang="ko-KR" sz="1200" dirty="0" err="1" smtClean="0"/>
+                <a:t>AgentServer</a:t>
+              </a:r>
+              <a:r>
+                <a:rPr lang="en-US" altLang="ko-KR" sz="1200" dirty="0" smtClean="0"/>
+                <a:t>::</a:t>
+              </a:r>
+              <a:r>
+                <a:rPr lang="en-US" altLang="ko-KR" sz="1200" dirty="0" err="1" smtClean="0"/>
+                <a:t>AcceptMainServer</a:t>
+              </a:r>
+              <a:r>
+                <a:rPr lang="en-US" altLang="ko-KR" sz="1200" dirty="0" smtClean="0"/>
+                <a:t>(void)</a:t>
+              </a:r>
+              <a:endParaRPr lang="ko-KR" altLang="en-US" sz="1200" dirty="0"/>
+            </a:p>
+          </p:txBody>
+        </p:sp>
+        <p:sp>
+          <p:nvSpPr>
+            <p:cNvPr id="23" name="직사각형 22"/>
+            <p:cNvSpPr/>
+            <p:nvPr/>
+          </p:nvSpPr>
+          <p:spPr>
+            <a:xfrm>
+              <a:off x="4337108" y="1103397"/>
+              <a:ext cx="1451295" cy="543291"/>
+            </a:xfrm>
+            <a:prstGeom prst="rect">
+              <a:avLst/>
+            </a:prstGeom>
+            <a:noFill/>
+          </p:spPr>
+          <p:style>
+            <a:lnRef idx="1">
+              <a:schemeClr val="accent5"/>
+            </a:lnRef>
+            <a:fillRef idx="2">
+              <a:schemeClr val="accent5"/>
+            </a:fillRef>
+            <a:effectRef idx="1">
+              <a:schemeClr val="accent5"/>
+            </a:effectRef>
+            <a:fontRef idx="minor">
+              <a:schemeClr val="dk1"/>
+            </a:fontRef>
+          </p:style>
+          <p:txBody>
+            <a:bodyPr rtlCol="0" anchor="t" anchorCtr="0"/>
+            <a:lstStyle/>
+            <a:p>
+              <a:r>
+                <a:rPr lang="en-US" altLang="ko-KR" sz="1200" dirty="0" smtClean="0"/>
+                <a:t>Run()</a:t>
+              </a:r>
+              <a:r>
+                <a:rPr lang="ko-KR" altLang="en-US" sz="1200" dirty="0" smtClean="0"/>
+                <a:t>함수의 초반부에서</a:t>
+              </a:r>
+              <a:r>
+                <a:rPr lang="ko-KR" altLang="en-US" sz="1200" dirty="0" smtClean="0"/>
+                <a:t> 호출되며 메인 서버의 연결 요청을 기다린다</a:t>
+              </a:r>
+              <a:r>
+                <a:rPr lang="en-US" altLang="ko-KR" sz="1200" dirty="0" smtClean="0"/>
+                <a:t>.</a:t>
+              </a:r>
+              <a:r>
+                <a:rPr lang="ko-KR" altLang="en-US" sz="1200" dirty="0" smtClean="0"/>
+                <a:t> 메인 서버가 연결되면 </a:t>
+              </a:r>
+              <a:r>
+                <a:rPr lang="en-US" altLang="ko-KR" sz="1200" dirty="0" err="1" smtClean="0"/>
+                <a:t>recv</a:t>
+              </a:r>
+              <a:r>
+                <a:rPr lang="en-US" altLang="ko-KR" sz="1200" dirty="0" smtClean="0"/>
+                <a:t> </a:t>
+              </a:r>
+              <a:r>
+                <a:rPr lang="ko-KR" altLang="en-US" sz="1200" dirty="0" smtClean="0"/>
+                <a:t>스레드가 생성된다</a:t>
+              </a:r>
+              <a:r>
+                <a:rPr lang="en-US" altLang="ko-KR" sz="1200" dirty="0" smtClean="0"/>
+                <a:t>.</a:t>
+              </a:r>
+              <a:endParaRPr lang="ko-KR" altLang="en-US" sz="1200" dirty="0"/>
+            </a:p>
+          </p:txBody>
+        </p:sp>
+      </p:grpSp>
+      <p:cxnSp>
+        <p:nvCxnSpPr>
+          <p:cNvPr id="24" name="직선 화살표 연결선 23"/>
+          <p:cNvCxnSpPr>
+            <a:endCxn id="16" idx="0"/>
+          </p:cNvCxnSpPr>
+          <p:nvPr/>
+        </p:nvCxnSpPr>
+        <p:spPr>
+          <a:xfrm>
+            <a:off x="7046752" y="2617363"/>
+            <a:ext cx="1085320" cy="1216396"/>
+          </a:xfrm>
+          <a:prstGeom prst="straightConnector1">
+            <a:avLst/>
+          </a:prstGeom>
+          <a:ln>
+            <a:tailEnd type="triangle"/>
+          </a:ln>
+        </p:spPr>
+        <p:style>
+          <a:lnRef idx="1">
+            <a:schemeClr val="accent1"/>
+          </a:lnRef>
+          <a:fillRef idx="0">
+            <a:schemeClr val="accent1"/>
+          </a:fillRef>
+          <a:effectRef idx="0">
+            <a:schemeClr val="accent1"/>
+          </a:effectRef>
+          <a:fontRef idx="minor">
+            <a:schemeClr val="tx1"/>
+          </a:fontRef>
+        </p:style>
+      </p:cxnSp>
+      <p:cxnSp>
+        <p:nvCxnSpPr>
+          <p:cNvPr id="27" name="직선 화살표 연결선 26"/>
+          <p:cNvCxnSpPr/>
+          <p:nvPr/>
+        </p:nvCxnSpPr>
+        <p:spPr>
+          <a:xfrm>
+            <a:off x="6747327" y="2004849"/>
+            <a:ext cx="1084408" cy="0"/>
+          </a:xfrm>
+          <a:prstGeom prst="straightConnector1">
+            <a:avLst/>
+          </a:prstGeom>
+          <a:ln>
+            <a:tailEnd type="triangle"/>
+          </a:ln>
+        </p:spPr>
+        <p:style>
+          <a:lnRef idx="1">
+            <a:schemeClr val="accent1"/>
+          </a:lnRef>
+          <a:fillRef idx="0">
+            <a:schemeClr val="accent1"/>
+          </a:fillRef>
+          <a:effectRef idx="0">
+            <a:schemeClr val="accent1"/>
+          </a:effectRef>
+          <a:fontRef idx="minor">
+            <a:schemeClr val="tx1"/>
+          </a:fontRef>
+        </p:style>
+      </p:cxnSp>
+      <p:cxnSp>
+        <p:nvCxnSpPr>
+          <p:cNvPr id="30" name="직선 화살표 연결선 29"/>
+          <p:cNvCxnSpPr>
+            <a:endCxn id="23" idx="3"/>
+          </p:cNvCxnSpPr>
+          <p:nvPr/>
+        </p:nvCxnSpPr>
+        <p:spPr>
+          <a:xfrm flipH="1">
+            <a:off x="3702328" y="2183935"/>
+            <a:ext cx="861283" cy="0"/>
+          </a:xfrm>
+          <a:prstGeom prst="straightConnector1">
+            <a:avLst/>
+          </a:prstGeom>
+          <a:ln>
+            <a:tailEnd type="triangle"/>
+          </a:ln>
+        </p:spPr>
+        <p:style>
+          <a:lnRef idx="1">
+            <a:schemeClr val="accent1"/>
+          </a:lnRef>
+          <a:fillRef idx="0">
+            <a:schemeClr val="accent1"/>
+          </a:fillRef>
+          <a:effectRef idx="0">
+            <a:schemeClr val="accent1"/>
+          </a:effectRef>
+          <a:fontRef idx="minor">
+            <a:schemeClr val="tx1"/>
+          </a:fontRef>
+        </p:style>
+      </p:cxnSp>
+      <p:cxnSp>
+        <p:nvCxnSpPr>
+          <p:cNvPr id="37" name="직선 화살표 연결선 36"/>
+          <p:cNvCxnSpPr>
+            <a:endCxn id="19" idx="0"/>
+          </p:cNvCxnSpPr>
+          <p:nvPr/>
+        </p:nvCxnSpPr>
+        <p:spPr>
+          <a:xfrm flipH="1">
+            <a:off x="3091687" y="2367842"/>
+            <a:ext cx="1471924" cy="1465917"/>
+          </a:xfrm>
+          <a:prstGeom prst="straightConnector1">
+            <a:avLst/>
+          </a:prstGeom>
+          <a:ln>
+            <a:tailEnd type="triangle"/>
+          </a:ln>
+        </p:spPr>
+        <p:style>
+          <a:lnRef idx="1">
+            <a:schemeClr val="accent1"/>
+          </a:lnRef>
+          <a:fillRef idx="0">
+            <a:schemeClr val="accent1"/>
+          </a:fillRef>
+          <a:effectRef idx="0">
+            <a:schemeClr val="accent1"/>
+          </a:effectRef>
+          <a:fontRef idx="minor">
+            <a:schemeClr val="tx1"/>
+          </a:fontRef>
+        </p:style>
+      </p:cxnSp>
+    </p:spTree>
+    <p:extLst>
+      <p:ext uri="{BB962C8B-B14F-4D97-AF65-F5344CB8AC3E}">
+        <p14:creationId xmlns:p14="http://schemas.microsoft.com/office/powerpoint/2010/main" val="1790010336"/>
+      </p:ext>
+    </p:extLst>
+  </p:cSld>
+  <p:clrMapOvr>
+    <a:masterClrMapping/>
+  </p:clrMapOvr>
+</p:sld>
+</file>
+
+<file path=ppt/slides/slide5.xml><?xml version="1.0" encoding="utf-8"?>
+<p:sld xmlns:a="http://schemas.openxmlformats.org/drawingml/2006/main" xmlns:r="http://schemas.openxmlformats.org/officeDocument/2006/relationships" xmlns:p="http://schemas.openxmlformats.org/presentationml/2006/main">
+  <p:cSld>
+    <p:spTree>
+      <p:nvGrpSpPr>
+        <p:cNvPr id="1" name=""/>
+        <p:cNvGrpSpPr/>
+        <p:nvPr/>
+      </p:nvGrpSpPr>
+      <p:grpSpPr>
+        <a:xfrm>
+          <a:off x="0" y="0"/>
+          <a:ext cx="0" cy="0"/>
+          <a:chOff x="0" y="0"/>
+          <a:chExt cx="0" cy="0"/>
+        </a:xfrm>
+      </p:grpSpPr>
+      <p:grpSp>
+        <p:nvGrpSpPr>
+          <p:cNvPr id="2" name="그룹 1"/>
+          <p:cNvGrpSpPr/>
+          <p:nvPr/>
+        </p:nvGrpSpPr>
+        <p:grpSpPr>
+          <a:xfrm>
+            <a:off x="4594802" y="1173301"/>
+            <a:ext cx="2401615" cy="2224240"/>
+            <a:chOff x="4337108" y="838899"/>
+            <a:chExt cx="1451295" cy="2055537"/>
+          </a:xfrm>
+        </p:grpSpPr>
+        <p:sp>
+          <p:nvSpPr>
+            <p:cNvPr id="3" name="직사각형 2"/>
+            <p:cNvSpPr/>
+            <p:nvPr/>
+          </p:nvSpPr>
+          <p:spPr>
+            <a:xfrm>
+              <a:off x="4337108" y="838899"/>
+              <a:ext cx="1451295" cy="2055537"/>
+            </a:xfrm>
+            <a:prstGeom prst="rect">
+              <a:avLst/>
+            </a:prstGeom>
+            <a:noFill/>
+            <a:ln w="28575"/>
+          </p:spPr>
+          <p:style>
+            <a:lnRef idx="1">
+              <a:schemeClr val="dk1"/>
+            </a:lnRef>
+            <a:fillRef idx="2">
+              <a:schemeClr val="dk1"/>
+            </a:fillRef>
+            <a:effectRef idx="1">
+              <a:schemeClr val="dk1"/>
+            </a:effectRef>
+            <a:fontRef idx="minor">
+              <a:schemeClr val="dk1"/>
+            </a:fontRef>
+          </p:style>
+          <p:txBody>
+            <a:bodyPr rtlCol="0" anchor="t" anchorCtr="0"/>
+            <a:lstStyle/>
+            <a:p>
+              <a:pPr algn="ctr"/>
+              <a:r>
+                <a:rPr lang="en-US" altLang="ko-KR" dirty="0" smtClean="0"/>
+                <a:t>Client</a:t>
+              </a:r>
+              <a:endParaRPr lang="ko-KR" altLang="en-US" dirty="0"/>
+            </a:p>
+          </p:txBody>
+        </p:sp>
+        <p:sp>
+          <p:nvSpPr>
+            <p:cNvPr id="4" name="직사각형 3"/>
+            <p:cNvSpPr/>
+            <p:nvPr/>
+          </p:nvSpPr>
+          <p:spPr>
+            <a:xfrm>
+              <a:off x="4337108" y="1216404"/>
+              <a:ext cx="1451295" cy="1678032"/>
+            </a:xfrm>
+            <a:prstGeom prst="rect">
+              <a:avLst/>
+            </a:prstGeom>
+            <a:noFill/>
+          </p:spPr>
+          <p:style>
+            <a:lnRef idx="1">
+              <a:schemeClr val="accent5"/>
+            </a:lnRef>
+            <a:fillRef idx="2">
+              <a:schemeClr val="accent5"/>
+            </a:fillRef>
+            <a:effectRef idx="1">
+              <a:schemeClr val="accent5"/>
+            </a:effectRef>
+            <a:fontRef idx="minor">
+              <a:schemeClr val="dk1"/>
+            </a:fontRef>
+          </p:style>
+          <p:txBody>
+            <a:bodyPr rtlCol="0" anchor="t" anchorCtr="0"/>
+            <a:lstStyle/>
+            <a:p>
+              <a:r>
+                <a:rPr lang="en-US" altLang="ko-KR" sz="1000" dirty="0"/>
+                <a:t>-</a:t>
+              </a:r>
+              <a:r>
+                <a:rPr lang="en-US" altLang="ko-KR" sz="1000" dirty="0" smtClean="0"/>
+                <a:t>UINT </a:t>
+              </a:r>
+              <a:r>
+                <a:rPr lang="en-US" altLang="ko-KR" sz="1000" dirty="0"/>
+                <a:t>	</a:t>
+              </a:r>
+              <a:r>
+                <a:rPr lang="en-US" altLang="ko-KR" sz="1000" dirty="0" smtClean="0"/>
+                <a:t>   </a:t>
+              </a:r>
+              <a:r>
+                <a:rPr lang="en-US" altLang="ko-KR" sz="1000" dirty="0" smtClean="0"/>
+                <a:t>      </a:t>
+              </a:r>
+              <a:r>
+                <a:rPr lang="en-US" altLang="ko-KR" sz="1000" dirty="0" err="1" smtClean="0"/>
+                <a:t>m_Local_id</a:t>
+              </a:r>
+              <a:endParaRPr lang="en-US" altLang="ko-KR" sz="1000" dirty="0" smtClean="0"/>
+            </a:p>
+            <a:p>
+              <a:r>
+                <a:rPr lang="en-US" altLang="ko-KR" sz="1000" dirty="0"/>
+                <a:t>-</a:t>
+              </a:r>
+              <a:r>
+                <a:rPr lang="en-US" altLang="ko-KR" sz="1000" dirty="0" smtClean="0"/>
+                <a:t>SOCKET </a:t>
+              </a:r>
+              <a:r>
+                <a:rPr lang="en-US" altLang="ko-KR" sz="1000" dirty="0" smtClean="0"/>
+                <a:t>	   </a:t>
+              </a:r>
+              <a:r>
+                <a:rPr lang="en-US" altLang="ko-KR" sz="1000" dirty="0" smtClean="0"/>
+                <a:t>      </a:t>
+              </a:r>
+              <a:r>
+                <a:rPr lang="en-US" altLang="ko-KR" sz="1000" dirty="0" err="1" smtClean="0"/>
+                <a:t>m_Local_sock</a:t>
+              </a:r>
+              <a:endParaRPr lang="en-US" altLang="ko-KR" sz="1000" dirty="0" smtClean="0"/>
+            </a:p>
+            <a:p>
+              <a:r>
+                <a:rPr lang="en-US" altLang="ko-KR" sz="1000" dirty="0"/>
+                <a:t>-</a:t>
+              </a:r>
+              <a:r>
+                <a:rPr lang="en-US" altLang="ko-KR" sz="1000" dirty="0" smtClean="0"/>
+                <a:t>SOCKADDR_IN         </a:t>
+              </a:r>
+              <a:r>
+                <a:rPr lang="en-US" altLang="ko-KR" sz="1000" dirty="0" err="1" smtClean="0"/>
+                <a:t>m_Local_addr</a:t>
+              </a:r>
+              <a:endParaRPr lang="en-US" altLang="ko-KR" sz="1000" dirty="0" smtClean="0"/>
+            </a:p>
+            <a:p>
+              <a:r>
+                <a:rPr lang="en-US" altLang="ko-KR" sz="1000" dirty="0" smtClean="0"/>
+                <a:t>-</a:t>
+              </a:r>
+              <a:r>
+                <a:rPr lang="en-US" altLang="ko-KR" sz="1000" dirty="0" err="1" smtClean="0"/>
+                <a:t>MsgQueue</a:t>
+              </a:r>
+              <a:r>
+                <a:rPr lang="en-US" altLang="ko-KR" sz="1000" dirty="0"/>
+                <a:t>	  </a:t>
+              </a:r>
+              <a:r>
+                <a:rPr lang="en-US" altLang="ko-KR" sz="1000" dirty="0" smtClean="0"/>
+                <a:t>       </a:t>
+              </a:r>
+              <a:r>
+                <a:rPr lang="en-US" altLang="ko-KR" sz="1000" dirty="0" err="1" smtClean="0"/>
+                <a:t>m_MsgQueue</a:t>
+              </a:r>
+              <a:endParaRPr lang="en-US" altLang="ko-KR" sz="1200" dirty="0"/>
+            </a:p>
+            <a:p>
+              <a:r>
+                <a:rPr lang="en-US" altLang="ko-KR" sz="1000" dirty="0"/>
+                <a:t>-</a:t>
+              </a:r>
+              <a:r>
+                <a:rPr lang="en-US" altLang="ko-KR" sz="1000" dirty="0" err="1"/>
+                <a:t>ConnectedServerInfo</a:t>
+              </a:r>
+              <a:r>
+                <a:rPr lang="en-US" altLang="ko-KR" sz="1000" dirty="0"/>
+                <a:t> </a:t>
+              </a:r>
+              <a:r>
+                <a:rPr lang="en-US" altLang="ko-KR" sz="1000" dirty="0" err="1"/>
+                <a:t>m_MainServer</a:t>
+              </a:r>
+              <a:endParaRPr lang="en-US" altLang="ko-KR" sz="1000" dirty="0"/>
+            </a:p>
+            <a:p>
+              <a:endParaRPr lang="en-US" altLang="ko-KR" sz="1200" dirty="0" smtClean="0"/>
+            </a:p>
+            <a:p>
+              <a:r>
+                <a:rPr lang="en-US" altLang="ko-KR" sz="1200" dirty="0" smtClean="0"/>
+                <a:t>+void</a:t>
+              </a:r>
+              <a:r>
+                <a:rPr lang="ko-KR" altLang="en-US" sz="1200" dirty="0"/>
+                <a:t> </a:t>
+              </a:r>
+              <a:r>
+                <a:rPr lang="en-US" altLang="ko-KR" sz="1200" dirty="0" smtClean="0"/>
+                <a:t>Initialize(void)</a:t>
+              </a:r>
+              <a:endParaRPr lang="en-US" altLang="ko-KR" sz="1200" dirty="0" smtClean="0"/>
+            </a:p>
+            <a:p>
+              <a:r>
+                <a:rPr lang="en-US" altLang="ko-KR" sz="1200" dirty="0" smtClean="0"/>
+                <a:t>+void Release(void)</a:t>
+              </a:r>
+              <a:endParaRPr lang="en-US" altLang="ko-KR" sz="1200" dirty="0" smtClean="0"/>
+            </a:p>
+            <a:p>
+              <a:r>
+                <a:rPr lang="en-US" altLang="ko-KR" sz="1200" dirty="0" smtClean="0"/>
+                <a:t>+void </a:t>
+              </a:r>
+              <a:r>
+                <a:rPr lang="en-US" altLang="ko-KR" sz="1200" dirty="0" err="1" smtClean="0"/>
+                <a:t>ConnectServer</a:t>
+              </a:r>
+              <a:r>
+                <a:rPr lang="en-US" altLang="ko-KR" sz="1200" dirty="0" smtClean="0"/>
+                <a:t>(void)</a:t>
+              </a:r>
+            </a:p>
+            <a:p>
+              <a:r>
+                <a:rPr lang="en-US" altLang="ko-KR" sz="1200" dirty="0" smtClean="0"/>
+                <a:t>+void </a:t>
+              </a:r>
+              <a:r>
+                <a:rPr lang="en-US" altLang="ko-KR" sz="1200" dirty="0" err="1" smtClean="0"/>
+                <a:t>SendMsgs</a:t>
+              </a:r>
+              <a:r>
+                <a:rPr lang="en-US" altLang="ko-KR" sz="1200" dirty="0" smtClean="0"/>
+                <a:t>(void)</a:t>
+              </a:r>
+            </a:p>
+          </p:txBody>
+        </p:sp>
+      </p:grpSp>
+      <p:grpSp>
+        <p:nvGrpSpPr>
+          <p:cNvPr id="5" name="그룹 4"/>
+          <p:cNvGrpSpPr/>
+          <p:nvPr/>
+        </p:nvGrpSpPr>
+        <p:grpSpPr>
+          <a:xfrm>
+            <a:off x="7729730" y="2366156"/>
+            <a:ext cx="2362226" cy="950097"/>
+            <a:chOff x="4337108" y="838900"/>
+            <a:chExt cx="1451296" cy="807789"/>
+          </a:xfrm>
+        </p:grpSpPr>
+        <p:sp>
+          <p:nvSpPr>
+            <p:cNvPr id="6" name="직사각형 5"/>
+            <p:cNvSpPr/>
+            <p:nvPr/>
+          </p:nvSpPr>
+          <p:spPr>
+            <a:xfrm>
+              <a:off x="4337109" y="838900"/>
+              <a:ext cx="1451295" cy="807789"/>
+            </a:xfrm>
+            <a:prstGeom prst="rect">
+              <a:avLst/>
+            </a:prstGeom>
+            <a:noFill/>
+            <a:ln w="28575"/>
+          </p:spPr>
+          <p:style>
+            <a:lnRef idx="1">
+              <a:schemeClr val="dk1"/>
+            </a:lnRef>
+            <a:fillRef idx="2">
+              <a:schemeClr val="dk1"/>
+            </a:fillRef>
+            <a:effectRef idx="1">
+              <a:schemeClr val="dk1"/>
+            </a:effectRef>
+            <a:fontRef idx="minor">
+              <a:schemeClr val="dk1"/>
+            </a:fontRef>
+          </p:style>
+          <p:txBody>
+            <a:bodyPr rtlCol="0" anchor="t" anchorCtr="0"/>
+            <a:lstStyle/>
+            <a:p>
+              <a:pPr algn="ctr"/>
+              <a:r>
+                <a:rPr lang="en-US" altLang="ko-KR" sz="1200" dirty="0"/>
+                <a:t>v</a:t>
+              </a:r>
+              <a:r>
+                <a:rPr lang="en-US" altLang="ko-KR" sz="1200" dirty="0" smtClean="0"/>
+                <a:t>oid </a:t>
+              </a:r>
+              <a:r>
+                <a:rPr lang="en-US" altLang="ko-KR" sz="1200" dirty="0" smtClean="0"/>
+                <a:t>Client::</a:t>
+              </a:r>
+              <a:r>
+                <a:rPr lang="en-US" altLang="ko-KR" sz="1200" dirty="0" err="1" smtClean="0"/>
+                <a:t>ConnectServer</a:t>
+              </a:r>
+              <a:r>
+                <a:rPr lang="en-US" altLang="ko-KR" sz="1200" dirty="0" smtClean="0"/>
+                <a:t>(void)</a:t>
+              </a:r>
+              <a:endParaRPr lang="ko-KR" altLang="en-US" sz="1200" dirty="0"/>
+            </a:p>
+          </p:txBody>
+        </p:sp>
+        <p:sp>
+          <p:nvSpPr>
+            <p:cNvPr id="7" name="직사각형 6"/>
+            <p:cNvSpPr/>
+            <p:nvPr/>
+          </p:nvSpPr>
+          <p:spPr>
+            <a:xfrm>
+              <a:off x="4337108" y="1103397"/>
+              <a:ext cx="1451295" cy="543291"/>
+            </a:xfrm>
+            <a:prstGeom prst="rect">
+              <a:avLst/>
+            </a:prstGeom>
+            <a:noFill/>
+          </p:spPr>
+          <p:style>
+            <a:lnRef idx="1">
+              <a:schemeClr val="accent5"/>
+            </a:lnRef>
+            <a:fillRef idx="2">
+              <a:schemeClr val="accent5"/>
+            </a:fillRef>
+            <a:effectRef idx="1">
+              <a:schemeClr val="accent5"/>
+            </a:effectRef>
+            <a:fontRef idx="minor">
+              <a:schemeClr val="dk1"/>
+            </a:fontRef>
+          </p:style>
+          <p:txBody>
+            <a:bodyPr rtlCol="0" anchor="t" anchorCtr="0"/>
+            <a:lstStyle/>
+            <a:p>
+              <a:r>
+                <a:rPr lang="ko-KR" altLang="en-US" sz="1200" dirty="0" smtClean="0"/>
+                <a:t>함수가 호출되면 메인 서버에 연결 요청을 하며</a:t>
+              </a:r>
+              <a:r>
+                <a:rPr lang="en-US" altLang="ko-KR" sz="1200" dirty="0" smtClean="0"/>
+                <a:t>, </a:t>
+              </a:r>
+              <a:r>
+                <a:rPr lang="ko-KR" altLang="en-US" sz="1200" dirty="0" smtClean="0"/>
+                <a:t>연결이 성공하면 </a:t>
+              </a:r>
+              <a:r>
+                <a:rPr lang="en-US" altLang="ko-KR" sz="1200" dirty="0" err="1" smtClean="0"/>
+                <a:t>recv</a:t>
+              </a:r>
+              <a:r>
+                <a:rPr lang="en-US" altLang="ko-KR" sz="1200" dirty="0" smtClean="0"/>
+                <a:t> </a:t>
+              </a:r>
+              <a:r>
+                <a:rPr lang="ko-KR" altLang="en-US" sz="1200" dirty="0" smtClean="0"/>
+                <a:t>스레드가 생성된다</a:t>
+              </a:r>
+              <a:r>
+                <a:rPr lang="en-US" altLang="ko-KR" sz="1200" dirty="0" smtClean="0"/>
+                <a:t>.</a:t>
+              </a:r>
+              <a:r>
+                <a:rPr lang="ko-KR" altLang="en-US" sz="1200" dirty="0" smtClean="0"/>
+                <a:t> </a:t>
+              </a:r>
+              <a:endParaRPr lang="ko-KR" altLang="en-US" sz="1200" dirty="0"/>
+            </a:p>
+          </p:txBody>
+        </p:sp>
+      </p:grpSp>
+      <p:grpSp>
+        <p:nvGrpSpPr>
+          <p:cNvPr id="8" name="그룹 7"/>
+          <p:cNvGrpSpPr/>
+          <p:nvPr/>
+        </p:nvGrpSpPr>
+        <p:grpSpPr>
+          <a:xfrm>
+            <a:off x="7729730" y="3731490"/>
+            <a:ext cx="2152503" cy="806086"/>
+            <a:chOff x="4337108" y="838901"/>
+            <a:chExt cx="1451296" cy="685348"/>
+          </a:xfrm>
+        </p:grpSpPr>
+        <p:sp>
+          <p:nvSpPr>
+            <p:cNvPr id="9" name="직사각형 8"/>
+            <p:cNvSpPr/>
+            <p:nvPr/>
+          </p:nvSpPr>
+          <p:spPr>
+            <a:xfrm>
+              <a:off x="4337109" y="838901"/>
+              <a:ext cx="1451295" cy="685348"/>
+            </a:xfrm>
+            <a:prstGeom prst="rect">
+              <a:avLst/>
+            </a:prstGeom>
+            <a:noFill/>
+            <a:ln w="28575"/>
+          </p:spPr>
+          <p:style>
+            <a:lnRef idx="1">
+              <a:schemeClr val="dk1"/>
+            </a:lnRef>
+            <a:fillRef idx="2">
+              <a:schemeClr val="dk1"/>
+            </a:fillRef>
+            <a:effectRef idx="1">
+              <a:schemeClr val="dk1"/>
+            </a:effectRef>
+            <a:fontRef idx="minor">
+              <a:schemeClr val="dk1"/>
+            </a:fontRef>
+          </p:style>
+          <p:txBody>
+            <a:bodyPr rtlCol="0" anchor="t" anchorCtr="0"/>
+            <a:lstStyle/>
+            <a:p>
+              <a:pPr algn="ctr"/>
+              <a:r>
+                <a:rPr lang="en-US" altLang="ko-KR" sz="1200" dirty="0"/>
+                <a:t>v</a:t>
+              </a:r>
+              <a:r>
+                <a:rPr lang="en-US" altLang="ko-KR" sz="1200" dirty="0" smtClean="0"/>
+                <a:t>oid </a:t>
+              </a:r>
+              <a:r>
+                <a:rPr lang="en-US" altLang="ko-KR" sz="1200" dirty="0" smtClean="0"/>
+                <a:t>Client::</a:t>
+              </a:r>
+              <a:r>
+                <a:rPr lang="en-US" altLang="ko-KR" sz="1200" dirty="0" err="1" smtClean="0"/>
+                <a:t>SendMsgs</a:t>
+              </a:r>
+              <a:r>
+                <a:rPr lang="en-US" altLang="ko-KR" sz="1200" dirty="0" smtClean="0"/>
+                <a:t>(void)</a:t>
+              </a:r>
+              <a:endParaRPr lang="ko-KR" altLang="en-US" sz="1200" dirty="0"/>
+            </a:p>
+          </p:txBody>
+        </p:sp>
+        <p:sp>
+          <p:nvSpPr>
+            <p:cNvPr id="10" name="직사각형 9"/>
+            <p:cNvSpPr/>
+            <p:nvPr/>
+          </p:nvSpPr>
+          <p:spPr>
+            <a:xfrm>
+              <a:off x="4337108" y="1103397"/>
+              <a:ext cx="1451295" cy="420852"/>
+            </a:xfrm>
+            <a:prstGeom prst="rect">
+              <a:avLst/>
+            </a:prstGeom>
+            <a:noFill/>
+          </p:spPr>
+          <p:style>
+            <a:lnRef idx="1">
+              <a:schemeClr val="accent5"/>
+            </a:lnRef>
+            <a:fillRef idx="2">
+              <a:schemeClr val="accent5"/>
+            </a:fillRef>
+            <a:effectRef idx="1">
+              <a:schemeClr val="accent5"/>
+            </a:effectRef>
+            <a:fontRef idx="minor">
+              <a:schemeClr val="dk1"/>
+            </a:fontRef>
+          </p:style>
+          <p:txBody>
+            <a:bodyPr rtlCol="0" anchor="t" anchorCtr="0"/>
+            <a:lstStyle/>
+            <a:p>
+              <a:r>
+                <a:rPr lang="ko-KR" altLang="en-US" sz="1200" smtClean="0"/>
+                <a:t>연결되어있는 서버에 생성된 </a:t>
+              </a:r>
+              <a:r>
+                <a:rPr lang="ko-KR" altLang="en-US" sz="1200" dirty="0" smtClean="0"/>
+                <a:t>메시지를 전송한다</a:t>
+              </a:r>
+              <a:r>
+                <a:rPr lang="en-US" altLang="ko-KR" sz="1200" dirty="0" smtClean="0"/>
+                <a:t>.</a:t>
+              </a:r>
+              <a:endParaRPr lang="ko-KR" altLang="en-US" sz="1200" dirty="0"/>
+            </a:p>
+          </p:txBody>
+        </p:sp>
+      </p:grpSp>
+      <p:grpSp>
+        <p:nvGrpSpPr>
+          <p:cNvPr id="11" name="그룹 10"/>
+          <p:cNvGrpSpPr/>
+          <p:nvPr/>
+        </p:nvGrpSpPr>
+        <p:grpSpPr>
+          <a:xfrm>
+            <a:off x="1586259" y="918687"/>
+            <a:ext cx="1958156" cy="1326204"/>
+            <a:chOff x="4337108" y="838900"/>
+            <a:chExt cx="1451296" cy="1127561"/>
+          </a:xfrm>
+        </p:grpSpPr>
+        <p:sp>
+          <p:nvSpPr>
+            <p:cNvPr id="12" name="직사각형 11"/>
+            <p:cNvSpPr/>
+            <p:nvPr/>
+          </p:nvSpPr>
+          <p:spPr>
+            <a:xfrm>
+              <a:off x="4337109" y="838900"/>
+              <a:ext cx="1451295" cy="1127561"/>
+            </a:xfrm>
+            <a:prstGeom prst="rect">
+              <a:avLst/>
+            </a:prstGeom>
+            <a:noFill/>
+            <a:ln w="28575"/>
+          </p:spPr>
+          <p:style>
+            <a:lnRef idx="1">
+              <a:schemeClr val="dk1"/>
+            </a:lnRef>
+            <a:fillRef idx="2">
+              <a:schemeClr val="dk1"/>
+            </a:fillRef>
+            <a:effectRef idx="1">
+              <a:schemeClr val="dk1"/>
+            </a:effectRef>
+            <a:fontRef idx="minor">
+              <a:schemeClr val="dk1"/>
+            </a:fontRef>
+          </p:style>
+          <p:txBody>
+            <a:bodyPr rtlCol="0" anchor="t" anchorCtr="0"/>
+            <a:lstStyle/>
+            <a:p>
+              <a:pPr algn="ctr"/>
+              <a:r>
+                <a:rPr lang="en-US" altLang="ko-KR" sz="1200" dirty="0"/>
+                <a:t>v</a:t>
+              </a:r>
+              <a:r>
+                <a:rPr lang="en-US" altLang="ko-KR" sz="1200" dirty="0" smtClean="0"/>
+                <a:t>oid </a:t>
+              </a:r>
+              <a:r>
+                <a:rPr lang="en-US" altLang="ko-KR" sz="1200" dirty="0" smtClean="0"/>
+                <a:t>Client::Initialize</a:t>
+              </a:r>
+              <a:r>
+                <a:rPr lang="en-US" altLang="ko-KR" sz="1200" dirty="0" smtClean="0"/>
+                <a:t>(void)</a:t>
+              </a:r>
+              <a:endParaRPr lang="ko-KR" altLang="en-US" sz="1200" dirty="0"/>
+            </a:p>
+          </p:txBody>
+        </p:sp>
+        <p:sp>
+          <p:nvSpPr>
+            <p:cNvPr id="13" name="직사각형 12"/>
+            <p:cNvSpPr/>
+            <p:nvPr/>
+          </p:nvSpPr>
+          <p:spPr>
+            <a:xfrm>
+              <a:off x="4337108" y="1103397"/>
+              <a:ext cx="1451295" cy="863064"/>
+            </a:xfrm>
+            <a:prstGeom prst="rect">
+              <a:avLst/>
+            </a:prstGeom>
+            <a:noFill/>
+          </p:spPr>
+          <p:style>
+            <a:lnRef idx="1">
+              <a:schemeClr val="accent5"/>
+            </a:lnRef>
+            <a:fillRef idx="2">
+              <a:schemeClr val="accent5"/>
+            </a:fillRef>
+            <a:effectRef idx="1">
+              <a:schemeClr val="accent5"/>
+            </a:effectRef>
+            <a:fontRef idx="minor">
+              <a:schemeClr val="dk1"/>
+            </a:fontRef>
+          </p:style>
+          <p:txBody>
+            <a:bodyPr rtlCol="0" anchor="t" anchorCtr="0"/>
+            <a:lstStyle/>
+            <a:p>
+              <a:r>
+                <a:rPr lang="en-US" altLang="ko-KR" sz="1200" dirty="0" err="1"/>
+                <a:t>WSAStartup</a:t>
+              </a:r>
+              <a:r>
+                <a:rPr lang="en-US" altLang="ko-KR" sz="1200" dirty="0"/>
+                <a:t>(), socket</a:t>
+              </a:r>
+              <a:r>
+                <a:rPr lang="en-US" altLang="ko-KR" sz="1200" dirty="0" smtClean="0"/>
+                <a:t>() </a:t>
+              </a:r>
+              <a:r>
+                <a:rPr lang="ko-KR" altLang="en-US" sz="1200" dirty="0"/>
+                <a:t>함수들을 이용하여 멤버변수들을 사용 가능한 상태로 만들어 </a:t>
+              </a:r>
+              <a:r>
+                <a:rPr lang="en-US" altLang="ko-KR" sz="1200" dirty="0" smtClean="0"/>
+                <a:t>connect()</a:t>
+              </a:r>
+              <a:r>
+                <a:rPr lang="ko-KR" altLang="en-US" sz="1200" dirty="0"/>
+                <a:t>를 호출할 수 있도록 준비한다</a:t>
+              </a:r>
+              <a:r>
+                <a:rPr lang="en-US" altLang="ko-KR" sz="1200" dirty="0"/>
+                <a:t>.</a:t>
+              </a:r>
+              <a:r>
+                <a:rPr lang="ko-KR" altLang="en-US" sz="1200" dirty="0" smtClean="0"/>
+                <a:t>  </a:t>
+              </a:r>
+              <a:endParaRPr lang="ko-KR" altLang="en-US" sz="1200" dirty="0"/>
+            </a:p>
+          </p:txBody>
+        </p:sp>
+      </p:grpSp>
+      <p:grpSp>
+        <p:nvGrpSpPr>
+          <p:cNvPr id="14" name="그룹 13"/>
+          <p:cNvGrpSpPr/>
+          <p:nvPr/>
+        </p:nvGrpSpPr>
+        <p:grpSpPr>
+          <a:xfrm>
+            <a:off x="1514949" y="2841205"/>
+            <a:ext cx="2100773" cy="1111937"/>
+            <a:chOff x="4337108" y="838900"/>
+            <a:chExt cx="1451296" cy="945388"/>
+          </a:xfrm>
+        </p:grpSpPr>
+        <p:sp>
+          <p:nvSpPr>
+            <p:cNvPr id="15" name="직사각형 14"/>
+            <p:cNvSpPr/>
+            <p:nvPr/>
+          </p:nvSpPr>
+          <p:spPr>
+            <a:xfrm>
+              <a:off x="4337109" y="838900"/>
+              <a:ext cx="1451295" cy="945388"/>
+            </a:xfrm>
+            <a:prstGeom prst="rect">
+              <a:avLst/>
+            </a:prstGeom>
+            <a:noFill/>
+            <a:ln w="28575"/>
+          </p:spPr>
+          <p:style>
+            <a:lnRef idx="1">
+              <a:schemeClr val="dk1"/>
+            </a:lnRef>
+            <a:fillRef idx="2">
+              <a:schemeClr val="dk1"/>
+            </a:fillRef>
+            <a:effectRef idx="1">
+              <a:schemeClr val="dk1"/>
+            </a:effectRef>
+            <a:fontRef idx="minor">
+              <a:schemeClr val="dk1"/>
+            </a:fontRef>
+          </p:style>
+          <p:txBody>
+            <a:bodyPr rtlCol="0" anchor="t" anchorCtr="0"/>
+            <a:lstStyle/>
+            <a:p>
+              <a:pPr algn="ctr"/>
+              <a:r>
+                <a:rPr lang="en-US" altLang="ko-KR" sz="1200" dirty="0"/>
+                <a:t>v</a:t>
+              </a:r>
+              <a:r>
+                <a:rPr lang="en-US" altLang="ko-KR" sz="1200" dirty="0" smtClean="0"/>
+                <a:t>oid </a:t>
+              </a:r>
+              <a:r>
+                <a:rPr lang="en-US" altLang="ko-KR" sz="1200" dirty="0" smtClean="0"/>
+                <a:t>Client::Release</a:t>
+              </a:r>
+              <a:r>
+                <a:rPr lang="en-US" altLang="ko-KR" sz="1200" dirty="0" smtClean="0"/>
+                <a:t>(void)</a:t>
+              </a:r>
+              <a:endParaRPr lang="ko-KR" altLang="en-US" sz="1200" dirty="0"/>
+            </a:p>
+          </p:txBody>
+        </p:sp>
+        <p:sp>
+          <p:nvSpPr>
+            <p:cNvPr id="16" name="직사각형 15"/>
+            <p:cNvSpPr/>
+            <p:nvPr/>
+          </p:nvSpPr>
+          <p:spPr>
+            <a:xfrm>
+              <a:off x="4337108" y="1103397"/>
+              <a:ext cx="1451295" cy="680891"/>
+            </a:xfrm>
+            <a:prstGeom prst="rect">
+              <a:avLst/>
+            </a:prstGeom>
+            <a:noFill/>
+          </p:spPr>
+          <p:style>
+            <a:lnRef idx="1">
+              <a:schemeClr val="accent5"/>
+            </a:lnRef>
+            <a:fillRef idx="2">
+              <a:schemeClr val="accent5"/>
+            </a:fillRef>
+            <a:effectRef idx="1">
+              <a:schemeClr val="accent5"/>
+            </a:effectRef>
+            <a:fontRef idx="minor">
+              <a:schemeClr val="dk1"/>
+            </a:fontRef>
+          </p:style>
+          <p:txBody>
+            <a:bodyPr rtlCol="0" anchor="t" anchorCtr="0"/>
+            <a:lstStyle/>
+            <a:p>
+              <a:r>
+                <a:rPr lang="en-US" altLang="ko-KR" sz="1200" dirty="0" err="1"/>
+                <a:t>closesocket</a:t>
+              </a:r>
+              <a:r>
+                <a:rPr lang="en-US" altLang="ko-KR" sz="1200" dirty="0"/>
+                <a:t>(), </a:t>
+              </a:r>
+              <a:r>
+                <a:rPr lang="en-US" altLang="ko-KR" sz="1200" dirty="0" err="1"/>
+                <a:t>WSACleanup</a:t>
+              </a:r>
+              <a:r>
+                <a:rPr lang="en-US" altLang="ko-KR" sz="1200" dirty="0"/>
+                <a:t>() </a:t>
+              </a:r>
+              <a:r>
+                <a:rPr lang="ko-KR" altLang="en-US" sz="1200" dirty="0"/>
+                <a:t>함수들을 호출하여 </a:t>
+              </a:r>
+              <a:r>
+                <a:rPr lang="ko-KR" altLang="en-US" sz="1200" dirty="0" err="1"/>
+                <a:t>멤버변수</a:t>
+              </a:r>
+              <a:r>
+                <a:rPr lang="ko-KR" altLang="en-US" sz="1200" dirty="0"/>
+                <a:t> </a:t>
+              </a:r>
+              <a:r>
+                <a:rPr lang="en-US" altLang="ko-KR" sz="1200" dirty="0" err="1" smtClean="0"/>
+                <a:t>m_Local_sock</a:t>
+              </a:r>
+              <a:r>
+                <a:rPr lang="ko-KR" altLang="en-US" sz="1200" dirty="0" smtClean="0"/>
+                <a:t>을 </a:t>
+              </a:r>
+              <a:r>
+                <a:rPr lang="ko-KR" altLang="en-US" sz="1200" dirty="0"/>
+                <a:t>닫고 </a:t>
+              </a:r>
+              <a:r>
+                <a:rPr lang="ko-KR" altLang="en-US" sz="1200" dirty="0" err="1"/>
+                <a:t>윈속을</a:t>
+              </a:r>
+              <a:r>
+                <a:rPr lang="ko-KR" altLang="en-US" sz="1200" dirty="0"/>
+                <a:t> 종료한다</a:t>
+              </a:r>
+              <a:r>
+                <a:rPr lang="en-US" altLang="ko-KR" sz="1200" dirty="0"/>
+                <a:t>.</a:t>
+              </a:r>
+              <a:endParaRPr lang="ko-KR" altLang="en-US" sz="1200" dirty="0"/>
+            </a:p>
+          </p:txBody>
+        </p:sp>
+      </p:grpSp>
+      <p:cxnSp>
+        <p:nvCxnSpPr>
+          <p:cNvPr id="17" name="직선 화살표 연결선 16"/>
+          <p:cNvCxnSpPr>
+            <a:endCxn id="13" idx="3"/>
+          </p:cNvCxnSpPr>
+          <p:nvPr/>
+        </p:nvCxnSpPr>
+        <p:spPr>
+          <a:xfrm flipH="1" flipV="1">
+            <a:off x="3544414" y="1737336"/>
+            <a:ext cx="1178357" cy="939913"/>
+          </a:xfrm>
+          <a:prstGeom prst="straightConnector1">
+            <a:avLst/>
+          </a:prstGeom>
+          <a:ln>
+            <a:tailEnd type="triangle"/>
+          </a:ln>
+        </p:spPr>
+        <p:style>
+          <a:lnRef idx="1">
+            <a:schemeClr val="accent1"/>
+          </a:lnRef>
+          <a:fillRef idx="0">
+            <a:schemeClr val="accent1"/>
+          </a:fillRef>
+          <a:effectRef idx="0">
+            <a:schemeClr val="accent1"/>
+          </a:effectRef>
+          <a:fontRef idx="minor">
+            <a:schemeClr val="tx1"/>
+          </a:fontRef>
+        </p:style>
+      </p:cxnSp>
+      <p:cxnSp>
+        <p:nvCxnSpPr>
+          <p:cNvPr id="19" name="직선 화살표 연결선 18"/>
+          <p:cNvCxnSpPr>
+            <a:endCxn id="16" idx="3"/>
+          </p:cNvCxnSpPr>
+          <p:nvPr/>
+        </p:nvCxnSpPr>
+        <p:spPr>
+          <a:xfrm flipH="1">
+            <a:off x="3615721" y="2865303"/>
+            <a:ext cx="1107051" cy="687417"/>
+          </a:xfrm>
+          <a:prstGeom prst="straightConnector1">
+            <a:avLst/>
+          </a:prstGeom>
+          <a:ln>
+            <a:tailEnd type="triangle"/>
+          </a:ln>
+        </p:spPr>
+        <p:style>
+          <a:lnRef idx="1">
+            <a:schemeClr val="accent1"/>
+          </a:lnRef>
+          <a:fillRef idx="0">
+            <a:schemeClr val="accent1"/>
+          </a:fillRef>
+          <a:effectRef idx="0">
+            <a:schemeClr val="accent1"/>
+          </a:effectRef>
+          <a:fontRef idx="minor">
+            <a:schemeClr val="tx1"/>
+          </a:fontRef>
+        </p:style>
+      </p:cxnSp>
+      <p:cxnSp>
+        <p:nvCxnSpPr>
+          <p:cNvPr id="21" name="직선 화살표 연결선 20"/>
+          <p:cNvCxnSpPr>
+            <a:endCxn id="7" idx="1"/>
+          </p:cNvCxnSpPr>
+          <p:nvPr/>
+        </p:nvCxnSpPr>
+        <p:spPr>
+          <a:xfrm flipV="1">
+            <a:off x="6563136" y="2996750"/>
+            <a:ext cx="1166594" cy="52510"/>
+          </a:xfrm>
+          <a:prstGeom prst="straightConnector1">
+            <a:avLst/>
+          </a:prstGeom>
+          <a:ln>
+            <a:tailEnd type="triangle"/>
+          </a:ln>
+        </p:spPr>
+        <p:style>
+          <a:lnRef idx="1">
+            <a:schemeClr val="accent1"/>
+          </a:lnRef>
+          <a:fillRef idx="0">
+            <a:schemeClr val="accent1"/>
+          </a:fillRef>
+          <a:effectRef idx="0">
+            <a:schemeClr val="accent1"/>
+          </a:effectRef>
+          <a:fontRef idx="minor">
+            <a:schemeClr val="tx1"/>
+          </a:fontRef>
+        </p:style>
+      </p:cxnSp>
+      <p:cxnSp>
+        <p:nvCxnSpPr>
+          <p:cNvPr id="23" name="직선 화살표 연결선 22"/>
+          <p:cNvCxnSpPr/>
+          <p:nvPr/>
+        </p:nvCxnSpPr>
+        <p:spPr>
+          <a:xfrm>
+            <a:off x="6196479" y="3218262"/>
+            <a:ext cx="1533249" cy="916271"/>
+          </a:xfrm>
+          <a:prstGeom prst="straightConnector1">
+            <a:avLst/>
+          </a:prstGeom>
+          <a:ln>
+            <a:tailEnd type="triangle"/>
+          </a:ln>
+        </p:spPr>
+        <p:style>
+          <a:lnRef idx="1">
+            <a:schemeClr val="accent1"/>
+          </a:lnRef>
+          <a:fillRef idx="0">
+            <a:schemeClr val="accent1"/>
+          </a:fillRef>
+          <a:effectRef idx="0">
+            <a:schemeClr val="accent1"/>
+          </a:effectRef>
+          <a:fontRef idx="minor">
+            <a:schemeClr val="tx1"/>
+          </a:fontRef>
+        </p:style>
+      </p:cxnSp>
+    </p:spTree>
+    <p:extLst>
+      <p:ext uri="{BB962C8B-B14F-4D97-AF65-F5344CB8AC3E}">
+        <p14:creationId xmlns:p14="http://schemas.microsoft.com/office/powerpoint/2010/main" val="1997913013"/>
       </p:ext>
     </p:extLst>
   </p:cSld>
